--- a/hostedfiles/c2.slides.pptx
+++ b/hostedfiles/c2.slides.pptx
@@ -5,21 +5,20 @@
     <p:sldMasterId id="2147483659" r:id="rId1"/>
   </p:sldMasterIdLst>
   <p:notesMasterIdLst>
-    <p:notesMasterId r:id="rId14"/>
+    <p:notesMasterId r:id="rId13"/>
   </p:notesMasterIdLst>
   <p:sldIdLst>
     <p:sldId id="256" r:id="rId2"/>
-    <p:sldId id="257" r:id="rId3"/>
-    <p:sldId id="258" r:id="rId4"/>
-    <p:sldId id="259" r:id="rId5"/>
-    <p:sldId id="260" r:id="rId6"/>
-    <p:sldId id="261" r:id="rId7"/>
-    <p:sldId id="262" r:id="rId8"/>
-    <p:sldId id="263" r:id="rId9"/>
-    <p:sldId id="264" r:id="rId10"/>
-    <p:sldId id="265" r:id="rId11"/>
-    <p:sldId id="266" r:id="rId12"/>
-    <p:sldId id="267" r:id="rId13"/>
+    <p:sldId id="258" r:id="rId3"/>
+    <p:sldId id="259" r:id="rId4"/>
+    <p:sldId id="260" r:id="rId5"/>
+    <p:sldId id="261" r:id="rId6"/>
+    <p:sldId id="262" r:id="rId7"/>
+    <p:sldId id="263" r:id="rId8"/>
+    <p:sldId id="264" r:id="rId9"/>
+    <p:sldId id="265" r:id="rId10"/>
+    <p:sldId id="266" r:id="rId11"/>
+    <p:sldId id="267" r:id="rId12"/>
   </p:sldIdLst>
   <p:sldSz cx="9144000" cy="5143500" type="screen16x9"/>
   <p:notesSz cx="6858000" cy="9144000"/>
@@ -836,7 +835,7 @@
   <p:cSld>
     <p:spTree>
       <p:nvGrpSpPr>
-        <p:cNvPr id="1" name="Shape 179"/>
+        <p:cNvPr id="1" name="Shape 188"/>
         <p:cNvGrpSpPr/>
         <p:nvPr/>
       </p:nvGrpSpPr>
@@ -850,7 +849,7 @@
       </p:grpSpPr>
       <p:sp>
         <p:nvSpPr>
-          <p:cNvPr id="180" name="Google Shape;180;g6bfe2b0926_2_300:notes"/>
+          <p:cNvPr id="189" name="Google Shape;189;g6bfe2b0926_2_210:notes"/>
           <p:cNvSpPr>
             <a:spLocks noGrp="1" noRot="1" noChangeAspect="1"/>
           </p:cNvSpPr>
@@ -860,7 +859,7 @@
         </p:nvSpPr>
         <p:spPr>
           <a:xfrm>
-            <a:off x="381300" y="685800"/>
+            <a:off x="381000" y="685800"/>
             <a:ext cx="6096000" cy="3429000"/>
           </a:xfrm>
           <a:custGeom>
@@ -891,7 +890,7 @@
       </p:sp>
       <p:sp>
         <p:nvSpPr>
-          <p:cNvPr id="181" name="Google Shape;181;g6bfe2b0926_2_300:notes"/>
+          <p:cNvPr id="190" name="Google Shape;190;g6bfe2b0926_2_210:notes"/>
           <p:cNvSpPr txBox="1">
             <a:spLocks noGrp="1"/>
           </p:cNvSpPr>
@@ -923,14 +922,18 @@
               </a:spcAft>
               <a:buNone/>
             </a:pPr>
-            <a:endParaRPr/>
+            <a:r>
+              <a:rPr lang="en-US" dirty="0"/>
+              <a:t>The shared structure might be an opportunity to address some limitations of the one-phenotype at a time GWAS.</a:t>
+            </a:r>
+            <a:endParaRPr dirty="0"/>
           </a:p>
         </p:txBody>
       </p:sp>
     </p:spTree>
     <p:extLst>
       <p:ext uri="{BB962C8B-B14F-4D97-AF65-F5344CB8AC3E}">
-        <p14:creationId xmlns:p14="http://schemas.microsoft.com/office/powerpoint/2010/main" val="30542526"/>
+        <p14:creationId xmlns:p14="http://schemas.microsoft.com/office/powerpoint/2010/main" val="79642849"/>
       </p:ext>
     </p:extLst>
   </p:cSld>
@@ -945,7 +948,7 @@
   <p:cSld>
     <p:spTree>
       <p:nvGrpSpPr>
-        <p:cNvPr id="1" name="Shape 188"/>
+        <p:cNvPr id="1" name="Shape 261"/>
         <p:cNvGrpSpPr/>
         <p:nvPr/>
       </p:nvGrpSpPr>
@@ -959,7 +962,7 @@
       </p:grpSpPr>
       <p:sp>
         <p:nvSpPr>
-          <p:cNvPr id="189" name="Google Shape;189;g6bfe2b0926_2_210:notes"/>
+          <p:cNvPr id="262" name="Google Shape;262;g75935799ba_0_83:notes"/>
           <p:cNvSpPr>
             <a:spLocks noGrp="1" noRot="1" noChangeAspect="1"/>
           </p:cNvSpPr>
@@ -969,7 +972,7 @@
         </p:nvSpPr>
         <p:spPr>
           <a:xfrm>
-            <a:off x="381300" y="685800"/>
+            <a:off x="381000" y="685800"/>
             <a:ext cx="6096000" cy="3429000"/>
           </a:xfrm>
           <a:custGeom>
@@ -1000,7 +1003,7 @@
       </p:sp>
       <p:sp>
         <p:nvSpPr>
-          <p:cNvPr id="190" name="Google Shape;190;g6bfe2b0926_2_210:notes"/>
+          <p:cNvPr id="263" name="Google Shape;263;g75935799ba_0_83:notes"/>
           <p:cNvSpPr txBox="1">
             <a:spLocks noGrp="1"/>
           </p:cNvSpPr>
@@ -1039,7 +1042,7 @@
     </p:spTree>
     <p:extLst>
       <p:ext uri="{BB962C8B-B14F-4D97-AF65-F5344CB8AC3E}">
-        <p14:creationId xmlns:p14="http://schemas.microsoft.com/office/powerpoint/2010/main" val="79642849"/>
+        <p14:creationId xmlns:p14="http://schemas.microsoft.com/office/powerpoint/2010/main" val="675051062"/>
       </p:ext>
     </p:extLst>
   </p:cSld>
@@ -1049,12 +1052,12 @@
 </p:notes>
 </file>
 
-<file path=ppt/notesSlides/notesSlide12.xml><?xml version="1.0" encoding="utf-8"?>
+<file path=ppt/notesSlides/notesSlide2.xml><?xml version="1.0" encoding="utf-8"?>
 <p:notes xmlns:a="http://schemas.openxmlformats.org/drawingml/2006/main" xmlns:r="http://schemas.openxmlformats.org/officeDocument/2006/relationships" xmlns:p="http://schemas.openxmlformats.org/presentationml/2006/main" showMasterSp="0" showMasterPhAnim="0">
   <p:cSld>
     <p:spTree>
       <p:nvGrpSpPr>
-        <p:cNvPr id="1" name="Shape 261"/>
+        <p:cNvPr id="1" name="Shape 69"/>
         <p:cNvGrpSpPr/>
         <p:nvPr/>
       </p:nvGrpSpPr>
@@ -1068,7 +1071,7 @@
       </p:grpSpPr>
       <p:sp>
         <p:nvSpPr>
-          <p:cNvPr id="262" name="Google Shape;262;g75935799ba_0_83:notes"/>
+          <p:cNvPr id="70" name="Google Shape;70;g6bfe2b0926_2_20:notes"/>
           <p:cNvSpPr>
             <a:spLocks noGrp="1" noRot="1" noChangeAspect="1"/>
           </p:cNvSpPr>
@@ -1078,7 +1081,7 @@
         </p:nvSpPr>
         <p:spPr>
           <a:xfrm>
-            <a:off x="381300" y="685800"/>
+            <a:off x="381000" y="685800"/>
             <a:ext cx="6096000" cy="3429000"/>
           </a:xfrm>
           <a:custGeom>
@@ -1109,7 +1112,7 @@
       </p:sp>
       <p:sp>
         <p:nvSpPr>
-          <p:cNvPr id="263" name="Google Shape;263;g75935799ba_0_83:notes"/>
+          <p:cNvPr id="71" name="Google Shape;71;g6bfe2b0926_2_20:notes"/>
           <p:cNvSpPr txBox="1">
             <a:spLocks noGrp="1"/>
           </p:cNvSpPr>
@@ -1148,7 +1151,7 @@
     </p:spTree>
     <p:extLst>
       <p:ext uri="{BB962C8B-B14F-4D97-AF65-F5344CB8AC3E}">
-        <p14:creationId xmlns:p14="http://schemas.microsoft.com/office/powerpoint/2010/main" val="675051062"/>
+        <p14:creationId xmlns:p14="http://schemas.microsoft.com/office/powerpoint/2010/main" val="1841904194"/>
       </p:ext>
     </p:extLst>
   </p:cSld>
@@ -1158,12 +1161,12 @@
 </p:notes>
 </file>
 
-<file path=ppt/notesSlides/notesSlide2.xml><?xml version="1.0" encoding="utf-8"?>
+<file path=ppt/notesSlides/notesSlide3.xml><?xml version="1.0" encoding="utf-8"?>
 <p:notes xmlns:a="http://schemas.openxmlformats.org/drawingml/2006/main" xmlns:r="http://schemas.openxmlformats.org/officeDocument/2006/relationships" xmlns:p="http://schemas.openxmlformats.org/presentationml/2006/main" showMasterSp="0" showMasterPhAnim="0">
   <p:cSld>
     <p:spTree>
       <p:nvGrpSpPr>
-        <p:cNvPr id="1" name="Shape 56"/>
+        <p:cNvPr id="1" name="Shape 82"/>
         <p:cNvGrpSpPr/>
         <p:nvPr/>
       </p:nvGrpSpPr>
@@ -1177,7 +1180,7 @@
       </p:grpSpPr>
       <p:sp>
         <p:nvSpPr>
-          <p:cNvPr id="57" name="Google Shape;57;g6bfe2b0926_2_7:notes"/>
+          <p:cNvPr id="83" name="Google Shape;83;g6bfe2b0926_2_32:notes"/>
           <p:cNvSpPr>
             <a:spLocks noGrp="1" noRot="1" noChangeAspect="1"/>
           </p:cNvSpPr>
@@ -1187,7 +1190,7 @@
         </p:nvSpPr>
         <p:spPr>
           <a:xfrm>
-            <a:off x="381300" y="685800"/>
+            <a:off x="381000" y="685800"/>
             <a:ext cx="6096000" cy="3429000"/>
           </a:xfrm>
           <a:custGeom>
@@ -1218,7 +1221,7 @@
       </p:sp>
       <p:sp>
         <p:nvSpPr>
-          <p:cNvPr id="58" name="Google Shape;58;g6bfe2b0926_2_7:notes"/>
+          <p:cNvPr id="84" name="Google Shape;84;g6bfe2b0926_2_32:notes"/>
           <p:cNvSpPr txBox="1">
             <a:spLocks noGrp="1"/>
           </p:cNvSpPr>
@@ -1257,7 +1260,7 @@
     </p:spTree>
     <p:extLst>
       <p:ext uri="{BB962C8B-B14F-4D97-AF65-F5344CB8AC3E}">
-        <p14:creationId xmlns:p14="http://schemas.microsoft.com/office/powerpoint/2010/main" val="1007601027"/>
+        <p14:creationId xmlns:p14="http://schemas.microsoft.com/office/powerpoint/2010/main" val="907017053"/>
       </p:ext>
     </p:extLst>
   </p:cSld>
@@ -1267,12 +1270,12 @@
 </p:notes>
 </file>
 
-<file path=ppt/notesSlides/notesSlide3.xml><?xml version="1.0" encoding="utf-8"?>
+<file path=ppt/notesSlides/notesSlide4.xml><?xml version="1.0" encoding="utf-8"?>
 <p:notes xmlns:a="http://schemas.openxmlformats.org/drawingml/2006/main" xmlns:r="http://schemas.openxmlformats.org/officeDocument/2006/relationships" xmlns:p="http://schemas.openxmlformats.org/presentationml/2006/main" showMasterSp="0" showMasterPhAnim="0">
   <p:cSld>
     <p:spTree>
       <p:nvGrpSpPr>
-        <p:cNvPr id="1" name="Shape 69"/>
+        <p:cNvPr id="1" name="Shape 95"/>
         <p:cNvGrpSpPr/>
         <p:nvPr/>
       </p:nvGrpSpPr>
@@ -1286,7 +1289,7 @@
       </p:grpSpPr>
       <p:sp>
         <p:nvSpPr>
-          <p:cNvPr id="70" name="Google Shape;70;g6bfe2b0926_2_20:notes"/>
+          <p:cNvPr id="96" name="Google Shape;96;g6bfe2b0926_2_45:notes"/>
           <p:cNvSpPr>
             <a:spLocks noGrp="1" noRot="1" noChangeAspect="1"/>
           </p:cNvSpPr>
@@ -1296,7 +1299,7 @@
         </p:nvSpPr>
         <p:spPr>
           <a:xfrm>
-            <a:off x="381300" y="685800"/>
+            <a:off x="381000" y="685800"/>
             <a:ext cx="6096000" cy="3429000"/>
           </a:xfrm>
           <a:custGeom>
@@ -1327,7 +1330,7 @@
       </p:sp>
       <p:sp>
         <p:nvSpPr>
-          <p:cNvPr id="71" name="Google Shape;71;g6bfe2b0926_2_20:notes"/>
+          <p:cNvPr id="97" name="Google Shape;97;g6bfe2b0926_2_45:notes"/>
           <p:cNvSpPr txBox="1">
             <a:spLocks noGrp="1"/>
           </p:cNvSpPr>
@@ -1366,7 +1369,7 @@
     </p:spTree>
     <p:extLst>
       <p:ext uri="{BB962C8B-B14F-4D97-AF65-F5344CB8AC3E}">
-        <p14:creationId xmlns:p14="http://schemas.microsoft.com/office/powerpoint/2010/main" val="1841904194"/>
+        <p14:creationId xmlns:p14="http://schemas.microsoft.com/office/powerpoint/2010/main" val="1396683365"/>
       </p:ext>
     </p:extLst>
   </p:cSld>
@@ -1376,12 +1379,12 @@
 </p:notes>
 </file>
 
-<file path=ppt/notesSlides/notesSlide4.xml><?xml version="1.0" encoding="utf-8"?>
+<file path=ppt/notesSlides/notesSlide5.xml><?xml version="1.0" encoding="utf-8"?>
 <p:notes xmlns:a="http://schemas.openxmlformats.org/drawingml/2006/main" xmlns:r="http://schemas.openxmlformats.org/officeDocument/2006/relationships" xmlns:p="http://schemas.openxmlformats.org/presentationml/2006/main" showMasterSp="0" showMasterPhAnim="0">
   <p:cSld>
     <p:spTree>
       <p:nvGrpSpPr>
-        <p:cNvPr id="1" name="Shape 82"/>
+        <p:cNvPr id="1" name="Shape 109"/>
         <p:cNvGrpSpPr/>
         <p:nvPr/>
       </p:nvGrpSpPr>
@@ -1395,7 +1398,7 @@
       </p:grpSpPr>
       <p:sp>
         <p:nvSpPr>
-          <p:cNvPr id="83" name="Google Shape;83;g6bfe2b0926_2_32:notes"/>
+          <p:cNvPr id="110" name="Google Shape;110;g6bfe2b0926_2_65:notes"/>
           <p:cNvSpPr>
             <a:spLocks noGrp="1" noRot="1" noChangeAspect="1"/>
           </p:cNvSpPr>
@@ -1405,7 +1408,7 @@
         </p:nvSpPr>
         <p:spPr>
           <a:xfrm>
-            <a:off x="381300" y="685800"/>
+            <a:off x="381000" y="685800"/>
             <a:ext cx="6096000" cy="3429000"/>
           </a:xfrm>
           <a:custGeom>
@@ -1436,7 +1439,7 @@
       </p:sp>
       <p:sp>
         <p:nvSpPr>
-          <p:cNvPr id="84" name="Google Shape;84;g6bfe2b0926_2_32:notes"/>
+          <p:cNvPr id="111" name="Google Shape;111;g6bfe2b0926_2_65:notes"/>
           <p:cNvSpPr txBox="1">
             <a:spLocks noGrp="1"/>
           </p:cNvSpPr>
@@ -1475,7 +1478,7 @@
     </p:spTree>
     <p:extLst>
       <p:ext uri="{BB962C8B-B14F-4D97-AF65-F5344CB8AC3E}">
-        <p14:creationId xmlns:p14="http://schemas.microsoft.com/office/powerpoint/2010/main" val="907017053"/>
+        <p14:creationId xmlns:p14="http://schemas.microsoft.com/office/powerpoint/2010/main" val="2061053845"/>
       </p:ext>
     </p:extLst>
   </p:cSld>
@@ -1485,12 +1488,12 @@
 </p:notes>
 </file>
 
-<file path=ppt/notesSlides/notesSlide5.xml><?xml version="1.0" encoding="utf-8"?>
+<file path=ppt/notesSlides/notesSlide6.xml><?xml version="1.0" encoding="utf-8"?>
 <p:notes xmlns:a="http://schemas.openxmlformats.org/drawingml/2006/main" xmlns:r="http://schemas.openxmlformats.org/officeDocument/2006/relationships" xmlns:p="http://schemas.openxmlformats.org/presentationml/2006/main" showMasterSp="0" showMasterPhAnim="0">
   <p:cSld>
     <p:spTree>
       <p:nvGrpSpPr>
-        <p:cNvPr id="1" name="Shape 95"/>
+        <p:cNvPr id="1" name="Shape 125"/>
         <p:cNvGrpSpPr/>
         <p:nvPr/>
       </p:nvGrpSpPr>
@@ -1504,7 +1507,7 @@
       </p:grpSpPr>
       <p:sp>
         <p:nvSpPr>
-          <p:cNvPr id="96" name="Google Shape;96;g6bfe2b0926_2_45:notes"/>
+          <p:cNvPr id="126" name="Google Shape;126;g6bfe2b0926_2_121:notes"/>
           <p:cNvSpPr>
             <a:spLocks noGrp="1" noRot="1" noChangeAspect="1"/>
           </p:cNvSpPr>
@@ -1514,7 +1517,7 @@
         </p:nvSpPr>
         <p:spPr>
           <a:xfrm>
-            <a:off x="381300" y="685800"/>
+            <a:off x="381000" y="685800"/>
             <a:ext cx="6096000" cy="3429000"/>
           </a:xfrm>
           <a:custGeom>
@@ -1545,7 +1548,7 @@
       </p:sp>
       <p:sp>
         <p:nvSpPr>
-          <p:cNvPr id="97" name="Google Shape;97;g6bfe2b0926_2_45:notes"/>
+          <p:cNvPr id="127" name="Google Shape;127;g6bfe2b0926_2_121:notes"/>
           <p:cNvSpPr txBox="1">
             <a:spLocks noGrp="1"/>
           </p:cNvSpPr>
@@ -1584,7 +1587,7 @@
     </p:spTree>
     <p:extLst>
       <p:ext uri="{BB962C8B-B14F-4D97-AF65-F5344CB8AC3E}">
-        <p14:creationId xmlns:p14="http://schemas.microsoft.com/office/powerpoint/2010/main" val="1396683365"/>
+        <p14:creationId xmlns:p14="http://schemas.microsoft.com/office/powerpoint/2010/main" val="1220746805"/>
       </p:ext>
     </p:extLst>
   </p:cSld>
@@ -1594,12 +1597,12 @@
 </p:notes>
 </file>
 
-<file path=ppt/notesSlides/notesSlide6.xml><?xml version="1.0" encoding="utf-8"?>
+<file path=ppt/notesSlides/notesSlide7.xml><?xml version="1.0" encoding="utf-8"?>
 <p:notes xmlns:a="http://schemas.openxmlformats.org/drawingml/2006/main" xmlns:r="http://schemas.openxmlformats.org/officeDocument/2006/relationships" xmlns:p="http://schemas.openxmlformats.org/presentationml/2006/main" showMasterSp="0" showMasterPhAnim="0">
   <p:cSld>
     <p:spTree>
       <p:nvGrpSpPr>
-        <p:cNvPr id="1" name="Shape 109"/>
+        <p:cNvPr id="1" name="Shape 141"/>
         <p:cNvGrpSpPr/>
         <p:nvPr/>
       </p:nvGrpSpPr>
@@ -1613,7 +1616,7 @@
       </p:grpSpPr>
       <p:sp>
         <p:nvSpPr>
-          <p:cNvPr id="110" name="Google Shape;110;g6bfe2b0926_2_65:notes"/>
+          <p:cNvPr id="142" name="Google Shape;142;g6bfe2b0926_2_167:notes"/>
           <p:cNvSpPr>
             <a:spLocks noGrp="1" noRot="1" noChangeAspect="1"/>
           </p:cNvSpPr>
@@ -1623,7 +1626,7 @@
         </p:nvSpPr>
         <p:spPr>
           <a:xfrm>
-            <a:off x="381300" y="685800"/>
+            <a:off x="381000" y="685800"/>
             <a:ext cx="6096000" cy="3429000"/>
           </a:xfrm>
           <a:custGeom>
@@ -1654,7 +1657,7 @@
       </p:sp>
       <p:sp>
         <p:nvSpPr>
-          <p:cNvPr id="111" name="Google Shape;111;g6bfe2b0926_2_65:notes"/>
+          <p:cNvPr id="143" name="Google Shape;143;g6bfe2b0926_2_167:notes"/>
           <p:cNvSpPr txBox="1">
             <a:spLocks noGrp="1"/>
           </p:cNvSpPr>
@@ -1686,6 +1689,10 @@
               </a:spcAft>
               <a:buNone/>
             </a:pPr>
+            <a:r>
+              <a:rPr lang="en"/>
+              <a:t>https://ukbb-rg.hail.is/correlation_plots_agglo.html</a:t>
+            </a:r>
             <a:endParaRPr/>
           </a:p>
         </p:txBody>
@@ -1693,7 +1700,7 @@
     </p:spTree>
     <p:extLst>
       <p:ext uri="{BB962C8B-B14F-4D97-AF65-F5344CB8AC3E}">
-        <p14:creationId xmlns:p14="http://schemas.microsoft.com/office/powerpoint/2010/main" val="2061053845"/>
+        <p14:creationId xmlns:p14="http://schemas.microsoft.com/office/powerpoint/2010/main" val="32788197"/>
       </p:ext>
     </p:extLst>
   </p:cSld>
@@ -1703,12 +1710,12 @@
 </p:notes>
 </file>
 
-<file path=ppt/notesSlides/notesSlide7.xml><?xml version="1.0" encoding="utf-8"?>
+<file path=ppt/notesSlides/notesSlide8.xml><?xml version="1.0" encoding="utf-8"?>
 <p:notes xmlns:a="http://schemas.openxmlformats.org/drawingml/2006/main" xmlns:r="http://schemas.openxmlformats.org/officeDocument/2006/relationships" xmlns:p="http://schemas.openxmlformats.org/presentationml/2006/main" showMasterSp="0" showMasterPhAnim="0">
   <p:cSld>
     <p:spTree>
       <p:nvGrpSpPr>
-        <p:cNvPr id="1" name="Shape 125"/>
+        <p:cNvPr id="1" name="Shape 159"/>
         <p:cNvGrpSpPr/>
         <p:nvPr/>
       </p:nvGrpSpPr>
@@ -1722,7 +1729,7 @@
       </p:grpSpPr>
       <p:sp>
         <p:nvSpPr>
-          <p:cNvPr id="126" name="Google Shape;126;g6bfe2b0926_2_121:notes"/>
+          <p:cNvPr id="160" name="Google Shape;160;g6bfe2b0926_2_187:notes"/>
           <p:cNvSpPr>
             <a:spLocks noGrp="1" noRot="1" noChangeAspect="1"/>
           </p:cNvSpPr>
@@ -1732,7 +1739,7 @@
         </p:nvSpPr>
         <p:spPr>
           <a:xfrm>
-            <a:off x="381300" y="685800"/>
+            <a:off x="381000" y="685800"/>
             <a:ext cx="6096000" cy="3429000"/>
           </a:xfrm>
           <a:custGeom>
@@ -1763,7 +1770,7 @@
       </p:sp>
       <p:sp>
         <p:nvSpPr>
-          <p:cNvPr id="127" name="Google Shape;127;g6bfe2b0926_2_121:notes"/>
+          <p:cNvPr id="161" name="Google Shape;161;g6bfe2b0926_2_187:notes"/>
           <p:cNvSpPr txBox="1">
             <a:spLocks noGrp="1"/>
           </p:cNvSpPr>
@@ -1795,6 +1802,10 @@
               </a:spcAft>
               <a:buNone/>
             </a:pPr>
+            <a:r>
+              <a:rPr lang="en"/>
+              <a:t>https://ukbb-rg.hail.is/correlation_plots_agglo.html</a:t>
+            </a:r>
             <a:endParaRPr/>
           </a:p>
         </p:txBody>
@@ -1802,7 +1813,7 @@
     </p:spTree>
     <p:extLst>
       <p:ext uri="{BB962C8B-B14F-4D97-AF65-F5344CB8AC3E}">
-        <p14:creationId xmlns:p14="http://schemas.microsoft.com/office/powerpoint/2010/main" val="1220746805"/>
+        <p14:creationId xmlns:p14="http://schemas.microsoft.com/office/powerpoint/2010/main" val="1484726038"/>
       </p:ext>
     </p:extLst>
   </p:cSld>
@@ -1812,12 +1823,12 @@
 </p:notes>
 </file>
 
-<file path=ppt/notesSlides/notesSlide8.xml><?xml version="1.0" encoding="utf-8"?>
+<file path=ppt/notesSlides/notesSlide9.xml><?xml version="1.0" encoding="utf-8"?>
 <p:notes xmlns:a="http://schemas.openxmlformats.org/drawingml/2006/main" xmlns:r="http://schemas.openxmlformats.org/officeDocument/2006/relationships" xmlns:p="http://schemas.openxmlformats.org/presentationml/2006/main" showMasterSp="0" showMasterPhAnim="0">
   <p:cSld>
     <p:spTree>
       <p:nvGrpSpPr>
-        <p:cNvPr id="1" name="Shape 141"/>
+        <p:cNvPr id="1" name="Shape 179"/>
         <p:cNvGrpSpPr/>
         <p:nvPr/>
       </p:nvGrpSpPr>
@@ -1831,7 +1842,7 @@
       </p:grpSpPr>
       <p:sp>
         <p:nvSpPr>
-          <p:cNvPr id="142" name="Google Shape;142;g6bfe2b0926_2_167:notes"/>
+          <p:cNvPr id="180" name="Google Shape;180;g6bfe2b0926_2_300:notes"/>
           <p:cNvSpPr>
             <a:spLocks noGrp="1" noRot="1" noChangeAspect="1"/>
           </p:cNvSpPr>
@@ -1872,7 +1883,7 @@
       </p:sp>
       <p:sp>
         <p:nvSpPr>
-          <p:cNvPr id="143" name="Google Shape;143;g6bfe2b0926_2_167:notes"/>
+          <p:cNvPr id="181" name="Google Shape;181;g6bfe2b0926_2_300:notes"/>
           <p:cNvSpPr txBox="1">
             <a:spLocks noGrp="1"/>
           </p:cNvSpPr>
@@ -1904,10 +1915,6 @@
               </a:spcAft>
               <a:buNone/>
             </a:pPr>
-            <a:r>
-              <a:rPr lang="en"/>
-              <a:t>https://ukbb-rg.hail.is/correlation_plots_agglo.html</a:t>
-            </a:r>
             <a:endParaRPr/>
           </a:p>
         </p:txBody>
@@ -1915,120 +1922,7 @@
     </p:spTree>
     <p:extLst>
       <p:ext uri="{BB962C8B-B14F-4D97-AF65-F5344CB8AC3E}">
-        <p14:creationId xmlns:p14="http://schemas.microsoft.com/office/powerpoint/2010/main" val="32788197"/>
-      </p:ext>
-    </p:extLst>
-  </p:cSld>
-  <p:clrMapOvr>
-    <a:masterClrMapping/>
-  </p:clrMapOvr>
-</p:notes>
-</file>
-
-<file path=ppt/notesSlides/notesSlide9.xml><?xml version="1.0" encoding="utf-8"?>
-<p:notes xmlns:a="http://schemas.openxmlformats.org/drawingml/2006/main" xmlns:r="http://schemas.openxmlformats.org/officeDocument/2006/relationships" xmlns:p="http://schemas.openxmlformats.org/presentationml/2006/main" showMasterSp="0" showMasterPhAnim="0">
-  <p:cSld>
-    <p:spTree>
-      <p:nvGrpSpPr>
-        <p:cNvPr id="1" name="Shape 159"/>
-        <p:cNvGrpSpPr/>
-        <p:nvPr/>
-      </p:nvGrpSpPr>
-      <p:grpSpPr>
-        <a:xfrm>
-          <a:off x="0" y="0"/>
-          <a:ext cx="0" cy="0"/>
-          <a:chOff x="0" y="0"/>
-          <a:chExt cx="0" cy="0"/>
-        </a:xfrm>
-      </p:grpSpPr>
-      <p:sp>
-        <p:nvSpPr>
-          <p:cNvPr id="160" name="Google Shape;160;g6bfe2b0926_2_187:notes"/>
-          <p:cNvSpPr>
-            <a:spLocks noGrp="1" noRot="1" noChangeAspect="1"/>
-          </p:cNvSpPr>
-          <p:nvPr>
-            <p:ph type="sldImg" idx="2"/>
-          </p:nvPr>
-        </p:nvSpPr>
-        <p:spPr>
-          <a:xfrm>
-            <a:off x="381300" y="685800"/>
-            <a:ext cx="6096000" cy="3429000"/>
-          </a:xfrm>
-          <a:custGeom>
-            <a:avLst/>
-            <a:gdLst/>
-            <a:ahLst/>
-            <a:cxnLst/>
-            <a:rect l="l" t="t" r="r" b="b"/>
-            <a:pathLst>
-              <a:path w="120000" h="120000" extrusionOk="0">
-                <a:moveTo>
-                  <a:pt x="0" y="0"/>
-                </a:moveTo>
-                <a:lnTo>
-                  <a:pt x="120000" y="0"/>
-                </a:lnTo>
-                <a:lnTo>
-                  <a:pt x="120000" y="120000"/>
-                </a:lnTo>
-                <a:lnTo>
-                  <a:pt x="0" y="120000"/>
-                </a:lnTo>
-                <a:close/>
-              </a:path>
-            </a:pathLst>
-          </a:custGeom>
-        </p:spPr>
-      </p:sp>
-      <p:sp>
-        <p:nvSpPr>
-          <p:cNvPr id="161" name="Google Shape;161;g6bfe2b0926_2_187:notes"/>
-          <p:cNvSpPr txBox="1">
-            <a:spLocks noGrp="1"/>
-          </p:cNvSpPr>
-          <p:nvPr>
-            <p:ph type="body" idx="1"/>
-          </p:nvPr>
-        </p:nvSpPr>
-        <p:spPr>
-          <a:xfrm>
-            <a:off x="685800" y="4343400"/>
-            <a:ext cx="5486400" cy="4114800"/>
-          </a:xfrm>
-          <a:prstGeom prst="rect">
-            <a:avLst/>
-          </a:prstGeom>
-        </p:spPr>
-        <p:txBody>
-          <a:bodyPr spcFirstLastPara="1" wrap="square" lIns="91425" tIns="91425" rIns="91425" bIns="91425" anchor="t" anchorCtr="0">
-            <a:noAutofit/>
-          </a:bodyPr>
-          <a:lstStyle/>
-          <a:p>
-            <a:pPr marL="0" lvl="0" indent="0" algn="l" rtl="0">
-              <a:spcBef>
-                <a:spcPts val="0"/>
-              </a:spcBef>
-              <a:spcAft>
-                <a:spcPts val="0"/>
-              </a:spcAft>
-              <a:buNone/>
-            </a:pPr>
-            <a:r>
-              <a:rPr lang="en"/>
-              <a:t>https://ukbb-rg.hail.is/correlation_plots_agglo.html</a:t>
-            </a:r>
-            <a:endParaRPr/>
-          </a:p>
-        </p:txBody>
-      </p:sp>
-    </p:spTree>
-    <p:extLst>
-      <p:ext uri="{BB962C8B-B14F-4D97-AF65-F5344CB8AC3E}">
-        <p14:creationId xmlns:p14="http://schemas.microsoft.com/office/powerpoint/2010/main" val="1484726038"/>
+        <p14:creationId xmlns:p14="http://schemas.microsoft.com/office/powerpoint/2010/main" val="30542526"/>
       </p:ext>
     </p:extLst>
   </p:cSld>
@@ -6938,7 +6832,7 @@
               <a:buNone/>
             </a:pPr>
             <a:r>
-              <a:rPr lang="en-US" sz="2800" dirty="0" smtClean="0">
+              <a:rPr lang="en-US" sz="2800" dirty="0">
                 <a:solidFill>
                   <a:srgbClr val="595959"/>
                 </a:solidFill>
@@ -6961,7 +6855,7 @@
               <a:buNone/>
             </a:pPr>
             <a:r>
-              <a:rPr lang="en-US" sz="2800" smtClean="0">
+              <a:rPr lang="en-US" sz="2800">
                 <a:solidFill>
                   <a:srgbClr val="595959"/>
                 </a:solidFill>
@@ -6997,240 +6891,6 @@
   <p:cSld>
     <p:spTree>
       <p:nvGrpSpPr>
-        <p:cNvPr id="1" name="Shape 182"/>
-        <p:cNvGrpSpPr/>
-        <p:nvPr/>
-      </p:nvGrpSpPr>
-      <p:grpSpPr>
-        <a:xfrm>
-          <a:off x="0" y="0"/>
-          <a:ext cx="0" cy="0"/>
-          <a:chOff x="0" y="0"/>
-          <a:chExt cx="0" cy="0"/>
-        </a:xfrm>
-      </p:grpSpPr>
-      <p:sp>
-        <p:nvSpPr>
-          <p:cNvPr id="183" name="Google Shape;183;p22"/>
-          <p:cNvSpPr txBox="1">
-            <a:spLocks noGrp="1"/>
-          </p:cNvSpPr>
-          <p:nvPr>
-            <p:ph type="title"/>
-          </p:nvPr>
-        </p:nvSpPr>
-        <p:spPr>
-          <a:xfrm>
-            <a:off x="311700" y="445025"/>
-            <a:ext cx="8520600" cy="572700"/>
-          </a:xfrm>
-          <a:prstGeom prst="rect">
-            <a:avLst/>
-          </a:prstGeom>
-        </p:spPr>
-        <p:txBody>
-          <a:bodyPr spcFirstLastPara="1" wrap="square" lIns="91425" tIns="91425" rIns="91425" bIns="91425" anchor="t" anchorCtr="0">
-            <a:noAutofit/>
-          </a:bodyPr>
-          <a:lstStyle/>
-          <a:p>
-            <a:pPr marL="0" lvl="0" indent="0" algn="l" rtl="0">
-              <a:spcBef>
-                <a:spcPts val="0"/>
-              </a:spcBef>
-              <a:spcAft>
-                <a:spcPts val="0"/>
-              </a:spcAft>
-              <a:buNone/>
-            </a:pPr>
-            <a:r>
-              <a:rPr lang="en"/>
-              <a:t>Observed phenotypes have shared structure!</a:t>
-            </a:r>
-            <a:endParaRPr/>
-          </a:p>
-        </p:txBody>
-      </p:sp>
-      <p:pic>
-        <p:nvPicPr>
-          <p:cNvPr id="184" name="Google Shape;184;p22"/>
-          <p:cNvPicPr preferRelativeResize="0"/>
-          <p:nvPr/>
-        </p:nvPicPr>
-        <p:blipFill>
-          <a:blip r:embed="rId3">
-            <a:alphaModFix/>
-          </a:blip>
-          <a:stretch>
-            <a:fillRect/>
-          </a:stretch>
-        </p:blipFill>
-        <p:spPr>
-          <a:xfrm>
-            <a:off x="2605688" y="1177375"/>
-            <a:ext cx="3932625" cy="3538325"/>
-          </a:xfrm>
-          <a:prstGeom prst="rect">
-            <a:avLst/>
-          </a:prstGeom>
-          <a:noFill/>
-          <a:ln>
-            <a:noFill/>
-          </a:ln>
-        </p:spPr>
-      </p:pic>
-      <p:sp>
-        <p:nvSpPr>
-          <p:cNvPr id="185" name="Google Shape;185;p22"/>
-          <p:cNvSpPr txBox="1"/>
-          <p:nvPr/>
-        </p:nvSpPr>
-        <p:spPr>
-          <a:xfrm>
-            <a:off x="2710175" y="4619875"/>
-            <a:ext cx="3278400" cy="335700"/>
-          </a:xfrm>
-          <a:prstGeom prst="rect">
-            <a:avLst/>
-          </a:prstGeom>
-          <a:noFill/>
-          <a:ln>
-            <a:noFill/>
-          </a:ln>
-        </p:spPr>
-        <p:txBody>
-          <a:bodyPr spcFirstLastPara="1" wrap="square" lIns="91425" tIns="91425" rIns="91425" bIns="91425" anchor="ctr" anchorCtr="0">
-            <a:noAutofit/>
-          </a:bodyPr>
-          <a:lstStyle/>
-          <a:p>
-            <a:pPr marL="0" lvl="0" indent="0" algn="ctr" rtl="0">
-              <a:spcBef>
-                <a:spcPts val="0"/>
-              </a:spcBef>
-              <a:spcAft>
-                <a:spcPts val="0"/>
-              </a:spcAft>
-              <a:buNone/>
-            </a:pPr>
-            <a:r>
-              <a:rPr lang="en" sz="2000"/>
-              <a:t>~4k phenotypes</a:t>
-            </a:r>
-            <a:endParaRPr sz="2000"/>
-          </a:p>
-        </p:txBody>
-      </p:sp>
-      <p:sp>
-        <p:nvSpPr>
-          <p:cNvPr id="186" name="Google Shape;186;p22"/>
-          <p:cNvSpPr txBox="1"/>
-          <p:nvPr/>
-        </p:nvSpPr>
-        <p:spPr>
-          <a:xfrm rot="-5400000">
-            <a:off x="794900" y="2775825"/>
-            <a:ext cx="3285900" cy="335700"/>
-          </a:xfrm>
-          <a:prstGeom prst="rect">
-            <a:avLst/>
-          </a:prstGeom>
-          <a:noFill/>
-          <a:ln>
-            <a:noFill/>
-          </a:ln>
-        </p:spPr>
-        <p:txBody>
-          <a:bodyPr spcFirstLastPara="1" wrap="square" lIns="91425" tIns="91425" rIns="91425" bIns="91425" anchor="ctr" anchorCtr="0">
-            <a:noAutofit/>
-          </a:bodyPr>
-          <a:lstStyle/>
-          <a:p>
-            <a:pPr marL="0" lvl="0" indent="0" algn="ctr" rtl="0">
-              <a:spcBef>
-                <a:spcPts val="0"/>
-              </a:spcBef>
-              <a:spcAft>
-                <a:spcPts val="0"/>
-              </a:spcAft>
-              <a:buNone/>
-            </a:pPr>
-            <a:r>
-              <a:rPr lang="en" sz="2000"/>
-              <a:t>~4k phenotypes</a:t>
-            </a:r>
-            <a:endParaRPr sz="2000"/>
-          </a:p>
-        </p:txBody>
-      </p:sp>
-      <p:sp>
-        <p:nvSpPr>
-          <p:cNvPr id="187" name="Google Shape;187;p22"/>
-          <p:cNvSpPr txBox="1"/>
-          <p:nvPr/>
-        </p:nvSpPr>
-        <p:spPr>
-          <a:xfrm>
-            <a:off x="7132498" y="4822950"/>
-            <a:ext cx="2062500" cy="233100"/>
-          </a:xfrm>
-          <a:prstGeom prst="rect">
-            <a:avLst/>
-          </a:prstGeom>
-          <a:noFill/>
-          <a:ln>
-            <a:noFill/>
-          </a:ln>
-        </p:spPr>
-        <p:txBody>
-          <a:bodyPr spcFirstLastPara="1" wrap="square" lIns="91425" tIns="91425" rIns="91425" bIns="91425" anchor="t" anchorCtr="0">
-            <a:noAutofit/>
-          </a:bodyPr>
-          <a:lstStyle/>
-          <a:p>
-            <a:pPr marL="0" lvl="0" indent="0" algn="r" rtl="0">
-              <a:spcBef>
-                <a:spcPts val="0"/>
-              </a:spcBef>
-              <a:spcAft>
-                <a:spcPts val="0"/>
-              </a:spcAft>
-              <a:buNone/>
-            </a:pPr>
-            <a:r>
-              <a:rPr lang="en" sz="1200"/>
-              <a:t>[from </a:t>
-            </a:r>
-            <a:r>
-              <a:rPr lang="en" sz="1100" u="sng">
-                <a:solidFill>
-                  <a:schemeClr val="hlink"/>
-                </a:solidFill>
-                <a:hlinkClick r:id="rId4"/>
-              </a:rPr>
-              <a:t>https://ukbb-rg.hail.is/</a:t>
-            </a:r>
-            <a:r>
-              <a:rPr lang="en" sz="1200"/>
-              <a:t>]</a:t>
-            </a:r>
-            <a:endParaRPr sz="1200"/>
-          </a:p>
-        </p:txBody>
-      </p:sp>
-    </p:spTree>
-  </p:cSld>
-  <p:clrMapOvr>
-    <a:masterClrMapping/>
-  </p:clrMapOvr>
-</p:sld>
-</file>
-
-<file path=ppt/slides/slide11.xml><?xml version="1.0" encoding="utf-8"?>
-<p:sld xmlns:a="http://schemas.openxmlformats.org/drawingml/2006/main" xmlns:r="http://schemas.openxmlformats.org/officeDocument/2006/relationships" xmlns:p="http://schemas.openxmlformats.org/presentationml/2006/main">
-  <p:cSld>
-    <p:spTree>
-      <p:nvGrpSpPr>
         <p:cNvPr id="1" name="Shape 191"/>
         <p:cNvGrpSpPr/>
         <p:nvPr/>
@@ -7339,8 +6999,8 @@
         </p:nvSpPr>
         <p:spPr>
           <a:xfrm>
-            <a:off x="4832400" y="1152475"/>
-            <a:ext cx="3999900" cy="357000"/>
+            <a:off x="5533440" y="1152475"/>
+            <a:ext cx="2371040" cy="357000"/>
           </a:xfrm>
           <a:prstGeom prst="rect">
             <a:avLst/>
@@ -7362,10 +7022,10 @@
               <a:buNone/>
             </a:pPr>
             <a:r>
-              <a:rPr lang="en"/>
+              <a:rPr lang="en" dirty="0"/>
               <a:t>Overly coarse on their own</a:t>
             </a:r>
-            <a:endParaRPr/>
+            <a:endParaRPr dirty="0"/>
           </a:p>
         </p:txBody>
       </p:sp>
@@ -7481,8 +7141,8 @@
         </p:nvSpPr>
         <p:spPr>
           <a:xfrm>
-            <a:off x="305975" y="2932250"/>
-            <a:ext cx="1100100" cy="357000"/>
+            <a:off x="213725" y="2932250"/>
+            <a:ext cx="1192350" cy="357000"/>
           </a:xfrm>
           <a:prstGeom prst="roundRect">
             <a:avLst>
@@ -7518,10 +7178,10 @@
               <a:buNone/>
             </a:pPr>
             <a:r>
-              <a:rPr lang="en"/>
-              <a:t>lipids</a:t>
+              <a:rPr lang="en" dirty="0"/>
+              <a:t>cholesterol</a:t>
             </a:r>
-            <a:endParaRPr/>
+            <a:endParaRPr dirty="0"/>
           </a:p>
         </p:txBody>
       </p:sp>
@@ -7633,14 +7293,15 @@
         <p:nvCxnSpPr>
           <p:cNvPr id="200" name="Google Shape;200;p23"/>
           <p:cNvCxnSpPr>
+            <a:cxnSpLocks/>
             <a:endCxn id="197" idx="2"/>
           </p:cNvCxnSpPr>
           <p:nvPr/>
         </p:nvCxnSpPr>
         <p:spPr>
-          <a:xfrm rot="10800000" flipH="1">
+          <a:xfrm flipV="1">
             <a:off x="560825" y="3289250"/>
-            <a:ext cx="295200" cy="1115100"/>
+            <a:ext cx="249075" cy="1115100"/>
           </a:xfrm>
           <a:prstGeom prst="straightConnector1">
             <a:avLst/>
@@ -7661,14 +7322,15 @@
         <p:nvCxnSpPr>
           <p:cNvPr id="201" name="Google Shape;201;p23"/>
           <p:cNvCxnSpPr>
+            <a:cxnSpLocks/>
             <a:endCxn id="197" idx="2"/>
           </p:cNvCxnSpPr>
           <p:nvPr/>
         </p:nvCxnSpPr>
         <p:spPr>
-          <a:xfrm rot="10800000">
-            <a:off x="856025" y="3289250"/>
-            <a:ext cx="238500" cy="1115100"/>
+          <a:xfrm flipH="1" flipV="1">
+            <a:off x="809900" y="3289250"/>
+            <a:ext cx="284626" cy="1115100"/>
           </a:xfrm>
           <a:prstGeom prst="straightConnector1">
             <a:avLst/>
@@ -7689,14 +7351,15 @@
         <p:nvCxnSpPr>
           <p:cNvPr id="202" name="Google Shape;202;p23"/>
           <p:cNvCxnSpPr>
+            <a:cxnSpLocks/>
             <a:endCxn id="197" idx="2"/>
           </p:cNvCxnSpPr>
           <p:nvPr/>
         </p:nvCxnSpPr>
         <p:spPr>
-          <a:xfrm rot="10800000">
-            <a:off x="856025" y="3289250"/>
-            <a:ext cx="771900" cy="1115100"/>
+          <a:xfrm flipH="1" flipV="1">
+            <a:off x="809900" y="3289250"/>
+            <a:ext cx="818026" cy="1115100"/>
           </a:xfrm>
           <a:prstGeom prst="straightConnector1">
             <a:avLst/>
@@ -7717,14 +7380,15 @@
         <p:nvCxnSpPr>
           <p:cNvPr id="203" name="Google Shape;203;p23"/>
           <p:cNvCxnSpPr>
+            <a:cxnSpLocks/>
             <a:endCxn id="197" idx="2"/>
           </p:cNvCxnSpPr>
           <p:nvPr/>
         </p:nvCxnSpPr>
         <p:spPr>
-          <a:xfrm rot="10800000">
-            <a:off x="856025" y="3289250"/>
-            <a:ext cx="1229100" cy="1115100"/>
+          <a:xfrm flipH="1" flipV="1">
+            <a:off x="809900" y="3289250"/>
+            <a:ext cx="1275226" cy="1115100"/>
           </a:xfrm>
           <a:prstGeom prst="straightConnector1">
             <a:avLst/>
@@ -7969,15 +7633,16 @@
         <p:nvCxnSpPr>
           <p:cNvPr id="212" name="Google Shape;212;p23"/>
           <p:cNvCxnSpPr>
+            <a:cxnSpLocks/>
             <a:stCxn id="196" idx="0"/>
             <a:endCxn id="197" idx="2"/>
           </p:cNvCxnSpPr>
           <p:nvPr/>
         </p:nvCxnSpPr>
         <p:spPr>
-          <a:xfrm rot="10800000">
-            <a:off x="856175" y="3289175"/>
-            <a:ext cx="2343300" cy="1122600"/>
+          <a:xfrm flipH="1" flipV="1">
+            <a:off x="809900" y="3289250"/>
+            <a:ext cx="2389575" cy="1122525"/>
           </a:xfrm>
           <a:prstGeom prst="straightConnector1">
             <a:avLst/>
@@ -8060,7 +7725,7 @@
         </p:nvSpPr>
         <p:spPr>
           <a:xfrm>
-            <a:off x="122875" y="1758725"/>
+            <a:off x="51755" y="1758725"/>
             <a:ext cx="1172400" cy="357000"/>
           </a:xfrm>
           <a:prstGeom prst="roundRect">
@@ -8112,7 +7777,7 @@
         </p:nvSpPr>
         <p:spPr>
           <a:xfrm>
-            <a:off x="1347175" y="1758725"/>
+            <a:off x="1286215" y="1758725"/>
             <a:ext cx="546600" cy="357000"/>
           </a:xfrm>
           <a:prstGeom prst="roundRect">
@@ -8164,8 +7829,8 @@
         </p:nvSpPr>
         <p:spPr>
           <a:xfrm>
-            <a:off x="1951675" y="1758725"/>
-            <a:ext cx="546600" cy="357000"/>
+            <a:off x="1911034" y="1758725"/>
+            <a:ext cx="888823" cy="357000"/>
           </a:xfrm>
           <a:prstGeom prst="roundRect">
             <a:avLst>
@@ -8201,10 +7866,10 @@
               <a:buNone/>
             </a:pPr>
             <a:r>
-              <a:rPr lang="en"/>
-              <a:t>LDL</a:t>
+              <a:rPr lang="en" dirty="0"/>
+              <a:t>arthritis</a:t>
             </a:r>
-            <a:endParaRPr/>
+            <a:endParaRPr dirty="0"/>
           </a:p>
         </p:txBody>
       </p:sp>
@@ -8216,7 +7881,7 @@
         </p:nvSpPr>
         <p:spPr>
           <a:xfrm>
-            <a:off x="2546704" y="1758725"/>
+            <a:off x="2871824" y="1758725"/>
             <a:ext cx="891900" cy="357000"/>
           </a:xfrm>
           <a:prstGeom prst="roundRect">
@@ -8264,15 +7929,16 @@
         <p:nvCxnSpPr>
           <p:cNvPr id="219" name="Google Shape;219;p23"/>
           <p:cNvCxnSpPr>
+            <a:cxnSpLocks/>
             <a:stCxn id="197" idx="0"/>
             <a:endCxn id="215" idx="2"/>
           </p:cNvCxnSpPr>
           <p:nvPr/>
         </p:nvCxnSpPr>
         <p:spPr>
-          <a:xfrm rot="10800000">
-            <a:off x="709025" y="2115650"/>
-            <a:ext cx="147000" cy="816600"/>
+          <a:xfrm flipH="1" flipV="1">
+            <a:off x="637955" y="2115725"/>
+            <a:ext cx="171945" cy="816525"/>
           </a:xfrm>
           <a:prstGeom prst="straightConnector1">
             <a:avLst/>
@@ -8299,9 +7965,9 @@
           <p:nvPr/>
         </p:nvCxnSpPr>
         <p:spPr>
-          <a:xfrm rot="10800000">
-            <a:off x="709175" y="2115650"/>
-            <a:ext cx="1450500" cy="816600"/>
+          <a:xfrm flipH="1" flipV="1">
+            <a:off x="637955" y="2115725"/>
+            <a:ext cx="1521720" cy="816525"/>
           </a:xfrm>
           <a:prstGeom prst="straightConnector1">
             <a:avLst/>
@@ -8328,9 +7994,9 @@
           <p:nvPr/>
         </p:nvCxnSpPr>
         <p:spPr>
-          <a:xfrm rot="10800000">
-            <a:off x="709025" y="2115650"/>
-            <a:ext cx="2827200" cy="816600"/>
+          <a:xfrm flipH="1" flipV="1">
+            <a:off x="637955" y="2115725"/>
+            <a:ext cx="2898270" cy="816525"/>
           </a:xfrm>
           <a:prstGeom prst="straightConnector1">
             <a:avLst/>
@@ -8351,15 +8017,16 @@
         <p:nvCxnSpPr>
           <p:cNvPr id="222" name="Google Shape;222;p23"/>
           <p:cNvCxnSpPr>
+            <a:cxnSpLocks/>
             <a:stCxn id="197" idx="0"/>
             <a:endCxn id="216" idx="2"/>
           </p:cNvCxnSpPr>
           <p:nvPr/>
         </p:nvCxnSpPr>
         <p:spPr>
-          <a:xfrm rot="10800000" flipH="1">
-            <a:off x="856025" y="2115650"/>
-            <a:ext cx="764400" cy="816600"/>
+          <a:xfrm flipV="1">
+            <a:off x="809900" y="2115725"/>
+            <a:ext cx="749615" cy="816525"/>
           </a:xfrm>
           <a:prstGeom prst="straightConnector1">
             <a:avLst/>
@@ -8386,9 +8053,9 @@
           <p:nvPr/>
         </p:nvCxnSpPr>
         <p:spPr>
-          <a:xfrm rot="10800000">
-            <a:off x="1620575" y="2115650"/>
-            <a:ext cx="539100" cy="816600"/>
+          <a:xfrm flipH="1" flipV="1">
+            <a:off x="1559515" y="2115725"/>
+            <a:ext cx="600160" cy="816525"/>
           </a:xfrm>
           <a:prstGeom prst="straightConnector1">
             <a:avLst/>
@@ -8415,9 +8082,9 @@
           <p:nvPr/>
         </p:nvCxnSpPr>
         <p:spPr>
-          <a:xfrm rot="10800000">
-            <a:off x="1620425" y="2115650"/>
-            <a:ext cx="1915800" cy="816600"/>
+          <a:xfrm flipH="1" flipV="1">
+            <a:off x="1559515" y="2115725"/>
+            <a:ext cx="1976710" cy="816525"/>
           </a:xfrm>
           <a:prstGeom prst="straightConnector1">
             <a:avLst/>
@@ -8438,15 +8105,16 @@
         <p:nvCxnSpPr>
           <p:cNvPr id="225" name="Google Shape;225;p23"/>
           <p:cNvCxnSpPr>
+            <a:cxnSpLocks/>
             <a:stCxn id="197" idx="0"/>
             <a:endCxn id="217" idx="2"/>
           </p:cNvCxnSpPr>
           <p:nvPr/>
         </p:nvCxnSpPr>
         <p:spPr>
-          <a:xfrm rot="10800000" flipH="1">
-            <a:off x="856025" y="2115650"/>
-            <a:ext cx="1368900" cy="816600"/>
+          <a:xfrm flipV="1">
+            <a:off x="809900" y="2115725"/>
+            <a:ext cx="1545546" cy="816525"/>
           </a:xfrm>
           <a:prstGeom prst="straightConnector1">
             <a:avLst/>
@@ -8467,15 +8135,16 @@
         <p:nvCxnSpPr>
           <p:cNvPr id="226" name="Google Shape;226;p23"/>
           <p:cNvCxnSpPr>
+            <a:cxnSpLocks/>
             <a:stCxn id="198" idx="0"/>
             <a:endCxn id="217" idx="2"/>
           </p:cNvCxnSpPr>
           <p:nvPr/>
         </p:nvCxnSpPr>
         <p:spPr>
-          <a:xfrm rot="10800000" flipH="1">
-            <a:off x="2159675" y="2115650"/>
-            <a:ext cx="65400" cy="816600"/>
+          <a:xfrm flipV="1">
+            <a:off x="2159675" y="2115725"/>
+            <a:ext cx="195771" cy="816525"/>
           </a:xfrm>
           <a:prstGeom prst="straightConnector1">
             <a:avLst/>
@@ -8496,15 +8165,16 @@
         <p:nvCxnSpPr>
           <p:cNvPr id="227" name="Google Shape;227;p23"/>
           <p:cNvCxnSpPr>
+            <a:cxnSpLocks/>
             <a:stCxn id="199" idx="0"/>
             <a:endCxn id="217" idx="2"/>
           </p:cNvCxnSpPr>
           <p:nvPr/>
         </p:nvCxnSpPr>
         <p:spPr>
-          <a:xfrm rot="10800000">
-            <a:off x="2224925" y="2115650"/>
-            <a:ext cx="1311300" cy="816600"/>
+          <a:xfrm flipH="1" flipV="1">
+            <a:off x="2355446" y="2115725"/>
+            <a:ext cx="1180779" cy="816525"/>
           </a:xfrm>
           <a:prstGeom prst="straightConnector1">
             <a:avLst/>
@@ -8525,15 +8195,16 @@
         <p:nvCxnSpPr>
           <p:cNvPr id="228" name="Google Shape;228;p23"/>
           <p:cNvCxnSpPr>
+            <a:cxnSpLocks/>
             <a:stCxn id="197" idx="0"/>
             <a:endCxn id="218" idx="2"/>
           </p:cNvCxnSpPr>
           <p:nvPr/>
         </p:nvCxnSpPr>
         <p:spPr>
-          <a:xfrm rot="10800000" flipH="1">
-            <a:off x="856025" y="2115650"/>
-            <a:ext cx="2136600" cy="816600"/>
+          <a:xfrm flipV="1">
+            <a:off x="809900" y="2115725"/>
+            <a:ext cx="2507874" cy="816525"/>
           </a:xfrm>
           <a:prstGeom prst="straightConnector1">
             <a:avLst/>
@@ -8560,9 +8231,9 @@
           <p:nvPr/>
         </p:nvCxnSpPr>
         <p:spPr>
-          <a:xfrm rot="10800000" flipH="1">
-            <a:off x="2159675" y="2115650"/>
-            <a:ext cx="833100" cy="816600"/>
+          <a:xfrm flipV="1">
+            <a:off x="2159675" y="2115725"/>
+            <a:ext cx="1158099" cy="816525"/>
           </a:xfrm>
           <a:prstGeom prst="straightConnector1">
             <a:avLst/>
@@ -8589,9 +8260,9 @@
           <p:nvPr/>
         </p:nvCxnSpPr>
         <p:spPr>
-          <a:xfrm rot="10800000">
-            <a:off x="2992625" y="2115650"/>
-            <a:ext cx="543600" cy="816600"/>
+          <a:xfrm flipH="1" flipV="1">
+            <a:off x="3317774" y="2115725"/>
+            <a:ext cx="218451" cy="816525"/>
           </a:xfrm>
           <a:prstGeom prst="straightConnector1">
             <a:avLst/>
@@ -8616,7 +8287,7 @@
         </p:nvSpPr>
         <p:spPr>
           <a:xfrm>
-            <a:off x="3490250" y="1758725"/>
+            <a:off x="3845850" y="1758725"/>
             <a:ext cx="720600" cy="357000"/>
           </a:xfrm>
           <a:prstGeom prst="roundRect">
@@ -8664,15 +8335,16 @@
         <p:nvCxnSpPr>
           <p:cNvPr id="232" name="Google Shape;232;p23"/>
           <p:cNvCxnSpPr>
+            <a:cxnSpLocks/>
             <a:stCxn id="197" idx="0"/>
             <a:endCxn id="231" idx="2"/>
           </p:cNvCxnSpPr>
           <p:nvPr/>
         </p:nvCxnSpPr>
         <p:spPr>
-          <a:xfrm rot="10800000" flipH="1">
-            <a:off x="856025" y="2115650"/>
-            <a:ext cx="2994600" cy="816600"/>
+          <a:xfrm flipV="1">
+            <a:off x="809900" y="2115725"/>
+            <a:ext cx="3396250" cy="816525"/>
           </a:xfrm>
           <a:prstGeom prst="straightConnector1">
             <a:avLst/>
@@ -8699,9 +8371,9 @@
           <p:nvPr/>
         </p:nvCxnSpPr>
         <p:spPr>
-          <a:xfrm rot="10800000" flipH="1">
-            <a:off x="2159675" y="2115650"/>
-            <a:ext cx="1690800" cy="816600"/>
+          <a:xfrm flipV="1">
+            <a:off x="2159675" y="2115725"/>
+            <a:ext cx="2046475" cy="816525"/>
           </a:xfrm>
           <a:prstGeom prst="straightConnector1">
             <a:avLst/>
@@ -8728,9 +8400,9 @@
           <p:nvPr/>
         </p:nvCxnSpPr>
         <p:spPr>
-          <a:xfrm rot="10800000" flipH="1">
-            <a:off x="3536225" y="2115650"/>
-            <a:ext cx="314400" cy="816600"/>
+          <a:xfrm flipV="1">
+            <a:off x="3536225" y="2115725"/>
+            <a:ext cx="669925" cy="816525"/>
           </a:xfrm>
           <a:prstGeom prst="straightConnector1">
             <a:avLst/>
@@ -8948,10 +8620,10 @@
               <a:buNone/>
             </a:pPr>
             <a:r>
-              <a:rPr lang="en"/>
-              <a:t>addiction</a:t>
+              <a:rPr lang="en" dirty="0"/>
+              <a:t>pain</a:t>
             </a:r>
-            <a:endParaRPr/>
+            <a:endParaRPr dirty="0"/>
           </a:p>
         </p:txBody>
       </p:sp>
@@ -9640,1934 +9312,6 @@
           </a:ln>
         </p:spPr>
       </p:cxnSp>
-    </p:spTree>
-  </p:cSld>
-  <p:clrMapOvr>
-    <a:masterClrMapping/>
-  </p:clrMapOvr>
-</p:sld>
-</file>
-
-<file path=ppt/slides/slide12.xml><?xml version="1.0" encoding="utf-8"?>
-<p:sld xmlns:a="http://schemas.openxmlformats.org/drawingml/2006/main" xmlns:r="http://schemas.openxmlformats.org/officeDocument/2006/relationships" xmlns:p="http://schemas.openxmlformats.org/presentationml/2006/main">
-  <p:cSld>
-    <p:spTree>
-      <p:nvGrpSpPr>
-        <p:cNvPr id="1" name="Shape 264"/>
-        <p:cNvGrpSpPr/>
-        <p:nvPr/>
-      </p:nvGrpSpPr>
-      <p:grpSpPr>
-        <a:xfrm>
-          <a:off x="0" y="0"/>
-          <a:ext cx="0" cy="0"/>
-          <a:chOff x="0" y="0"/>
-          <a:chExt cx="0" cy="0"/>
-        </a:xfrm>
-      </p:grpSpPr>
-      <p:sp>
-        <p:nvSpPr>
-          <p:cNvPr id="265" name="Google Shape;265;p24"/>
-          <p:cNvSpPr txBox="1">
-            <a:spLocks noGrp="1"/>
-          </p:cNvSpPr>
-          <p:nvPr>
-            <p:ph type="title"/>
-          </p:nvPr>
-        </p:nvSpPr>
-        <p:spPr>
-          <a:xfrm>
-            <a:off x="311700" y="445025"/>
-            <a:ext cx="8520600" cy="572700"/>
-          </a:xfrm>
-          <a:prstGeom prst="rect">
-            <a:avLst/>
-          </a:prstGeom>
-        </p:spPr>
-        <p:txBody>
-          <a:bodyPr spcFirstLastPara="1" wrap="square" lIns="91425" tIns="91425" rIns="91425" bIns="91425" anchor="t" anchorCtr="0">
-            <a:noAutofit/>
-          </a:bodyPr>
-          <a:lstStyle/>
-          <a:p>
-            <a:pPr marL="0" lvl="0" indent="0" algn="l" rtl="0">
-              <a:spcBef>
-                <a:spcPts val="0"/>
-              </a:spcBef>
-              <a:spcAft>
-                <a:spcPts val="0"/>
-              </a:spcAft>
-              <a:buNone/>
-            </a:pPr>
-            <a:r>
-              <a:rPr lang="en"/>
-              <a:t>Specific questions</a:t>
-            </a:r>
-            <a:endParaRPr/>
-          </a:p>
-        </p:txBody>
-      </p:sp>
-      <p:sp>
-        <p:nvSpPr>
-          <p:cNvPr id="266" name="Google Shape;266;p24"/>
-          <p:cNvSpPr txBox="1">
-            <a:spLocks noGrp="1"/>
-          </p:cNvSpPr>
-          <p:nvPr>
-            <p:ph type="body" idx="1"/>
-          </p:nvPr>
-        </p:nvSpPr>
-        <p:spPr>
-          <a:xfrm>
-            <a:off x="311700" y="1152475"/>
-            <a:ext cx="8520600" cy="3416400"/>
-          </a:xfrm>
-          <a:prstGeom prst="rect">
-            <a:avLst/>
-          </a:prstGeom>
-        </p:spPr>
-        <p:txBody>
-          <a:bodyPr spcFirstLastPara="1" wrap="square" lIns="91425" tIns="91425" rIns="91425" bIns="91425" anchor="t" anchorCtr="0">
-            <a:noAutofit/>
-          </a:bodyPr>
-          <a:lstStyle/>
-          <a:p>
-            <a:pPr marL="457200" lvl="0" indent="-355600" algn="l" rtl="0">
-              <a:spcBef>
-                <a:spcPts val="0"/>
-              </a:spcBef>
-              <a:spcAft>
-                <a:spcPts val="0"/>
-              </a:spcAft>
-              <a:buClr>
-                <a:srgbClr val="000000"/>
-              </a:buClr>
-              <a:buSzPts val="2000"/>
-              <a:buAutoNum type="arabicParenR"/>
-            </a:pPr>
-            <a:r>
-              <a:rPr lang="en" sz="2000">
-                <a:solidFill>
-                  <a:srgbClr val="000000"/>
-                </a:solidFill>
-              </a:rPr>
-              <a:t>How can we refine the phenotypes in this data set?</a:t>
-            </a:r>
-            <a:endParaRPr sz="2000">
-              <a:solidFill>
-                <a:srgbClr val="000000"/>
-              </a:solidFill>
-            </a:endParaRPr>
-          </a:p>
-          <a:p>
-            <a:pPr marL="914400" lvl="1" indent="-342900" algn="l" rtl="0">
-              <a:spcBef>
-                <a:spcPts val="0"/>
-              </a:spcBef>
-              <a:spcAft>
-                <a:spcPts val="0"/>
-              </a:spcAft>
-              <a:buClr>
-                <a:srgbClr val="000000"/>
-              </a:buClr>
-              <a:buSzPts val="1800"/>
-              <a:buAutoNum type="alphaLcParenR"/>
-            </a:pPr>
-            <a:r>
-              <a:rPr lang="en" sz="1800">
-                <a:solidFill>
-                  <a:srgbClr val="000000"/>
-                </a:solidFill>
-              </a:rPr>
-              <a:t>By finding latent axes of phenotypic variation, or</a:t>
-            </a:r>
-            <a:endParaRPr sz="1800">
-              <a:solidFill>
-                <a:srgbClr val="000000"/>
-              </a:solidFill>
-            </a:endParaRPr>
-          </a:p>
-          <a:p>
-            <a:pPr marL="914400" lvl="1" indent="-342900" algn="l" rtl="0">
-              <a:spcBef>
-                <a:spcPts val="0"/>
-              </a:spcBef>
-              <a:spcAft>
-                <a:spcPts val="0"/>
-              </a:spcAft>
-              <a:buClr>
-                <a:srgbClr val="000000"/>
-              </a:buClr>
-              <a:buSzPts val="1800"/>
-              <a:buAutoNum type="alphaLcParenR"/>
-            </a:pPr>
-            <a:r>
-              <a:rPr lang="en" sz="1800">
-                <a:solidFill>
-                  <a:srgbClr val="000000"/>
-                </a:solidFill>
-              </a:rPr>
-              <a:t>By finding sub-phenotypes</a:t>
-            </a:r>
-            <a:endParaRPr sz="1800">
-              <a:solidFill>
-                <a:srgbClr val="000000"/>
-              </a:solidFill>
-            </a:endParaRPr>
-          </a:p>
-          <a:p>
-            <a:pPr marL="0" lvl="0" indent="0" algn="l" rtl="0">
-              <a:spcBef>
-                <a:spcPts val="1600"/>
-              </a:spcBef>
-              <a:spcAft>
-                <a:spcPts val="0"/>
-              </a:spcAft>
-              <a:buNone/>
-            </a:pPr>
-            <a:endParaRPr sz="1800">
-              <a:solidFill>
-                <a:srgbClr val="000000"/>
-              </a:solidFill>
-            </a:endParaRPr>
-          </a:p>
-          <a:p>
-            <a:pPr marL="457200" lvl="0" indent="-355600" algn="l" rtl="0">
-              <a:spcBef>
-                <a:spcPts val="1600"/>
-              </a:spcBef>
-              <a:spcAft>
-                <a:spcPts val="0"/>
-              </a:spcAft>
-              <a:buClr>
-                <a:srgbClr val="000000"/>
-              </a:buClr>
-              <a:buSzPts val="2000"/>
-              <a:buAutoNum type="arabicParenR"/>
-            </a:pPr>
-            <a:r>
-              <a:rPr lang="en" sz="2000">
-                <a:solidFill>
-                  <a:srgbClr val="000000"/>
-                </a:solidFill>
-              </a:rPr>
-              <a:t>How would we know if we’re doing a good job?</a:t>
-            </a:r>
-            <a:endParaRPr sz="2000">
-              <a:solidFill>
-                <a:srgbClr val="000000"/>
-              </a:solidFill>
-            </a:endParaRPr>
-          </a:p>
-        </p:txBody>
-      </p:sp>
-    </p:spTree>
-  </p:cSld>
-  <p:clrMapOvr>
-    <a:masterClrMapping/>
-  </p:clrMapOvr>
-</p:sld>
-</file>
-
-<file path=ppt/slides/slide2.xml><?xml version="1.0" encoding="utf-8"?>
-<p:sld xmlns:a="http://schemas.openxmlformats.org/drawingml/2006/main" xmlns:r="http://schemas.openxmlformats.org/officeDocument/2006/relationships" xmlns:p="http://schemas.openxmlformats.org/presentationml/2006/main">
-  <p:cSld>
-    <p:spTree>
-      <p:nvGrpSpPr>
-        <p:cNvPr id="1" name="Shape 59"/>
-        <p:cNvGrpSpPr/>
-        <p:nvPr/>
-      </p:nvGrpSpPr>
-      <p:grpSpPr>
-        <a:xfrm>
-          <a:off x="0" y="0"/>
-          <a:ext cx="0" cy="0"/>
-          <a:chOff x="0" y="0"/>
-          <a:chExt cx="0" cy="0"/>
-        </a:xfrm>
-      </p:grpSpPr>
-      <p:sp>
-        <p:nvSpPr>
-          <p:cNvPr id="60" name="Google Shape;60;p14"/>
-          <p:cNvSpPr txBox="1">
-            <a:spLocks noGrp="1"/>
-          </p:cNvSpPr>
-          <p:nvPr>
-            <p:ph type="title"/>
-          </p:nvPr>
-        </p:nvSpPr>
-        <p:spPr>
-          <a:xfrm>
-            <a:off x="311700" y="445025"/>
-            <a:ext cx="8520600" cy="572700"/>
-          </a:xfrm>
-          <a:prstGeom prst="rect">
-            <a:avLst/>
-          </a:prstGeom>
-        </p:spPr>
-        <p:txBody>
-          <a:bodyPr spcFirstLastPara="1" wrap="square" lIns="91425" tIns="91425" rIns="91425" bIns="91425" anchor="t" anchorCtr="0">
-            <a:noAutofit/>
-          </a:bodyPr>
-          <a:lstStyle/>
-          <a:p>
-            <a:pPr marL="0" lvl="0" indent="0" algn="l" rtl="0">
-              <a:spcBef>
-                <a:spcPts val="0"/>
-              </a:spcBef>
-              <a:spcAft>
-                <a:spcPts val="0"/>
-              </a:spcAft>
-              <a:buNone/>
-            </a:pPr>
-            <a:r>
-              <a:rPr lang="en"/>
-              <a:t>What is a biobank?</a:t>
-            </a:r>
-            <a:endParaRPr/>
-          </a:p>
-        </p:txBody>
-      </p:sp>
-      <p:sp>
-        <p:nvSpPr>
-          <p:cNvPr id="61" name="Google Shape;61;p14"/>
-          <p:cNvSpPr/>
-          <p:nvPr/>
-        </p:nvSpPr>
-        <p:spPr>
-          <a:xfrm>
-            <a:off x="890850" y="1541975"/>
-            <a:ext cx="3083700" cy="816900"/>
-          </a:xfrm>
-          <a:prstGeom prst="rect">
-            <a:avLst/>
-          </a:prstGeom>
-          <a:solidFill>
-            <a:srgbClr val="CFE2F3"/>
-          </a:solidFill>
-          <a:ln w="9525" cap="flat" cmpd="sng">
-            <a:solidFill>
-              <a:schemeClr val="dk2"/>
-            </a:solidFill>
-            <a:prstDash val="solid"/>
-            <a:round/>
-            <a:headEnd type="none" w="sm" len="sm"/>
-            <a:tailEnd type="none" w="sm" len="sm"/>
-          </a:ln>
-        </p:spPr>
-        <p:txBody>
-          <a:bodyPr spcFirstLastPara="1" wrap="square" lIns="91425" tIns="91425" rIns="91425" bIns="91425" anchor="ctr" anchorCtr="0">
-            <a:noAutofit/>
-          </a:bodyPr>
-          <a:lstStyle/>
-          <a:p>
-            <a:pPr marL="0" lvl="0" indent="0" algn="ctr" rtl="0">
-              <a:spcBef>
-                <a:spcPts val="0"/>
-              </a:spcBef>
-              <a:spcAft>
-                <a:spcPts val="0"/>
-              </a:spcAft>
-              <a:buNone/>
-            </a:pPr>
-            <a:endParaRPr sz="2400"/>
-          </a:p>
-        </p:txBody>
-      </p:sp>
-      <p:sp>
-        <p:nvSpPr>
-          <p:cNvPr id="62" name="Google Shape;62;p14"/>
-          <p:cNvSpPr/>
-          <p:nvPr/>
-        </p:nvSpPr>
-        <p:spPr>
-          <a:xfrm>
-            <a:off x="4258800" y="1541975"/>
-            <a:ext cx="313200" cy="816900"/>
-          </a:xfrm>
-          <a:prstGeom prst="rect">
-            <a:avLst/>
-          </a:prstGeom>
-          <a:solidFill>
-            <a:srgbClr val="F4CCCC"/>
-          </a:solidFill>
-          <a:ln w="9525" cap="flat" cmpd="sng">
-            <a:solidFill>
-              <a:schemeClr val="dk2"/>
-            </a:solidFill>
-            <a:prstDash val="solid"/>
-            <a:round/>
-            <a:headEnd type="none" w="sm" len="sm"/>
-            <a:tailEnd type="none" w="sm" len="sm"/>
-          </a:ln>
-        </p:spPr>
-        <p:txBody>
-          <a:bodyPr spcFirstLastPara="1" wrap="square" lIns="91425" tIns="91425" rIns="91425" bIns="91425" anchor="ctr" anchorCtr="0">
-            <a:noAutofit/>
-          </a:bodyPr>
-          <a:lstStyle/>
-          <a:p>
-            <a:pPr marL="0" lvl="0" indent="0" algn="ctr" rtl="0">
-              <a:spcBef>
-                <a:spcPts val="0"/>
-              </a:spcBef>
-              <a:spcAft>
-                <a:spcPts val="0"/>
-              </a:spcAft>
-              <a:buNone/>
-            </a:pPr>
-            <a:endParaRPr sz="2400"/>
-          </a:p>
-        </p:txBody>
-      </p:sp>
-      <p:sp>
-        <p:nvSpPr>
-          <p:cNvPr id="63" name="Google Shape;63;p14"/>
-          <p:cNvSpPr txBox="1"/>
-          <p:nvPr/>
-        </p:nvSpPr>
-        <p:spPr>
-          <a:xfrm rot="-5400000">
-            <a:off x="280825" y="1813925"/>
-            <a:ext cx="816900" cy="335700"/>
-          </a:xfrm>
-          <a:prstGeom prst="rect">
-            <a:avLst/>
-          </a:prstGeom>
-          <a:noFill/>
-          <a:ln>
-            <a:noFill/>
-          </a:ln>
-        </p:spPr>
-        <p:txBody>
-          <a:bodyPr spcFirstLastPara="1" wrap="square" lIns="91425" tIns="91425" rIns="91425" bIns="91425" anchor="ctr" anchorCtr="0">
-            <a:noAutofit/>
-          </a:bodyPr>
-          <a:lstStyle/>
-          <a:p>
-            <a:pPr marL="0" lvl="0" indent="0" algn="ctr" rtl="0">
-              <a:spcBef>
-                <a:spcPts val="0"/>
-              </a:spcBef>
-              <a:spcAft>
-                <a:spcPts val="0"/>
-              </a:spcAft>
-              <a:buNone/>
-            </a:pPr>
-            <a:r>
-              <a:rPr lang="en"/>
-              <a:t>~10k</a:t>
-            </a:r>
-            <a:endParaRPr/>
-          </a:p>
-        </p:txBody>
-      </p:sp>
-      <p:sp>
-        <p:nvSpPr>
-          <p:cNvPr id="64" name="Google Shape;64;p14"/>
-          <p:cNvSpPr txBox="1"/>
-          <p:nvPr/>
-        </p:nvSpPr>
-        <p:spPr>
-          <a:xfrm>
-            <a:off x="2024250" y="1160475"/>
-            <a:ext cx="816900" cy="335700"/>
-          </a:xfrm>
-          <a:prstGeom prst="rect">
-            <a:avLst/>
-          </a:prstGeom>
-          <a:noFill/>
-          <a:ln>
-            <a:noFill/>
-          </a:ln>
-        </p:spPr>
-        <p:txBody>
-          <a:bodyPr spcFirstLastPara="1" wrap="square" lIns="91425" tIns="91425" rIns="91425" bIns="91425" anchor="ctr" anchorCtr="0">
-            <a:noAutofit/>
-          </a:bodyPr>
-          <a:lstStyle/>
-          <a:p>
-            <a:pPr marL="0" lvl="0" indent="0" algn="ctr" rtl="0">
-              <a:spcBef>
-                <a:spcPts val="0"/>
-              </a:spcBef>
-              <a:spcAft>
-                <a:spcPts val="0"/>
-              </a:spcAft>
-              <a:buNone/>
-            </a:pPr>
-            <a:r>
-              <a:rPr lang="en"/>
-              <a:t>~1M</a:t>
-            </a:r>
-            <a:endParaRPr/>
-          </a:p>
-        </p:txBody>
-      </p:sp>
-      <p:sp>
-        <p:nvSpPr>
-          <p:cNvPr id="65" name="Google Shape;65;p14"/>
-          <p:cNvSpPr txBox="1"/>
-          <p:nvPr/>
-        </p:nvSpPr>
-        <p:spPr>
-          <a:xfrm>
-            <a:off x="4005450" y="1160475"/>
-            <a:ext cx="816900" cy="335700"/>
-          </a:xfrm>
-          <a:prstGeom prst="rect">
-            <a:avLst/>
-          </a:prstGeom>
-          <a:noFill/>
-          <a:ln>
-            <a:noFill/>
-          </a:ln>
-        </p:spPr>
-        <p:txBody>
-          <a:bodyPr spcFirstLastPara="1" wrap="square" lIns="91425" tIns="91425" rIns="91425" bIns="91425" anchor="ctr" anchorCtr="0">
-            <a:noAutofit/>
-          </a:bodyPr>
-          <a:lstStyle/>
-          <a:p>
-            <a:pPr marL="0" lvl="0" indent="0" algn="ctr" rtl="0">
-              <a:spcBef>
-                <a:spcPts val="0"/>
-              </a:spcBef>
-              <a:spcAft>
-                <a:spcPts val="0"/>
-              </a:spcAft>
-              <a:buNone/>
-            </a:pPr>
-            <a:r>
-              <a:rPr lang="en"/>
-              <a:t>1</a:t>
-            </a:r>
-            <a:endParaRPr/>
-          </a:p>
-        </p:txBody>
-      </p:sp>
-      <p:sp>
-        <p:nvSpPr>
-          <p:cNvPr id="66" name="Google Shape;66;p14"/>
-          <p:cNvSpPr txBox="1"/>
-          <p:nvPr/>
-        </p:nvSpPr>
-        <p:spPr>
-          <a:xfrm>
-            <a:off x="890850" y="4513275"/>
-            <a:ext cx="3083700" cy="335700"/>
-          </a:xfrm>
-          <a:prstGeom prst="rect">
-            <a:avLst/>
-          </a:prstGeom>
-          <a:noFill/>
-          <a:ln>
-            <a:noFill/>
-          </a:ln>
-        </p:spPr>
-        <p:txBody>
-          <a:bodyPr spcFirstLastPara="1" wrap="square" lIns="91425" tIns="91425" rIns="91425" bIns="91425" anchor="ctr" anchorCtr="0">
-            <a:noAutofit/>
-          </a:bodyPr>
-          <a:lstStyle/>
-          <a:p>
-            <a:pPr marL="0" lvl="0" indent="0" algn="r" rtl="0">
-              <a:spcBef>
-                <a:spcPts val="0"/>
-              </a:spcBef>
-              <a:spcAft>
-                <a:spcPts val="0"/>
-              </a:spcAft>
-              <a:buNone/>
-            </a:pPr>
-            <a:r>
-              <a:rPr lang="en" sz="2200"/>
-              <a:t>genotype</a:t>
-            </a:r>
-            <a:endParaRPr sz="2200"/>
-          </a:p>
-        </p:txBody>
-      </p:sp>
-      <p:sp>
-        <p:nvSpPr>
-          <p:cNvPr id="67" name="Google Shape;67;p14"/>
-          <p:cNvSpPr txBox="1"/>
-          <p:nvPr/>
-        </p:nvSpPr>
-        <p:spPr>
-          <a:xfrm>
-            <a:off x="4243650" y="4513275"/>
-            <a:ext cx="3083700" cy="335700"/>
-          </a:xfrm>
-          <a:prstGeom prst="rect">
-            <a:avLst/>
-          </a:prstGeom>
-          <a:noFill/>
-          <a:ln>
-            <a:noFill/>
-          </a:ln>
-        </p:spPr>
-        <p:txBody>
-          <a:bodyPr spcFirstLastPara="1" wrap="square" lIns="91425" tIns="91425" rIns="91425" bIns="91425" anchor="ctr" anchorCtr="0">
-            <a:noAutofit/>
-          </a:bodyPr>
-          <a:lstStyle/>
-          <a:p>
-            <a:pPr marL="0" lvl="0" indent="0" algn="l" rtl="0">
-              <a:spcBef>
-                <a:spcPts val="0"/>
-              </a:spcBef>
-              <a:spcAft>
-                <a:spcPts val="0"/>
-              </a:spcAft>
-              <a:buNone/>
-            </a:pPr>
-            <a:r>
-              <a:rPr lang="en" sz="2200"/>
-              <a:t>phenotype</a:t>
-            </a:r>
-            <a:endParaRPr sz="2200"/>
-          </a:p>
-        </p:txBody>
-      </p:sp>
-      <p:cxnSp>
-        <p:nvCxnSpPr>
-          <p:cNvPr id="68" name="Google Shape;68;p14"/>
-          <p:cNvCxnSpPr/>
-          <p:nvPr/>
-        </p:nvCxnSpPr>
-        <p:spPr>
-          <a:xfrm rot="10800000">
-            <a:off x="4125750" y="1069150"/>
-            <a:ext cx="0" cy="4008300"/>
-          </a:xfrm>
-          <a:prstGeom prst="straightConnector1">
-            <a:avLst/>
-          </a:prstGeom>
-          <a:noFill/>
-          <a:ln w="9525" cap="flat" cmpd="sng">
-            <a:solidFill>
-              <a:schemeClr val="dk2"/>
-            </a:solidFill>
-            <a:prstDash val="dash"/>
-            <a:round/>
-            <a:headEnd type="none" w="med" len="med"/>
-            <a:tailEnd type="none" w="med" len="med"/>
-          </a:ln>
-        </p:spPr>
-      </p:cxnSp>
-    </p:spTree>
-  </p:cSld>
-  <p:clrMapOvr>
-    <a:masterClrMapping/>
-  </p:clrMapOvr>
-</p:sld>
-</file>
-
-<file path=ppt/slides/slide3.xml><?xml version="1.0" encoding="utf-8"?>
-<p:sld xmlns:a="http://schemas.openxmlformats.org/drawingml/2006/main" xmlns:r="http://schemas.openxmlformats.org/officeDocument/2006/relationships" xmlns:p="http://schemas.openxmlformats.org/presentationml/2006/main">
-  <p:cSld>
-    <p:spTree>
-      <p:nvGrpSpPr>
-        <p:cNvPr id="1" name="Shape 72"/>
-        <p:cNvGrpSpPr/>
-        <p:nvPr/>
-      </p:nvGrpSpPr>
-      <p:grpSpPr>
-        <a:xfrm>
-          <a:off x="0" y="0"/>
-          <a:ext cx="0" cy="0"/>
-          <a:chOff x="0" y="0"/>
-          <a:chExt cx="0" cy="0"/>
-        </a:xfrm>
-      </p:grpSpPr>
-      <p:sp>
-        <p:nvSpPr>
-          <p:cNvPr id="73" name="Google Shape;73;p15"/>
-          <p:cNvSpPr txBox="1">
-            <a:spLocks noGrp="1"/>
-          </p:cNvSpPr>
-          <p:nvPr>
-            <p:ph type="title"/>
-          </p:nvPr>
-        </p:nvSpPr>
-        <p:spPr>
-          <a:xfrm>
-            <a:off x="311700" y="445025"/>
-            <a:ext cx="8520600" cy="572700"/>
-          </a:xfrm>
-          <a:prstGeom prst="rect">
-            <a:avLst/>
-          </a:prstGeom>
-        </p:spPr>
-        <p:txBody>
-          <a:bodyPr spcFirstLastPara="1" wrap="square" lIns="91425" tIns="91425" rIns="91425" bIns="91425" anchor="t" anchorCtr="0">
-            <a:noAutofit/>
-          </a:bodyPr>
-          <a:lstStyle/>
-          <a:p>
-            <a:pPr marL="0" lvl="0" indent="0" algn="l" rtl="0">
-              <a:spcBef>
-                <a:spcPts val="0"/>
-              </a:spcBef>
-              <a:spcAft>
-                <a:spcPts val="0"/>
-              </a:spcAft>
-              <a:buNone/>
-            </a:pPr>
-            <a:r>
-              <a:rPr lang="en"/>
-              <a:t>What is a biobank?</a:t>
-            </a:r>
-            <a:endParaRPr/>
-          </a:p>
-        </p:txBody>
-      </p:sp>
-      <p:sp>
-        <p:nvSpPr>
-          <p:cNvPr id="74" name="Google Shape;74;p15"/>
-          <p:cNvSpPr/>
-          <p:nvPr/>
-        </p:nvSpPr>
-        <p:spPr>
-          <a:xfrm>
-            <a:off x="890850" y="1541975"/>
-            <a:ext cx="3083700" cy="1578300"/>
-          </a:xfrm>
-          <a:prstGeom prst="rect">
-            <a:avLst/>
-          </a:prstGeom>
-          <a:solidFill>
-            <a:srgbClr val="CFE2F3"/>
-          </a:solidFill>
-          <a:ln w="9525" cap="flat" cmpd="sng">
-            <a:solidFill>
-              <a:schemeClr val="dk2"/>
-            </a:solidFill>
-            <a:prstDash val="solid"/>
-            <a:round/>
-            <a:headEnd type="none" w="sm" len="sm"/>
-            <a:tailEnd type="none" w="sm" len="sm"/>
-          </a:ln>
-        </p:spPr>
-        <p:txBody>
-          <a:bodyPr spcFirstLastPara="1" wrap="square" lIns="91425" tIns="91425" rIns="91425" bIns="91425" anchor="ctr" anchorCtr="0">
-            <a:noAutofit/>
-          </a:bodyPr>
-          <a:lstStyle/>
-          <a:p>
-            <a:pPr marL="0" lvl="0" indent="0" algn="ctr" rtl="0">
-              <a:spcBef>
-                <a:spcPts val="0"/>
-              </a:spcBef>
-              <a:spcAft>
-                <a:spcPts val="0"/>
-              </a:spcAft>
-              <a:buNone/>
-            </a:pPr>
-            <a:endParaRPr sz="2400"/>
-          </a:p>
-        </p:txBody>
-      </p:sp>
-      <p:sp>
-        <p:nvSpPr>
-          <p:cNvPr id="75" name="Google Shape;75;p15"/>
-          <p:cNvSpPr txBox="1"/>
-          <p:nvPr/>
-        </p:nvSpPr>
-        <p:spPr>
-          <a:xfrm rot="-5400000">
-            <a:off x="-15425" y="2071075"/>
-            <a:ext cx="1409400" cy="335700"/>
-          </a:xfrm>
-          <a:prstGeom prst="rect">
-            <a:avLst/>
-          </a:prstGeom>
-          <a:noFill/>
-          <a:ln>
-            <a:noFill/>
-          </a:ln>
-        </p:spPr>
-        <p:txBody>
-          <a:bodyPr spcFirstLastPara="1" wrap="square" lIns="91425" tIns="91425" rIns="91425" bIns="91425" anchor="ctr" anchorCtr="0">
-            <a:noAutofit/>
-          </a:bodyPr>
-          <a:lstStyle/>
-          <a:p>
-            <a:pPr marL="0" lvl="0" indent="0" algn="ctr" rtl="0">
-              <a:spcBef>
-                <a:spcPts val="0"/>
-              </a:spcBef>
-              <a:spcAft>
-                <a:spcPts val="0"/>
-              </a:spcAft>
-              <a:buNone/>
-            </a:pPr>
-            <a:r>
-              <a:rPr lang="en"/>
-              <a:t>~100k</a:t>
-            </a:r>
-            <a:endParaRPr/>
-          </a:p>
-        </p:txBody>
-      </p:sp>
-      <p:sp>
-        <p:nvSpPr>
-          <p:cNvPr id="76" name="Google Shape;76;p15"/>
-          <p:cNvSpPr txBox="1"/>
-          <p:nvPr/>
-        </p:nvSpPr>
-        <p:spPr>
-          <a:xfrm>
-            <a:off x="2024250" y="1160475"/>
-            <a:ext cx="816900" cy="335700"/>
-          </a:xfrm>
-          <a:prstGeom prst="rect">
-            <a:avLst/>
-          </a:prstGeom>
-          <a:noFill/>
-          <a:ln>
-            <a:noFill/>
-          </a:ln>
-        </p:spPr>
-        <p:txBody>
-          <a:bodyPr spcFirstLastPara="1" wrap="square" lIns="91425" tIns="91425" rIns="91425" bIns="91425" anchor="ctr" anchorCtr="0">
-            <a:noAutofit/>
-          </a:bodyPr>
-          <a:lstStyle/>
-          <a:p>
-            <a:pPr marL="0" lvl="0" indent="0" algn="ctr" rtl="0">
-              <a:spcBef>
-                <a:spcPts val="0"/>
-              </a:spcBef>
-              <a:spcAft>
-                <a:spcPts val="0"/>
-              </a:spcAft>
-              <a:buNone/>
-            </a:pPr>
-            <a:r>
-              <a:rPr lang="en"/>
-              <a:t>~1M</a:t>
-            </a:r>
-            <a:endParaRPr/>
-          </a:p>
-        </p:txBody>
-      </p:sp>
-      <p:sp>
-        <p:nvSpPr>
-          <p:cNvPr id="77" name="Google Shape;77;p15"/>
-          <p:cNvSpPr txBox="1"/>
-          <p:nvPr/>
-        </p:nvSpPr>
-        <p:spPr>
-          <a:xfrm>
-            <a:off x="4258950" y="1160475"/>
-            <a:ext cx="313200" cy="335700"/>
-          </a:xfrm>
-          <a:prstGeom prst="rect">
-            <a:avLst/>
-          </a:prstGeom>
-          <a:noFill/>
-          <a:ln>
-            <a:noFill/>
-          </a:ln>
-        </p:spPr>
-        <p:txBody>
-          <a:bodyPr spcFirstLastPara="1" wrap="square" lIns="91425" tIns="91425" rIns="91425" bIns="91425" anchor="ctr" anchorCtr="0">
-            <a:noAutofit/>
-          </a:bodyPr>
-          <a:lstStyle/>
-          <a:p>
-            <a:pPr marL="0" lvl="0" indent="0" algn="ctr" rtl="0">
-              <a:spcBef>
-                <a:spcPts val="0"/>
-              </a:spcBef>
-              <a:spcAft>
-                <a:spcPts val="0"/>
-              </a:spcAft>
-              <a:buNone/>
-            </a:pPr>
-            <a:r>
-              <a:rPr lang="en"/>
-              <a:t>1</a:t>
-            </a:r>
-            <a:endParaRPr/>
-          </a:p>
-        </p:txBody>
-      </p:sp>
-      <p:sp>
-        <p:nvSpPr>
-          <p:cNvPr id="78" name="Google Shape;78;p15"/>
-          <p:cNvSpPr txBox="1"/>
-          <p:nvPr/>
-        </p:nvSpPr>
-        <p:spPr>
-          <a:xfrm>
-            <a:off x="890850" y="4513275"/>
-            <a:ext cx="3083700" cy="335700"/>
-          </a:xfrm>
-          <a:prstGeom prst="rect">
-            <a:avLst/>
-          </a:prstGeom>
-          <a:noFill/>
-          <a:ln>
-            <a:noFill/>
-          </a:ln>
-        </p:spPr>
-        <p:txBody>
-          <a:bodyPr spcFirstLastPara="1" wrap="square" lIns="91425" tIns="91425" rIns="91425" bIns="91425" anchor="ctr" anchorCtr="0">
-            <a:noAutofit/>
-          </a:bodyPr>
-          <a:lstStyle/>
-          <a:p>
-            <a:pPr marL="0" lvl="0" indent="0" algn="r" rtl="0">
-              <a:spcBef>
-                <a:spcPts val="0"/>
-              </a:spcBef>
-              <a:spcAft>
-                <a:spcPts val="0"/>
-              </a:spcAft>
-              <a:buNone/>
-            </a:pPr>
-            <a:r>
-              <a:rPr lang="en" sz="2200"/>
-              <a:t>genotype</a:t>
-            </a:r>
-            <a:endParaRPr sz="2200"/>
-          </a:p>
-        </p:txBody>
-      </p:sp>
-      <p:sp>
-        <p:nvSpPr>
-          <p:cNvPr id="79" name="Google Shape;79;p15"/>
-          <p:cNvSpPr txBox="1"/>
-          <p:nvPr/>
-        </p:nvSpPr>
-        <p:spPr>
-          <a:xfrm>
-            <a:off x="4243650" y="4513275"/>
-            <a:ext cx="3083700" cy="335700"/>
-          </a:xfrm>
-          <a:prstGeom prst="rect">
-            <a:avLst/>
-          </a:prstGeom>
-          <a:noFill/>
-          <a:ln>
-            <a:noFill/>
-          </a:ln>
-        </p:spPr>
-        <p:txBody>
-          <a:bodyPr spcFirstLastPara="1" wrap="square" lIns="91425" tIns="91425" rIns="91425" bIns="91425" anchor="ctr" anchorCtr="0">
-            <a:noAutofit/>
-          </a:bodyPr>
-          <a:lstStyle/>
-          <a:p>
-            <a:pPr marL="0" lvl="0" indent="0" algn="l" rtl="0">
-              <a:spcBef>
-                <a:spcPts val="0"/>
-              </a:spcBef>
-              <a:spcAft>
-                <a:spcPts val="0"/>
-              </a:spcAft>
-              <a:buNone/>
-            </a:pPr>
-            <a:r>
-              <a:rPr lang="en" sz="2200"/>
-              <a:t>phenotype</a:t>
-            </a:r>
-            <a:endParaRPr sz="2200"/>
-          </a:p>
-        </p:txBody>
-      </p:sp>
-      <p:cxnSp>
-        <p:nvCxnSpPr>
-          <p:cNvPr id="80" name="Google Shape;80;p15"/>
-          <p:cNvCxnSpPr/>
-          <p:nvPr/>
-        </p:nvCxnSpPr>
-        <p:spPr>
-          <a:xfrm rot="10800000">
-            <a:off x="4125750" y="1069150"/>
-            <a:ext cx="0" cy="4008300"/>
-          </a:xfrm>
-          <a:prstGeom prst="straightConnector1">
-            <a:avLst/>
-          </a:prstGeom>
-          <a:noFill/>
-          <a:ln w="9525" cap="flat" cmpd="sng">
-            <a:solidFill>
-              <a:schemeClr val="dk2"/>
-            </a:solidFill>
-            <a:prstDash val="dash"/>
-            <a:round/>
-            <a:headEnd type="none" w="med" len="med"/>
-            <a:tailEnd type="none" w="med" len="med"/>
-          </a:ln>
-        </p:spPr>
-      </p:cxnSp>
-      <p:sp>
-        <p:nvSpPr>
-          <p:cNvPr id="81" name="Google Shape;81;p15"/>
-          <p:cNvSpPr/>
-          <p:nvPr/>
-        </p:nvSpPr>
-        <p:spPr>
-          <a:xfrm>
-            <a:off x="4258800" y="1541975"/>
-            <a:ext cx="313200" cy="1578300"/>
-          </a:xfrm>
-          <a:prstGeom prst="rect">
-            <a:avLst/>
-          </a:prstGeom>
-          <a:solidFill>
-            <a:srgbClr val="F4CCCC"/>
-          </a:solidFill>
-          <a:ln w="9525" cap="flat" cmpd="sng">
-            <a:solidFill>
-              <a:schemeClr val="dk2"/>
-            </a:solidFill>
-            <a:prstDash val="solid"/>
-            <a:round/>
-            <a:headEnd type="none" w="sm" len="sm"/>
-            <a:tailEnd type="none" w="sm" len="sm"/>
-          </a:ln>
-        </p:spPr>
-        <p:txBody>
-          <a:bodyPr spcFirstLastPara="1" wrap="square" lIns="91425" tIns="91425" rIns="91425" bIns="91425" anchor="ctr" anchorCtr="0">
-            <a:noAutofit/>
-          </a:bodyPr>
-          <a:lstStyle/>
-          <a:p>
-            <a:pPr marL="0" lvl="0" indent="0" algn="ctr" rtl="0">
-              <a:spcBef>
-                <a:spcPts val="0"/>
-              </a:spcBef>
-              <a:spcAft>
-                <a:spcPts val="0"/>
-              </a:spcAft>
-              <a:buNone/>
-            </a:pPr>
-            <a:endParaRPr sz="2400"/>
-          </a:p>
-        </p:txBody>
-      </p:sp>
-    </p:spTree>
-  </p:cSld>
-  <p:clrMapOvr>
-    <a:masterClrMapping/>
-  </p:clrMapOvr>
-</p:sld>
-</file>
-
-<file path=ppt/slides/slide4.xml><?xml version="1.0" encoding="utf-8"?>
-<p:sld xmlns:a="http://schemas.openxmlformats.org/drawingml/2006/main" xmlns:r="http://schemas.openxmlformats.org/officeDocument/2006/relationships" xmlns:p="http://schemas.openxmlformats.org/presentationml/2006/main">
-  <p:cSld>
-    <p:spTree>
-      <p:nvGrpSpPr>
-        <p:cNvPr id="1" name="Shape 85"/>
-        <p:cNvGrpSpPr/>
-        <p:nvPr/>
-      </p:nvGrpSpPr>
-      <p:grpSpPr>
-        <a:xfrm>
-          <a:off x="0" y="0"/>
-          <a:ext cx="0" cy="0"/>
-          <a:chOff x="0" y="0"/>
-          <a:chExt cx="0" cy="0"/>
-        </a:xfrm>
-      </p:grpSpPr>
-      <p:sp>
-        <p:nvSpPr>
-          <p:cNvPr id="86" name="Google Shape;86;p16"/>
-          <p:cNvSpPr txBox="1">
-            <a:spLocks noGrp="1"/>
-          </p:cNvSpPr>
-          <p:nvPr>
-            <p:ph type="title"/>
-          </p:nvPr>
-        </p:nvSpPr>
-        <p:spPr>
-          <a:xfrm>
-            <a:off x="311700" y="445025"/>
-            <a:ext cx="8520600" cy="572700"/>
-          </a:xfrm>
-          <a:prstGeom prst="rect">
-            <a:avLst/>
-          </a:prstGeom>
-        </p:spPr>
-        <p:txBody>
-          <a:bodyPr spcFirstLastPara="1" wrap="square" lIns="91425" tIns="91425" rIns="91425" bIns="91425" anchor="t" anchorCtr="0">
-            <a:noAutofit/>
-          </a:bodyPr>
-          <a:lstStyle/>
-          <a:p>
-            <a:pPr marL="0" lvl="0" indent="0" algn="l" rtl="0">
-              <a:spcBef>
-                <a:spcPts val="0"/>
-              </a:spcBef>
-              <a:spcAft>
-                <a:spcPts val="0"/>
-              </a:spcAft>
-              <a:buNone/>
-            </a:pPr>
-            <a:r>
-              <a:rPr lang="en"/>
-              <a:t>What is a biobank?</a:t>
-            </a:r>
-            <a:endParaRPr/>
-          </a:p>
-        </p:txBody>
-      </p:sp>
-      <p:sp>
-        <p:nvSpPr>
-          <p:cNvPr id="87" name="Google Shape;87;p16"/>
-          <p:cNvSpPr/>
-          <p:nvPr/>
-        </p:nvSpPr>
-        <p:spPr>
-          <a:xfrm>
-            <a:off x="890850" y="1541975"/>
-            <a:ext cx="3083700" cy="2818500"/>
-          </a:xfrm>
-          <a:prstGeom prst="rect">
-            <a:avLst/>
-          </a:prstGeom>
-          <a:solidFill>
-            <a:srgbClr val="CFE2F3"/>
-          </a:solidFill>
-          <a:ln w="9525" cap="flat" cmpd="sng">
-            <a:solidFill>
-              <a:schemeClr val="dk2"/>
-            </a:solidFill>
-            <a:prstDash val="solid"/>
-            <a:round/>
-            <a:headEnd type="none" w="sm" len="sm"/>
-            <a:tailEnd type="none" w="sm" len="sm"/>
-          </a:ln>
-        </p:spPr>
-        <p:txBody>
-          <a:bodyPr spcFirstLastPara="1" wrap="square" lIns="91425" tIns="91425" rIns="91425" bIns="91425" anchor="ctr" anchorCtr="0">
-            <a:noAutofit/>
-          </a:bodyPr>
-          <a:lstStyle/>
-          <a:p>
-            <a:pPr marL="0" lvl="0" indent="0" algn="ctr" rtl="0">
-              <a:spcBef>
-                <a:spcPts val="0"/>
-              </a:spcBef>
-              <a:spcAft>
-                <a:spcPts val="0"/>
-              </a:spcAft>
-              <a:buNone/>
-            </a:pPr>
-            <a:endParaRPr sz="2400"/>
-          </a:p>
-        </p:txBody>
-      </p:sp>
-      <p:sp>
-        <p:nvSpPr>
-          <p:cNvPr id="88" name="Google Shape;88;p16"/>
-          <p:cNvSpPr/>
-          <p:nvPr/>
-        </p:nvSpPr>
-        <p:spPr>
-          <a:xfrm>
-            <a:off x="4258800" y="1541975"/>
-            <a:ext cx="2004300" cy="2818500"/>
-          </a:xfrm>
-          <a:prstGeom prst="rect">
-            <a:avLst/>
-          </a:prstGeom>
-          <a:solidFill>
-            <a:srgbClr val="F4CCCC"/>
-          </a:solidFill>
-          <a:ln w="9525" cap="flat" cmpd="sng">
-            <a:solidFill>
-              <a:schemeClr val="dk2"/>
-            </a:solidFill>
-            <a:prstDash val="solid"/>
-            <a:round/>
-            <a:headEnd type="none" w="sm" len="sm"/>
-            <a:tailEnd type="none" w="sm" len="sm"/>
-          </a:ln>
-        </p:spPr>
-        <p:txBody>
-          <a:bodyPr spcFirstLastPara="1" wrap="square" lIns="91425" tIns="91425" rIns="91425" bIns="91425" anchor="ctr" anchorCtr="0">
-            <a:noAutofit/>
-          </a:bodyPr>
-          <a:lstStyle/>
-          <a:p>
-            <a:pPr marL="0" lvl="0" indent="0" algn="ctr" rtl="0">
-              <a:spcBef>
-                <a:spcPts val="0"/>
-              </a:spcBef>
-              <a:spcAft>
-                <a:spcPts val="0"/>
-              </a:spcAft>
-              <a:buNone/>
-            </a:pPr>
-            <a:endParaRPr sz="2400"/>
-          </a:p>
-        </p:txBody>
-      </p:sp>
-      <p:sp>
-        <p:nvSpPr>
-          <p:cNvPr id="89" name="Google Shape;89;p16"/>
-          <p:cNvSpPr txBox="1"/>
-          <p:nvPr/>
-        </p:nvSpPr>
-        <p:spPr>
-          <a:xfrm rot="-5400000">
-            <a:off x="-719975" y="2775700"/>
-            <a:ext cx="2818500" cy="335700"/>
-          </a:xfrm>
-          <a:prstGeom prst="rect">
-            <a:avLst/>
-          </a:prstGeom>
-          <a:noFill/>
-          <a:ln>
-            <a:noFill/>
-          </a:ln>
-        </p:spPr>
-        <p:txBody>
-          <a:bodyPr spcFirstLastPara="1" wrap="square" lIns="91425" tIns="91425" rIns="91425" bIns="91425" anchor="ctr" anchorCtr="0">
-            <a:noAutofit/>
-          </a:bodyPr>
-          <a:lstStyle/>
-          <a:p>
-            <a:pPr marL="0" lvl="0" indent="0" algn="ctr" rtl="0">
-              <a:spcBef>
-                <a:spcPts val="0"/>
-              </a:spcBef>
-              <a:spcAft>
-                <a:spcPts val="0"/>
-              </a:spcAft>
-              <a:buNone/>
-            </a:pPr>
-            <a:r>
-              <a:rPr lang="en"/>
-              <a:t>~1M</a:t>
-            </a:r>
-            <a:endParaRPr/>
-          </a:p>
-        </p:txBody>
-      </p:sp>
-      <p:sp>
-        <p:nvSpPr>
-          <p:cNvPr id="90" name="Google Shape;90;p16"/>
-          <p:cNvSpPr txBox="1"/>
-          <p:nvPr/>
-        </p:nvSpPr>
-        <p:spPr>
-          <a:xfrm>
-            <a:off x="2024250" y="1160475"/>
-            <a:ext cx="816900" cy="335700"/>
-          </a:xfrm>
-          <a:prstGeom prst="rect">
-            <a:avLst/>
-          </a:prstGeom>
-          <a:noFill/>
-          <a:ln>
-            <a:noFill/>
-          </a:ln>
-        </p:spPr>
-        <p:txBody>
-          <a:bodyPr spcFirstLastPara="1" wrap="square" lIns="91425" tIns="91425" rIns="91425" bIns="91425" anchor="ctr" anchorCtr="0">
-            <a:noAutofit/>
-          </a:bodyPr>
-          <a:lstStyle/>
-          <a:p>
-            <a:pPr marL="0" lvl="0" indent="0" algn="ctr" rtl="0">
-              <a:spcBef>
-                <a:spcPts val="0"/>
-              </a:spcBef>
-              <a:spcAft>
-                <a:spcPts val="0"/>
-              </a:spcAft>
-              <a:buNone/>
-            </a:pPr>
-            <a:r>
-              <a:rPr lang="en"/>
-              <a:t>~1M</a:t>
-            </a:r>
-            <a:endParaRPr/>
-          </a:p>
-        </p:txBody>
-      </p:sp>
-      <p:sp>
-        <p:nvSpPr>
-          <p:cNvPr id="91" name="Google Shape;91;p16"/>
-          <p:cNvSpPr txBox="1"/>
-          <p:nvPr/>
-        </p:nvSpPr>
-        <p:spPr>
-          <a:xfrm>
-            <a:off x="4258950" y="1160475"/>
-            <a:ext cx="2004300" cy="335700"/>
-          </a:xfrm>
-          <a:prstGeom prst="rect">
-            <a:avLst/>
-          </a:prstGeom>
-          <a:noFill/>
-          <a:ln>
-            <a:noFill/>
-          </a:ln>
-        </p:spPr>
-        <p:txBody>
-          <a:bodyPr spcFirstLastPara="1" wrap="square" lIns="91425" tIns="91425" rIns="91425" bIns="91425" anchor="ctr" anchorCtr="0">
-            <a:noAutofit/>
-          </a:bodyPr>
-          <a:lstStyle/>
-          <a:p>
-            <a:pPr marL="0" lvl="0" indent="0" algn="ctr" rtl="0">
-              <a:spcBef>
-                <a:spcPts val="0"/>
-              </a:spcBef>
-              <a:spcAft>
-                <a:spcPts val="0"/>
-              </a:spcAft>
-              <a:buNone/>
-            </a:pPr>
-            <a:r>
-              <a:rPr lang="en"/>
-              <a:t>~10k</a:t>
-            </a:r>
-            <a:endParaRPr/>
-          </a:p>
-        </p:txBody>
-      </p:sp>
-      <p:sp>
-        <p:nvSpPr>
-          <p:cNvPr id="92" name="Google Shape;92;p16"/>
-          <p:cNvSpPr txBox="1"/>
-          <p:nvPr/>
-        </p:nvSpPr>
-        <p:spPr>
-          <a:xfrm>
-            <a:off x="890850" y="4513275"/>
-            <a:ext cx="3083700" cy="335700"/>
-          </a:xfrm>
-          <a:prstGeom prst="rect">
-            <a:avLst/>
-          </a:prstGeom>
-          <a:noFill/>
-          <a:ln>
-            <a:noFill/>
-          </a:ln>
-        </p:spPr>
-        <p:txBody>
-          <a:bodyPr spcFirstLastPara="1" wrap="square" lIns="91425" tIns="91425" rIns="91425" bIns="91425" anchor="ctr" anchorCtr="0">
-            <a:noAutofit/>
-          </a:bodyPr>
-          <a:lstStyle/>
-          <a:p>
-            <a:pPr marL="0" lvl="0" indent="0" algn="r" rtl="0">
-              <a:spcBef>
-                <a:spcPts val="0"/>
-              </a:spcBef>
-              <a:spcAft>
-                <a:spcPts val="0"/>
-              </a:spcAft>
-              <a:buNone/>
-            </a:pPr>
-            <a:r>
-              <a:rPr lang="en" sz="2200"/>
-              <a:t>genotype</a:t>
-            </a:r>
-            <a:endParaRPr sz="2200"/>
-          </a:p>
-        </p:txBody>
-      </p:sp>
-      <p:sp>
-        <p:nvSpPr>
-          <p:cNvPr id="93" name="Google Shape;93;p16"/>
-          <p:cNvSpPr txBox="1"/>
-          <p:nvPr/>
-        </p:nvSpPr>
-        <p:spPr>
-          <a:xfrm>
-            <a:off x="4243650" y="4513275"/>
-            <a:ext cx="3083700" cy="335700"/>
-          </a:xfrm>
-          <a:prstGeom prst="rect">
-            <a:avLst/>
-          </a:prstGeom>
-          <a:noFill/>
-          <a:ln>
-            <a:noFill/>
-          </a:ln>
-        </p:spPr>
-        <p:txBody>
-          <a:bodyPr spcFirstLastPara="1" wrap="square" lIns="91425" tIns="91425" rIns="91425" bIns="91425" anchor="ctr" anchorCtr="0">
-            <a:noAutofit/>
-          </a:bodyPr>
-          <a:lstStyle/>
-          <a:p>
-            <a:pPr marL="0" lvl="0" indent="0" algn="l" rtl="0">
-              <a:spcBef>
-                <a:spcPts val="0"/>
-              </a:spcBef>
-              <a:spcAft>
-                <a:spcPts val="0"/>
-              </a:spcAft>
-              <a:buNone/>
-            </a:pPr>
-            <a:r>
-              <a:rPr lang="en" sz="2200"/>
-              <a:t>phenotype</a:t>
-            </a:r>
-            <a:endParaRPr sz="2200"/>
-          </a:p>
-        </p:txBody>
-      </p:sp>
-      <p:cxnSp>
-        <p:nvCxnSpPr>
-          <p:cNvPr id="94" name="Google Shape;94;p16"/>
-          <p:cNvCxnSpPr/>
-          <p:nvPr/>
-        </p:nvCxnSpPr>
-        <p:spPr>
-          <a:xfrm rot="10800000">
-            <a:off x="4125750" y="1069150"/>
-            <a:ext cx="0" cy="4008300"/>
-          </a:xfrm>
-          <a:prstGeom prst="straightConnector1">
-            <a:avLst/>
-          </a:prstGeom>
-          <a:noFill/>
-          <a:ln w="9525" cap="flat" cmpd="sng">
-            <a:solidFill>
-              <a:schemeClr val="dk2"/>
-            </a:solidFill>
-            <a:prstDash val="dash"/>
-            <a:round/>
-            <a:headEnd type="none" w="med" len="med"/>
-            <a:tailEnd type="none" w="med" len="med"/>
-          </a:ln>
-        </p:spPr>
-      </p:cxnSp>
-    </p:spTree>
-  </p:cSld>
-  <p:clrMapOvr>
-    <a:masterClrMapping/>
-  </p:clrMapOvr>
-</p:sld>
-</file>
-
-<file path=ppt/slides/slide5.xml><?xml version="1.0" encoding="utf-8"?>
-<p:sld xmlns:a="http://schemas.openxmlformats.org/drawingml/2006/main" xmlns:r="http://schemas.openxmlformats.org/officeDocument/2006/relationships" xmlns:p="http://schemas.openxmlformats.org/presentationml/2006/main">
-  <p:cSld>
-    <p:spTree>
-      <p:nvGrpSpPr>
-        <p:cNvPr id="1" name="Shape 98"/>
-        <p:cNvGrpSpPr/>
-        <p:nvPr/>
-      </p:nvGrpSpPr>
-      <p:grpSpPr>
-        <a:xfrm>
-          <a:off x="0" y="0"/>
-          <a:ext cx="0" cy="0"/>
-          <a:chOff x="0" y="0"/>
-          <a:chExt cx="0" cy="0"/>
-        </a:xfrm>
-      </p:grpSpPr>
-      <p:sp>
-        <p:nvSpPr>
-          <p:cNvPr id="99" name="Google Shape;99;p17"/>
-          <p:cNvSpPr txBox="1">
-            <a:spLocks noGrp="1"/>
-          </p:cNvSpPr>
-          <p:nvPr>
-            <p:ph type="title"/>
-          </p:nvPr>
-        </p:nvSpPr>
-        <p:spPr>
-          <a:xfrm>
-            <a:off x="311700" y="445025"/>
-            <a:ext cx="8520600" cy="572700"/>
-          </a:xfrm>
-          <a:prstGeom prst="rect">
-            <a:avLst/>
-          </a:prstGeom>
-        </p:spPr>
-        <p:txBody>
-          <a:bodyPr spcFirstLastPara="1" wrap="square" lIns="91425" tIns="91425" rIns="91425" bIns="91425" anchor="t" anchorCtr="0">
-            <a:noAutofit/>
-          </a:bodyPr>
-          <a:lstStyle/>
-          <a:p>
-            <a:pPr marL="0" lvl="0" indent="0" algn="l" rtl="0">
-              <a:spcBef>
-                <a:spcPts val="0"/>
-              </a:spcBef>
-              <a:spcAft>
-                <a:spcPts val="0"/>
-              </a:spcAft>
-              <a:buNone/>
-            </a:pPr>
-            <a:r>
-              <a:rPr lang="en"/>
-              <a:t>What is a biobank?</a:t>
-            </a:r>
-            <a:endParaRPr/>
-          </a:p>
-        </p:txBody>
-      </p:sp>
-      <p:sp>
-        <p:nvSpPr>
-          <p:cNvPr id="100" name="Google Shape;100;p17"/>
-          <p:cNvSpPr/>
-          <p:nvPr/>
-        </p:nvSpPr>
-        <p:spPr>
-          <a:xfrm>
-            <a:off x="890850" y="1541975"/>
-            <a:ext cx="3083700" cy="2818500"/>
-          </a:xfrm>
-          <a:prstGeom prst="rect">
-            <a:avLst/>
-          </a:prstGeom>
-          <a:solidFill>
-            <a:srgbClr val="CFE2F3"/>
-          </a:solidFill>
-          <a:ln w="9525" cap="flat" cmpd="sng">
-            <a:solidFill>
-              <a:schemeClr val="dk2"/>
-            </a:solidFill>
-            <a:prstDash val="solid"/>
-            <a:round/>
-            <a:headEnd type="none" w="sm" len="sm"/>
-            <a:tailEnd type="none" w="sm" len="sm"/>
-          </a:ln>
-        </p:spPr>
-        <p:txBody>
-          <a:bodyPr spcFirstLastPara="1" wrap="square" lIns="91425" tIns="91425" rIns="91425" bIns="91425" anchor="ctr" anchorCtr="0">
-            <a:noAutofit/>
-          </a:bodyPr>
-          <a:lstStyle/>
-          <a:p>
-            <a:pPr marL="0" lvl="0" indent="0" algn="ctr" rtl="0">
-              <a:spcBef>
-                <a:spcPts val="0"/>
-              </a:spcBef>
-              <a:spcAft>
-                <a:spcPts val="0"/>
-              </a:spcAft>
-              <a:buNone/>
-            </a:pPr>
-            <a:endParaRPr sz="2400"/>
-          </a:p>
-        </p:txBody>
-      </p:sp>
-      <p:sp>
-        <p:nvSpPr>
-          <p:cNvPr id="101" name="Google Shape;101;p17"/>
-          <p:cNvSpPr/>
-          <p:nvPr/>
-        </p:nvSpPr>
-        <p:spPr>
-          <a:xfrm>
-            <a:off x="4258800" y="1541975"/>
-            <a:ext cx="2004300" cy="2818500"/>
-          </a:xfrm>
-          <a:prstGeom prst="rect">
-            <a:avLst/>
-          </a:prstGeom>
-          <a:solidFill>
-            <a:srgbClr val="F4CCCC"/>
-          </a:solidFill>
-          <a:ln w="9525" cap="flat" cmpd="sng">
-            <a:solidFill>
-              <a:schemeClr val="dk2"/>
-            </a:solidFill>
-            <a:prstDash val="solid"/>
-            <a:round/>
-            <a:headEnd type="none" w="sm" len="sm"/>
-            <a:tailEnd type="none" w="sm" len="sm"/>
-          </a:ln>
-        </p:spPr>
-        <p:txBody>
-          <a:bodyPr spcFirstLastPara="1" wrap="square" lIns="91425" tIns="91425" rIns="91425" bIns="91425" anchor="ctr" anchorCtr="0">
-            <a:noAutofit/>
-          </a:bodyPr>
-          <a:lstStyle/>
-          <a:p>
-            <a:pPr marL="0" lvl="0" indent="0" algn="l" rtl="0">
-              <a:lnSpc>
-                <a:spcPct val="115000"/>
-              </a:lnSpc>
-              <a:spcBef>
-                <a:spcPts val="0"/>
-              </a:spcBef>
-              <a:spcAft>
-                <a:spcPts val="0"/>
-              </a:spcAft>
-              <a:buNone/>
-            </a:pPr>
-            <a:endParaRPr sz="1800"/>
-          </a:p>
-        </p:txBody>
-      </p:sp>
-      <p:sp>
-        <p:nvSpPr>
-          <p:cNvPr id="102" name="Google Shape;102;p17"/>
-          <p:cNvSpPr txBox="1"/>
-          <p:nvPr/>
-        </p:nvSpPr>
-        <p:spPr>
-          <a:xfrm rot="-5400000">
-            <a:off x="-719975" y="2775700"/>
-            <a:ext cx="2818500" cy="335700"/>
-          </a:xfrm>
-          <a:prstGeom prst="rect">
-            <a:avLst/>
-          </a:prstGeom>
-          <a:noFill/>
-          <a:ln>
-            <a:noFill/>
-          </a:ln>
-        </p:spPr>
-        <p:txBody>
-          <a:bodyPr spcFirstLastPara="1" wrap="square" lIns="91425" tIns="91425" rIns="91425" bIns="91425" anchor="ctr" anchorCtr="0">
-            <a:noAutofit/>
-          </a:bodyPr>
-          <a:lstStyle/>
-          <a:p>
-            <a:pPr marL="0" lvl="0" indent="0" algn="ctr" rtl="0">
-              <a:spcBef>
-                <a:spcPts val="0"/>
-              </a:spcBef>
-              <a:spcAft>
-                <a:spcPts val="0"/>
-              </a:spcAft>
-              <a:buNone/>
-            </a:pPr>
-            <a:r>
-              <a:rPr lang="en"/>
-              <a:t>~1M</a:t>
-            </a:r>
-            <a:endParaRPr/>
-          </a:p>
-        </p:txBody>
-      </p:sp>
-      <p:sp>
-        <p:nvSpPr>
-          <p:cNvPr id="103" name="Google Shape;103;p17"/>
-          <p:cNvSpPr txBox="1"/>
-          <p:nvPr/>
-        </p:nvSpPr>
-        <p:spPr>
-          <a:xfrm>
-            <a:off x="2024250" y="1160475"/>
-            <a:ext cx="816900" cy="335700"/>
-          </a:xfrm>
-          <a:prstGeom prst="rect">
-            <a:avLst/>
-          </a:prstGeom>
-          <a:noFill/>
-          <a:ln>
-            <a:noFill/>
-          </a:ln>
-        </p:spPr>
-        <p:txBody>
-          <a:bodyPr spcFirstLastPara="1" wrap="square" lIns="91425" tIns="91425" rIns="91425" bIns="91425" anchor="ctr" anchorCtr="0">
-            <a:noAutofit/>
-          </a:bodyPr>
-          <a:lstStyle/>
-          <a:p>
-            <a:pPr marL="0" lvl="0" indent="0" algn="ctr" rtl="0">
-              <a:spcBef>
-                <a:spcPts val="0"/>
-              </a:spcBef>
-              <a:spcAft>
-                <a:spcPts val="0"/>
-              </a:spcAft>
-              <a:buNone/>
-            </a:pPr>
-            <a:r>
-              <a:rPr lang="en"/>
-              <a:t>~1M</a:t>
-            </a:r>
-            <a:endParaRPr/>
-          </a:p>
-        </p:txBody>
-      </p:sp>
-      <p:sp>
-        <p:nvSpPr>
-          <p:cNvPr id="104" name="Google Shape;104;p17"/>
-          <p:cNvSpPr txBox="1"/>
-          <p:nvPr/>
-        </p:nvSpPr>
-        <p:spPr>
-          <a:xfrm>
-            <a:off x="4258950" y="1160475"/>
-            <a:ext cx="2004300" cy="335700"/>
-          </a:xfrm>
-          <a:prstGeom prst="rect">
-            <a:avLst/>
-          </a:prstGeom>
-          <a:noFill/>
-          <a:ln>
-            <a:noFill/>
-          </a:ln>
-        </p:spPr>
-        <p:txBody>
-          <a:bodyPr spcFirstLastPara="1" wrap="square" lIns="91425" tIns="91425" rIns="91425" bIns="91425" anchor="ctr" anchorCtr="0">
-            <a:noAutofit/>
-          </a:bodyPr>
-          <a:lstStyle/>
-          <a:p>
-            <a:pPr marL="0" lvl="0" indent="0" algn="ctr" rtl="0">
-              <a:spcBef>
-                <a:spcPts val="0"/>
-              </a:spcBef>
-              <a:spcAft>
-                <a:spcPts val="0"/>
-              </a:spcAft>
-              <a:buNone/>
-            </a:pPr>
-            <a:r>
-              <a:rPr lang="en"/>
-              <a:t>~10k</a:t>
-            </a:r>
-            <a:endParaRPr/>
-          </a:p>
-        </p:txBody>
-      </p:sp>
-      <p:sp>
-        <p:nvSpPr>
-          <p:cNvPr id="105" name="Google Shape;105;p17"/>
-          <p:cNvSpPr txBox="1"/>
-          <p:nvPr/>
-        </p:nvSpPr>
-        <p:spPr>
-          <a:xfrm>
-            <a:off x="890850" y="4513275"/>
-            <a:ext cx="3083700" cy="335700"/>
-          </a:xfrm>
-          <a:prstGeom prst="rect">
-            <a:avLst/>
-          </a:prstGeom>
-          <a:noFill/>
-          <a:ln>
-            <a:noFill/>
-          </a:ln>
-        </p:spPr>
-        <p:txBody>
-          <a:bodyPr spcFirstLastPara="1" wrap="square" lIns="91425" tIns="91425" rIns="91425" bIns="91425" anchor="ctr" anchorCtr="0">
-            <a:noAutofit/>
-          </a:bodyPr>
-          <a:lstStyle/>
-          <a:p>
-            <a:pPr marL="0" lvl="0" indent="0" algn="r" rtl="0">
-              <a:spcBef>
-                <a:spcPts val="0"/>
-              </a:spcBef>
-              <a:spcAft>
-                <a:spcPts val="0"/>
-              </a:spcAft>
-              <a:buNone/>
-            </a:pPr>
-            <a:r>
-              <a:rPr lang="en" sz="2200"/>
-              <a:t>genotype</a:t>
-            </a:r>
-            <a:endParaRPr sz="2200"/>
-          </a:p>
-        </p:txBody>
-      </p:sp>
-      <p:sp>
-        <p:nvSpPr>
-          <p:cNvPr id="106" name="Google Shape;106;p17"/>
-          <p:cNvSpPr txBox="1"/>
-          <p:nvPr/>
-        </p:nvSpPr>
-        <p:spPr>
-          <a:xfrm>
-            <a:off x="4243650" y="4513275"/>
-            <a:ext cx="3083700" cy="335700"/>
-          </a:xfrm>
-          <a:prstGeom prst="rect">
-            <a:avLst/>
-          </a:prstGeom>
-          <a:noFill/>
-          <a:ln>
-            <a:noFill/>
-          </a:ln>
-        </p:spPr>
-        <p:txBody>
-          <a:bodyPr spcFirstLastPara="1" wrap="square" lIns="91425" tIns="91425" rIns="91425" bIns="91425" anchor="ctr" anchorCtr="0">
-            <a:noAutofit/>
-          </a:bodyPr>
-          <a:lstStyle/>
-          <a:p>
-            <a:pPr marL="0" lvl="0" indent="0" algn="l" rtl="0">
-              <a:spcBef>
-                <a:spcPts val="0"/>
-              </a:spcBef>
-              <a:spcAft>
-                <a:spcPts val="0"/>
-              </a:spcAft>
-              <a:buNone/>
-            </a:pPr>
-            <a:r>
-              <a:rPr lang="en" sz="2200"/>
-              <a:t>phenotype</a:t>
-            </a:r>
-            <a:endParaRPr sz="2200"/>
-          </a:p>
-        </p:txBody>
-      </p:sp>
-      <p:cxnSp>
-        <p:nvCxnSpPr>
-          <p:cNvPr id="107" name="Google Shape;107;p17"/>
-          <p:cNvCxnSpPr/>
-          <p:nvPr/>
-        </p:nvCxnSpPr>
-        <p:spPr>
-          <a:xfrm rot="10800000">
-            <a:off x="4125750" y="1069150"/>
-            <a:ext cx="0" cy="4008300"/>
-          </a:xfrm>
-          <a:prstGeom prst="straightConnector1">
-            <a:avLst/>
-          </a:prstGeom>
-          <a:noFill/>
-          <a:ln w="9525" cap="flat" cmpd="sng">
-            <a:solidFill>
-              <a:schemeClr val="dk2"/>
-            </a:solidFill>
-            <a:prstDash val="dash"/>
-            <a:round/>
-            <a:headEnd type="none" w="med" len="med"/>
-            <a:tailEnd type="none" w="med" len="med"/>
-          </a:ln>
-        </p:spPr>
-      </p:cxnSp>
-      <p:sp>
-        <p:nvSpPr>
-          <p:cNvPr id="108" name="Google Shape;108;p17"/>
-          <p:cNvSpPr txBox="1"/>
-          <p:nvPr/>
-        </p:nvSpPr>
-        <p:spPr>
-          <a:xfrm>
-            <a:off x="4276950" y="1538850"/>
-            <a:ext cx="4738200" cy="2818500"/>
-          </a:xfrm>
-          <a:prstGeom prst="rect">
-            <a:avLst/>
-          </a:prstGeom>
-          <a:noFill/>
-          <a:ln>
-            <a:noFill/>
-          </a:ln>
-        </p:spPr>
-        <p:txBody>
-          <a:bodyPr spcFirstLastPara="1" wrap="square" lIns="91425" tIns="91425" rIns="91425" bIns="91425" anchor="ctr" anchorCtr="0">
-            <a:noAutofit/>
-          </a:bodyPr>
-          <a:lstStyle/>
-          <a:p>
-            <a:pPr marL="0" lvl="0" indent="0" algn="l" rtl="0">
-              <a:lnSpc>
-                <a:spcPct val="115000"/>
-              </a:lnSpc>
-              <a:spcBef>
-                <a:spcPts val="0"/>
-              </a:spcBef>
-              <a:spcAft>
-                <a:spcPts val="0"/>
-              </a:spcAft>
-              <a:buNone/>
-            </a:pPr>
-            <a:r>
-              <a:rPr lang="en" sz="1800"/>
-              <a:t>Diagnoses		   Diagnosed w/diabetes?</a:t>
-            </a:r>
-            <a:endParaRPr sz="1800"/>
-          </a:p>
-          <a:p>
-            <a:pPr marL="0" lvl="0" indent="0" algn="l" rtl="0">
-              <a:lnSpc>
-                <a:spcPct val="115000"/>
-              </a:lnSpc>
-              <a:spcBef>
-                <a:spcPts val="0"/>
-              </a:spcBef>
-              <a:spcAft>
-                <a:spcPts val="0"/>
-              </a:spcAft>
-              <a:buNone/>
-            </a:pPr>
-            <a:r>
-              <a:rPr lang="en" sz="1800"/>
-              <a:t>Survey questions	   “How happy are you?”</a:t>
-            </a:r>
-            <a:endParaRPr sz="1800"/>
-          </a:p>
-          <a:p>
-            <a:pPr marL="0" lvl="0" indent="0" algn="l" rtl="0">
-              <a:lnSpc>
-                <a:spcPct val="115000"/>
-              </a:lnSpc>
-              <a:spcBef>
-                <a:spcPts val="0"/>
-              </a:spcBef>
-              <a:spcAft>
-                <a:spcPts val="0"/>
-              </a:spcAft>
-              <a:buNone/>
-            </a:pPr>
-            <a:r>
-              <a:rPr lang="en" sz="1800"/>
-              <a:t>Clinical labs		   Total cholesterol</a:t>
-            </a:r>
-            <a:endParaRPr sz="1800"/>
-          </a:p>
-          <a:p>
-            <a:pPr marL="0" lvl="0" indent="0" algn="l" rtl="0">
-              <a:lnSpc>
-                <a:spcPct val="115000"/>
-              </a:lnSpc>
-              <a:spcBef>
-                <a:spcPts val="0"/>
-              </a:spcBef>
-              <a:spcAft>
-                <a:spcPts val="0"/>
-              </a:spcAft>
-              <a:buNone/>
-            </a:pPr>
-            <a:r>
-              <a:rPr lang="en" sz="1800"/>
-              <a:t>Imaging			   Brain MRI</a:t>
-            </a:r>
-            <a:endParaRPr sz="1800"/>
-          </a:p>
-          <a:p>
-            <a:pPr marL="0" lvl="0" indent="0" algn="l" rtl="0">
-              <a:lnSpc>
-                <a:spcPct val="115000"/>
-              </a:lnSpc>
-              <a:spcBef>
-                <a:spcPts val="0"/>
-              </a:spcBef>
-              <a:spcAft>
-                <a:spcPts val="0"/>
-              </a:spcAft>
-              <a:buNone/>
-            </a:pPr>
-            <a:r>
-              <a:rPr lang="en" sz="1800"/>
-              <a:t>Medical records</a:t>
-            </a:r>
-            <a:br>
-              <a:rPr lang="en" sz="1800"/>
-            </a:br>
-            <a:endParaRPr sz="1800"/>
-          </a:p>
-        </p:txBody>
-      </p:sp>
     </p:spTree>
   </p:cSld>
   <p:clrMapOvr>
@@ -11594,7 +9338,7 @@
                             </p:stCondLst>
                             <p:childTnLst>
                               <p:par>
-                                <p:cTn id="5" presetID="1" presetClass="entr" presetSubtype="0" fill="hold" nodeType="clickEffect">
+                                <p:cTn id="5" presetID="1" presetClass="entr" presetSubtype="0" fill="hold" grpId="0" nodeType="clickEffect">
                                   <p:stCondLst>
                                     <p:cond delay="0"/>
                                   </p:stCondLst>
@@ -11607,7 +9351,7 @@
                                           </p:stCondLst>
                                         </p:cTn>
                                         <p:tgtEl>
-                                          <p:spTgt spid="108">
+                                          <p:spTgt spid="194">
                                             <p:txEl>
                                               <p:pRg st="0" end="0"/>
                                             </p:txEl>
@@ -11624,26 +9368,35 @@
                                   </p:childTnLst>
                                 </p:cTn>
                               </p:par>
-                            </p:childTnLst>
-                          </p:cTn>
-                        </p:par>
-                      </p:childTnLst>
-                    </p:cTn>
-                  </p:par>
-                  <p:par>
-                    <p:cTn id="7" fill="hold">
-                      <p:stCondLst>
-                        <p:cond delay="indefinite"/>
-                      </p:stCondLst>
-                      <p:childTnLst>
-                        <p:par>
-                          <p:cTn id="8" fill="hold">
-                            <p:stCondLst>
-                              <p:cond delay="0"/>
-                            </p:stCondLst>
-                            <p:childTnLst>
                               <p:par>
-                                <p:cTn id="9" presetID="1" presetClass="entr" presetSubtype="0" fill="hold" nodeType="clickEffect">
+                                <p:cTn id="7" presetID="1" presetClass="entr" presetSubtype="0" fill="hold" grpId="0" nodeType="withEffect">
+                                  <p:stCondLst>
+                                    <p:cond delay="0"/>
+                                  </p:stCondLst>
+                                  <p:childTnLst>
+                                    <p:set>
+                                      <p:cBhvr>
+                                        <p:cTn id="8" dur="1" fill="hold">
+                                          <p:stCondLst>
+                                            <p:cond delay="0"/>
+                                          </p:stCondLst>
+                                        </p:cTn>
+                                        <p:tgtEl>
+                                          <p:spTgt spid="235"/>
+                                        </p:tgtEl>
+                                        <p:attrNameLst>
+                                          <p:attrName>style.visibility</p:attrName>
+                                        </p:attrNameLst>
+                                      </p:cBhvr>
+                                      <p:to>
+                                        <p:strVal val="visible"/>
+                                      </p:to>
+                                    </p:set>
+                                  </p:childTnLst>
+                                </p:cTn>
+                              </p:par>
+                              <p:par>
+                                <p:cTn id="9" presetID="1" presetClass="entr" presetSubtype="0" fill="hold" grpId="0" nodeType="withEffect">
                                   <p:stCondLst>
                                     <p:cond delay="0"/>
                                   </p:stCondLst>
@@ -11656,11 +9409,7 @@
                                           </p:stCondLst>
                                         </p:cTn>
                                         <p:tgtEl>
-                                          <p:spTgt spid="108">
-                                            <p:txEl>
-                                              <p:pRg st="1" end="1"/>
-                                            </p:txEl>
-                                          </p:spTgt>
+                                          <p:spTgt spid="236"/>
                                         </p:tgtEl>
                                         <p:attrNameLst>
                                           <p:attrName>style.visibility</p:attrName>
@@ -11673,26 +9422,35 @@
                                   </p:childTnLst>
                                 </p:cTn>
                               </p:par>
-                            </p:childTnLst>
-                          </p:cTn>
-                        </p:par>
-                      </p:childTnLst>
-                    </p:cTn>
-                  </p:par>
-                  <p:par>
-                    <p:cTn id="11" fill="hold">
-                      <p:stCondLst>
-                        <p:cond delay="indefinite"/>
-                      </p:stCondLst>
-                      <p:childTnLst>
-                        <p:par>
-                          <p:cTn id="12" fill="hold">
-                            <p:stCondLst>
-                              <p:cond delay="0"/>
-                            </p:stCondLst>
-                            <p:childTnLst>
                               <p:par>
-                                <p:cTn id="13" presetID="1" presetClass="entr" presetSubtype="0" fill="hold" nodeType="clickEffect">
+                                <p:cTn id="11" presetID="1" presetClass="entr" presetSubtype="0" fill="hold" grpId="0" nodeType="withEffect">
+                                  <p:stCondLst>
+                                    <p:cond delay="0"/>
+                                  </p:stCondLst>
+                                  <p:childTnLst>
+                                    <p:set>
+                                      <p:cBhvr>
+                                        <p:cTn id="12" dur="1" fill="hold">
+                                          <p:stCondLst>
+                                            <p:cond delay="0"/>
+                                          </p:stCondLst>
+                                        </p:cTn>
+                                        <p:tgtEl>
+                                          <p:spTgt spid="237"/>
+                                        </p:tgtEl>
+                                        <p:attrNameLst>
+                                          <p:attrName>style.visibility</p:attrName>
+                                        </p:attrNameLst>
+                                      </p:cBhvr>
+                                      <p:to>
+                                        <p:strVal val="visible"/>
+                                      </p:to>
+                                    </p:set>
+                                  </p:childTnLst>
+                                </p:cTn>
+                              </p:par>
+                              <p:par>
+                                <p:cTn id="13" presetID="1" presetClass="entr" presetSubtype="0" fill="hold" grpId="0" nodeType="withEffect">
                                   <p:stCondLst>
                                     <p:cond delay="0"/>
                                   </p:stCondLst>
@@ -11705,11 +9463,7 @@
                                           </p:stCondLst>
                                         </p:cTn>
                                         <p:tgtEl>
-                                          <p:spTgt spid="108">
-                                            <p:txEl>
-                                              <p:pRg st="2" end="2"/>
-                                            </p:txEl>
-                                          </p:spTgt>
+                                          <p:spTgt spid="238"/>
                                         </p:tgtEl>
                                         <p:attrNameLst>
                                           <p:attrName>style.visibility</p:attrName>
@@ -11722,26 +9476,35 @@
                                   </p:childTnLst>
                                 </p:cTn>
                               </p:par>
-                            </p:childTnLst>
-                          </p:cTn>
-                        </p:par>
-                      </p:childTnLst>
-                    </p:cTn>
-                  </p:par>
-                  <p:par>
-                    <p:cTn id="15" fill="hold">
-                      <p:stCondLst>
-                        <p:cond delay="indefinite"/>
-                      </p:stCondLst>
-                      <p:childTnLst>
-                        <p:par>
-                          <p:cTn id="16" fill="hold">
-                            <p:stCondLst>
-                              <p:cond delay="0"/>
-                            </p:stCondLst>
-                            <p:childTnLst>
                               <p:par>
-                                <p:cTn id="17" presetID="1" presetClass="entr" presetSubtype="0" fill="hold" nodeType="clickEffect">
+                                <p:cTn id="15" presetID="1" presetClass="entr" presetSubtype="0" fill="hold" grpId="0" nodeType="withEffect">
+                                  <p:stCondLst>
+                                    <p:cond delay="0"/>
+                                  </p:stCondLst>
+                                  <p:childTnLst>
+                                    <p:set>
+                                      <p:cBhvr>
+                                        <p:cTn id="16" dur="1" fill="hold">
+                                          <p:stCondLst>
+                                            <p:cond delay="0"/>
+                                          </p:stCondLst>
+                                        </p:cTn>
+                                        <p:tgtEl>
+                                          <p:spTgt spid="239"/>
+                                        </p:tgtEl>
+                                        <p:attrNameLst>
+                                          <p:attrName>style.visibility</p:attrName>
+                                        </p:attrNameLst>
+                                      </p:cBhvr>
+                                      <p:to>
+                                        <p:strVal val="visible"/>
+                                      </p:to>
+                                    </p:set>
+                                  </p:childTnLst>
+                                </p:cTn>
+                              </p:par>
+                              <p:par>
+                                <p:cTn id="17" presetID="1" presetClass="entr" presetSubtype="0" fill="hold" nodeType="withEffect">
                                   <p:stCondLst>
                                     <p:cond delay="0"/>
                                   </p:stCondLst>
@@ -11754,11 +9517,7 @@
                                           </p:stCondLst>
                                         </p:cTn>
                                         <p:tgtEl>
-                                          <p:spTgt spid="108">
-                                            <p:txEl>
-                                              <p:pRg st="3" end="3"/>
-                                            </p:txEl>
-                                          </p:spTgt>
+                                          <p:spTgt spid="240"/>
                                         </p:tgtEl>
                                         <p:attrNameLst>
                                           <p:attrName>style.visibility</p:attrName>
@@ -11771,26 +9530,35 @@
                                   </p:childTnLst>
                                 </p:cTn>
                               </p:par>
-                            </p:childTnLst>
-                          </p:cTn>
-                        </p:par>
-                      </p:childTnLst>
-                    </p:cTn>
-                  </p:par>
-                  <p:par>
-                    <p:cTn id="19" fill="hold">
-                      <p:stCondLst>
-                        <p:cond delay="indefinite"/>
-                      </p:stCondLst>
-                      <p:childTnLst>
-                        <p:par>
-                          <p:cTn id="20" fill="hold">
-                            <p:stCondLst>
-                              <p:cond delay="0"/>
-                            </p:stCondLst>
-                            <p:childTnLst>
                               <p:par>
-                                <p:cTn id="21" presetID="1" presetClass="entr" presetSubtype="0" fill="hold" nodeType="clickEffect">
+                                <p:cTn id="19" presetID="1" presetClass="entr" presetSubtype="0" fill="hold" nodeType="withEffect">
+                                  <p:stCondLst>
+                                    <p:cond delay="0"/>
+                                  </p:stCondLst>
+                                  <p:childTnLst>
+                                    <p:set>
+                                      <p:cBhvr>
+                                        <p:cTn id="20" dur="1" fill="hold">
+                                          <p:stCondLst>
+                                            <p:cond delay="0"/>
+                                          </p:stCondLst>
+                                        </p:cTn>
+                                        <p:tgtEl>
+                                          <p:spTgt spid="241"/>
+                                        </p:tgtEl>
+                                        <p:attrNameLst>
+                                          <p:attrName>style.visibility</p:attrName>
+                                        </p:attrNameLst>
+                                      </p:cBhvr>
+                                      <p:to>
+                                        <p:strVal val="visible"/>
+                                      </p:to>
+                                    </p:set>
+                                  </p:childTnLst>
+                                </p:cTn>
+                              </p:par>
+                              <p:par>
+                                <p:cTn id="21" presetID="1" presetClass="entr" presetSubtype="0" fill="hold" nodeType="withEffect">
                                   <p:stCondLst>
                                     <p:cond delay="0"/>
                                   </p:stCondLst>
@@ -11803,11 +9571,493 @@
                                           </p:stCondLst>
                                         </p:cTn>
                                         <p:tgtEl>
-                                          <p:spTgt spid="108">
-                                            <p:txEl>
-                                              <p:pRg st="4" end="4"/>
-                                            </p:txEl>
-                                          </p:spTgt>
+                                          <p:spTgt spid="242"/>
+                                        </p:tgtEl>
+                                        <p:attrNameLst>
+                                          <p:attrName>style.visibility</p:attrName>
+                                        </p:attrNameLst>
+                                      </p:cBhvr>
+                                      <p:to>
+                                        <p:strVal val="visible"/>
+                                      </p:to>
+                                    </p:set>
+                                  </p:childTnLst>
+                                </p:cTn>
+                              </p:par>
+                              <p:par>
+                                <p:cTn id="23" presetID="1" presetClass="entr" presetSubtype="0" fill="hold" nodeType="withEffect">
+                                  <p:stCondLst>
+                                    <p:cond delay="0"/>
+                                  </p:stCondLst>
+                                  <p:childTnLst>
+                                    <p:set>
+                                      <p:cBhvr>
+                                        <p:cTn id="24" dur="1" fill="hold">
+                                          <p:stCondLst>
+                                            <p:cond delay="0"/>
+                                          </p:stCondLst>
+                                        </p:cTn>
+                                        <p:tgtEl>
+                                          <p:spTgt spid="243"/>
+                                        </p:tgtEl>
+                                        <p:attrNameLst>
+                                          <p:attrName>style.visibility</p:attrName>
+                                        </p:attrNameLst>
+                                      </p:cBhvr>
+                                      <p:to>
+                                        <p:strVal val="visible"/>
+                                      </p:to>
+                                    </p:set>
+                                  </p:childTnLst>
+                                </p:cTn>
+                              </p:par>
+                              <p:par>
+                                <p:cTn id="25" presetID="1" presetClass="entr" presetSubtype="0" fill="hold" nodeType="withEffect">
+                                  <p:stCondLst>
+                                    <p:cond delay="0"/>
+                                  </p:stCondLst>
+                                  <p:childTnLst>
+                                    <p:set>
+                                      <p:cBhvr>
+                                        <p:cTn id="26" dur="1" fill="hold">
+                                          <p:stCondLst>
+                                            <p:cond delay="0"/>
+                                          </p:stCondLst>
+                                        </p:cTn>
+                                        <p:tgtEl>
+                                          <p:spTgt spid="244"/>
+                                        </p:tgtEl>
+                                        <p:attrNameLst>
+                                          <p:attrName>style.visibility</p:attrName>
+                                        </p:attrNameLst>
+                                      </p:cBhvr>
+                                      <p:to>
+                                        <p:strVal val="visible"/>
+                                      </p:to>
+                                    </p:set>
+                                  </p:childTnLst>
+                                </p:cTn>
+                              </p:par>
+                              <p:par>
+                                <p:cTn id="27" presetID="1" presetClass="entr" presetSubtype="0" fill="hold" nodeType="withEffect">
+                                  <p:stCondLst>
+                                    <p:cond delay="0"/>
+                                  </p:stCondLst>
+                                  <p:childTnLst>
+                                    <p:set>
+                                      <p:cBhvr>
+                                        <p:cTn id="28" dur="1" fill="hold">
+                                          <p:stCondLst>
+                                            <p:cond delay="0"/>
+                                          </p:stCondLst>
+                                        </p:cTn>
+                                        <p:tgtEl>
+                                          <p:spTgt spid="245"/>
+                                        </p:tgtEl>
+                                        <p:attrNameLst>
+                                          <p:attrName>style.visibility</p:attrName>
+                                        </p:attrNameLst>
+                                      </p:cBhvr>
+                                      <p:to>
+                                        <p:strVal val="visible"/>
+                                      </p:to>
+                                    </p:set>
+                                  </p:childTnLst>
+                                </p:cTn>
+                              </p:par>
+                              <p:par>
+                                <p:cTn id="29" presetID="1" presetClass="entr" presetSubtype="0" fill="hold" nodeType="withEffect">
+                                  <p:stCondLst>
+                                    <p:cond delay="0"/>
+                                  </p:stCondLst>
+                                  <p:childTnLst>
+                                    <p:set>
+                                      <p:cBhvr>
+                                        <p:cTn id="30" dur="1" fill="hold">
+                                          <p:stCondLst>
+                                            <p:cond delay="0"/>
+                                          </p:stCondLst>
+                                        </p:cTn>
+                                        <p:tgtEl>
+                                          <p:spTgt spid="246"/>
+                                        </p:tgtEl>
+                                        <p:attrNameLst>
+                                          <p:attrName>style.visibility</p:attrName>
+                                        </p:attrNameLst>
+                                      </p:cBhvr>
+                                      <p:to>
+                                        <p:strVal val="visible"/>
+                                      </p:to>
+                                    </p:set>
+                                  </p:childTnLst>
+                                </p:cTn>
+                              </p:par>
+                              <p:par>
+                                <p:cTn id="31" presetID="1" presetClass="entr" presetSubtype="0" fill="hold" nodeType="withEffect">
+                                  <p:stCondLst>
+                                    <p:cond delay="0"/>
+                                  </p:stCondLst>
+                                  <p:childTnLst>
+                                    <p:set>
+                                      <p:cBhvr>
+                                        <p:cTn id="32" dur="1" fill="hold">
+                                          <p:stCondLst>
+                                            <p:cond delay="0"/>
+                                          </p:stCondLst>
+                                        </p:cTn>
+                                        <p:tgtEl>
+                                          <p:spTgt spid="247"/>
+                                        </p:tgtEl>
+                                        <p:attrNameLst>
+                                          <p:attrName>style.visibility</p:attrName>
+                                        </p:attrNameLst>
+                                      </p:cBhvr>
+                                      <p:to>
+                                        <p:strVal val="visible"/>
+                                      </p:to>
+                                    </p:set>
+                                  </p:childTnLst>
+                                </p:cTn>
+                              </p:par>
+                              <p:par>
+                                <p:cTn id="33" presetID="1" presetClass="entr" presetSubtype="0" fill="hold" nodeType="withEffect">
+                                  <p:stCondLst>
+                                    <p:cond delay="0"/>
+                                  </p:stCondLst>
+                                  <p:childTnLst>
+                                    <p:set>
+                                      <p:cBhvr>
+                                        <p:cTn id="34" dur="1" fill="hold">
+                                          <p:stCondLst>
+                                            <p:cond delay="0"/>
+                                          </p:stCondLst>
+                                        </p:cTn>
+                                        <p:tgtEl>
+                                          <p:spTgt spid="248"/>
+                                        </p:tgtEl>
+                                        <p:attrNameLst>
+                                          <p:attrName>style.visibility</p:attrName>
+                                        </p:attrNameLst>
+                                      </p:cBhvr>
+                                      <p:to>
+                                        <p:strVal val="visible"/>
+                                      </p:to>
+                                    </p:set>
+                                  </p:childTnLst>
+                                </p:cTn>
+                              </p:par>
+                              <p:par>
+                                <p:cTn id="35" presetID="1" presetClass="entr" presetSubtype="0" fill="hold" nodeType="withEffect">
+                                  <p:stCondLst>
+                                    <p:cond delay="0"/>
+                                  </p:stCondLst>
+                                  <p:childTnLst>
+                                    <p:set>
+                                      <p:cBhvr>
+                                        <p:cTn id="36" dur="1" fill="hold">
+                                          <p:stCondLst>
+                                            <p:cond delay="0"/>
+                                          </p:stCondLst>
+                                        </p:cTn>
+                                        <p:tgtEl>
+                                          <p:spTgt spid="249"/>
+                                        </p:tgtEl>
+                                        <p:attrNameLst>
+                                          <p:attrName>style.visibility</p:attrName>
+                                        </p:attrNameLst>
+                                      </p:cBhvr>
+                                      <p:to>
+                                        <p:strVal val="visible"/>
+                                      </p:to>
+                                    </p:set>
+                                  </p:childTnLst>
+                                </p:cTn>
+                              </p:par>
+                              <p:par>
+                                <p:cTn id="37" presetID="1" presetClass="entr" presetSubtype="0" fill="hold" nodeType="withEffect">
+                                  <p:stCondLst>
+                                    <p:cond delay="0"/>
+                                  </p:stCondLst>
+                                  <p:childTnLst>
+                                    <p:set>
+                                      <p:cBhvr>
+                                        <p:cTn id="38" dur="1" fill="hold">
+                                          <p:stCondLst>
+                                            <p:cond delay="0"/>
+                                          </p:stCondLst>
+                                        </p:cTn>
+                                        <p:tgtEl>
+                                          <p:spTgt spid="250"/>
+                                        </p:tgtEl>
+                                        <p:attrNameLst>
+                                          <p:attrName>style.visibility</p:attrName>
+                                        </p:attrNameLst>
+                                      </p:cBhvr>
+                                      <p:to>
+                                        <p:strVal val="visible"/>
+                                      </p:to>
+                                    </p:set>
+                                  </p:childTnLst>
+                                </p:cTn>
+                              </p:par>
+                              <p:par>
+                                <p:cTn id="39" presetID="1" presetClass="entr" presetSubtype="0" fill="hold" nodeType="withEffect">
+                                  <p:stCondLst>
+                                    <p:cond delay="0"/>
+                                  </p:stCondLst>
+                                  <p:childTnLst>
+                                    <p:set>
+                                      <p:cBhvr>
+                                        <p:cTn id="40" dur="1" fill="hold">
+                                          <p:stCondLst>
+                                            <p:cond delay="0"/>
+                                          </p:stCondLst>
+                                        </p:cTn>
+                                        <p:tgtEl>
+                                          <p:spTgt spid="251"/>
+                                        </p:tgtEl>
+                                        <p:attrNameLst>
+                                          <p:attrName>style.visibility</p:attrName>
+                                        </p:attrNameLst>
+                                      </p:cBhvr>
+                                      <p:to>
+                                        <p:strVal val="visible"/>
+                                      </p:to>
+                                    </p:set>
+                                  </p:childTnLst>
+                                </p:cTn>
+                              </p:par>
+                              <p:par>
+                                <p:cTn id="41" presetID="1" presetClass="entr" presetSubtype="0" fill="hold" nodeType="withEffect">
+                                  <p:stCondLst>
+                                    <p:cond delay="0"/>
+                                  </p:stCondLst>
+                                  <p:childTnLst>
+                                    <p:set>
+                                      <p:cBhvr>
+                                        <p:cTn id="42" dur="1" fill="hold">
+                                          <p:stCondLst>
+                                            <p:cond delay="0"/>
+                                          </p:stCondLst>
+                                        </p:cTn>
+                                        <p:tgtEl>
+                                          <p:spTgt spid="252"/>
+                                        </p:tgtEl>
+                                        <p:attrNameLst>
+                                          <p:attrName>style.visibility</p:attrName>
+                                        </p:attrNameLst>
+                                      </p:cBhvr>
+                                      <p:to>
+                                        <p:strVal val="visible"/>
+                                      </p:to>
+                                    </p:set>
+                                  </p:childTnLst>
+                                </p:cTn>
+                              </p:par>
+                              <p:par>
+                                <p:cTn id="43" presetID="1" presetClass="entr" presetSubtype="0" fill="hold" nodeType="withEffect">
+                                  <p:stCondLst>
+                                    <p:cond delay="0"/>
+                                  </p:stCondLst>
+                                  <p:childTnLst>
+                                    <p:set>
+                                      <p:cBhvr>
+                                        <p:cTn id="44" dur="1" fill="hold">
+                                          <p:stCondLst>
+                                            <p:cond delay="0"/>
+                                          </p:stCondLst>
+                                        </p:cTn>
+                                        <p:tgtEl>
+                                          <p:spTgt spid="253"/>
+                                        </p:tgtEl>
+                                        <p:attrNameLst>
+                                          <p:attrName>style.visibility</p:attrName>
+                                        </p:attrNameLst>
+                                      </p:cBhvr>
+                                      <p:to>
+                                        <p:strVal val="visible"/>
+                                      </p:to>
+                                    </p:set>
+                                  </p:childTnLst>
+                                </p:cTn>
+                              </p:par>
+                              <p:par>
+                                <p:cTn id="45" presetID="1" presetClass="entr" presetSubtype="0" fill="hold" nodeType="withEffect">
+                                  <p:stCondLst>
+                                    <p:cond delay="0"/>
+                                  </p:stCondLst>
+                                  <p:childTnLst>
+                                    <p:set>
+                                      <p:cBhvr>
+                                        <p:cTn id="46" dur="1" fill="hold">
+                                          <p:stCondLst>
+                                            <p:cond delay="0"/>
+                                          </p:stCondLst>
+                                        </p:cTn>
+                                        <p:tgtEl>
+                                          <p:spTgt spid="254"/>
+                                        </p:tgtEl>
+                                        <p:attrNameLst>
+                                          <p:attrName>style.visibility</p:attrName>
+                                        </p:attrNameLst>
+                                      </p:cBhvr>
+                                      <p:to>
+                                        <p:strVal val="visible"/>
+                                      </p:to>
+                                    </p:set>
+                                  </p:childTnLst>
+                                </p:cTn>
+                              </p:par>
+                              <p:par>
+                                <p:cTn id="47" presetID="1" presetClass="entr" presetSubtype="0" fill="hold" grpId="0" nodeType="withEffect">
+                                  <p:stCondLst>
+                                    <p:cond delay="0"/>
+                                  </p:stCondLst>
+                                  <p:childTnLst>
+                                    <p:set>
+                                      <p:cBhvr>
+                                        <p:cTn id="48" dur="1" fill="hold">
+                                          <p:stCondLst>
+                                            <p:cond delay="0"/>
+                                          </p:stCondLst>
+                                        </p:cTn>
+                                        <p:tgtEl>
+                                          <p:spTgt spid="255"/>
+                                        </p:tgtEl>
+                                        <p:attrNameLst>
+                                          <p:attrName>style.visibility</p:attrName>
+                                        </p:attrNameLst>
+                                      </p:cBhvr>
+                                      <p:to>
+                                        <p:strVal val="visible"/>
+                                      </p:to>
+                                    </p:set>
+                                  </p:childTnLst>
+                                </p:cTn>
+                              </p:par>
+                              <p:par>
+                                <p:cTn id="49" presetID="1" presetClass="entr" presetSubtype="0" fill="hold" nodeType="withEffect">
+                                  <p:stCondLst>
+                                    <p:cond delay="0"/>
+                                  </p:stCondLst>
+                                  <p:childTnLst>
+                                    <p:set>
+                                      <p:cBhvr>
+                                        <p:cTn id="50" dur="1" fill="hold">
+                                          <p:stCondLst>
+                                            <p:cond delay="0"/>
+                                          </p:stCondLst>
+                                        </p:cTn>
+                                        <p:tgtEl>
+                                          <p:spTgt spid="256"/>
+                                        </p:tgtEl>
+                                        <p:attrNameLst>
+                                          <p:attrName>style.visibility</p:attrName>
+                                        </p:attrNameLst>
+                                      </p:cBhvr>
+                                      <p:to>
+                                        <p:strVal val="visible"/>
+                                      </p:to>
+                                    </p:set>
+                                  </p:childTnLst>
+                                </p:cTn>
+                              </p:par>
+                              <p:par>
+                                <p:cTn id="51" presetID="1" presetClass="entr" presetSubtype="0" fill="hold" nodeType="withEffect">
+                                  <p:stCondLst>
+                                    <p:cond delay="0"/>
+                                  </p:stCondLst>
+                                  <p:childTnLst>
+                                    <p:set>
+                                      <p:cBhvr>
+                                        <p:cTn id="52" dur="1" fill="hold">
+                                          <p:stCondLst>
+                                            <p:cond delay="0"/>
+                                          </p:stCondLst>
+                                        </p:cTn>
+                                        <p:tgtEl>
+                                          <p:spTgt spid="257"/>
+                                        </p:tgtEl>
+                                        <p:attrNameLst>
+                                          <p:attrName>style.visibility</p:attrName>
+                                        </p:attrNameLst>
+                                      </p:cBhvr>
+                                      <p:to>
+                                        <p:strVal val="visible"/>
+                                      </p:to>
+                                    </p:set>
+                                  </p:childTnLst>
+                                </p:cTn>
+                              </p:par>
+                              <p:par>
+                                <p:cTn id="53" presetID="1" presetClass="entr" presetSubtype="0" fill="hold" nodeType="withEffect">
+                                  <p:stCondLst>
+                                    <p:cond delay="0"/>
+                                  </p:stCondLst>
+                                  <p:childTnLst>
+                                    <p:set>
+                                      <p:cBhvr>
+                                        <p:cTn id="54" dur="1" fill="hold">
+                                          <p:stCondLst>
+                                            <p:cond delay="0"/>
+                                          </p:stCondLst>
+                                        </p:cTn>
+                                        <p:tgtEl>
+                                          <p:spTgt spid="258"/>
+                                        </p:tgtEl>
+                                        <p:attrNameLst>
+                                          <p:attrName>style.visibility</p:attrName>
+                                        </p:attrNameLst>
+                                      </p:cBhvr>
+                                      <p:to>
+                                        <p:strVal val="visible"/>
+                                      </p:to>
+                                    </p:set>
+                                  </p:childTnLst>
+                                </p:cTn>
+                              </p:par>
+                              <p:par>
+                                <p:cTn id="55" presetID="1" presetClass="entr" presetSubtype="0" fill="hold" grpId="0" nodeType="withEffect">
+                                  <p:stCondLst>
+                                    <p:cond delay="0"/>
+                                  </p:stCondLst>
+                                  <p:childTnLst>
+                                    <p:set>
+                                      <p:cBhvr>
+                                        <p:cTn id="56" dur="1" fill="hold">
+                                          <p:stCondLst>
+                                            <p:cond delay="0"/>
+                                          </p:stCondLst>
+                                        </p:cTn>
+                                        <p:tgtEl>
+                                          <p:spTgt spid="259"/>
+                                        </p:tgtEl>
+                                        <p:attrNameLst>
+                                          <p:attrName>style.visibility</p:attrName>
+                                        </p:attrNameLst>
+                                      </p:cBhvr>
+                                      <p:to>
+                                        <p:strVal val="visible"/>
+                                      </p:to>
+                                    </p:set>
+                                  </p:childTnLst>
+                                </p:cTn>
+                              </p:par>
+                              <p:par>
+                                <p:cTn id="57" presetID="1" presetClass="entr" presetSubtype="0" fill="hold" nodeType="withEffect">
+                                  <p:stCondLst>
+                                    <p:cond delay="0"/>
+                                  </p:stCondLst>
+                                  <p:childTnLst>
+                                    <p:set>
+                                      <p:cBhvr>
+                                        <p:cTn id="58" dur="1" fill="hold">
+                                          <p:stCondLst>
+                                            <p:cond delay="0"/>
+                                          </p:stCondLst>
+                                        </p:cTn>
+                                        <p:tgtEl>
+                                          <p:spTgt spid="260"/>
                                         </p:tgtEl>
                                         <p:attrNameLst>
                                           <p:attrName>style.visibility</p:attrName>
@@ -11847,11 +10097,2495 @@
         </p:cTn>
       </p:par>
     </p:tnLst>
+    <p:bldLst>
+      <p:bldP spid="194" grpId="0" build="p"/>
+      <p:bldP spid="235" grpId="0" animBg="1"/>
+      <p:bldP spid="236" grpId="0" animBg="1"/>
+      <p:bldP spid="237" grpId="0" animBg="1"/>
+      <p:bldP spid="238" grpId="0" animBg="1"/>
+      <p:bldP spid="239" grpId="0" animBg="1"/>
+      <p:bldP spid="255" grpId="0" animBg="1"/>
+      <p:bldP spid="259" grpId="0" animBg="1"/>
+    </p:bldLst>
   </p:timing>
 </p:sld>
 </file>
 
-<file path=ppt/slides/slide6.xml><?xml version="1.0" encoding="utf-8"?>
+<file path=ppt/slides/slide11.xml><?xml version="1.0" encoding="utf-8"?>
+<p:sld xmlns:a="http://schemas.openxmlformats.org/drawingml/2006/main" xmlns:r="http://schemas.openxmlformats.org/officeDocument/2006/relationships" xmlns:p="http://schemas.openxmlformats.org/presentationml/2006/main">
+  <p:cSld>
+    <p:spTree>
+      <p:nvGrpSpPr>
+        <p:cNvPr id="1" name="Shape 264"/>
+        <p:cNvGrpSpPr/>
+        <p:nvPr/>
+      </p:nvGrpSpPr>
+      <p:grpSpPr>
+        <a:xfrm>
+          <a:off x="0" y="0"/>
+          <a:ext cx="0" cy="0"/>
+          <a:chOff x="0" y="0"/>
+          <a:chExt cx="0" cy="0"/>
+        </a:xfrm>
+      </p:grpSpPr>
+      <p:sp>
+        <p:nvSpPr>
+          <p:cNvPr id="265" name="Google Shape;265;p24"/>
+          <p:cNvSpPr txBox="1">
+            <a:spLocks noGrp="1"/>
+          </p:cNvSpPr>
+          <p:nvPr>
+            <p:ph type="title"/>
+          </p:nvPr>
+        </p:nvSpPr>
+        <p:spPr>
+          <a:xfrm>
+            <a:off x="311700" y="445025"/>
+            <a:ext cx="8520600" cy="572700"/>
+          </a:xfrm>
+          <a:prstGeom prst="rect">
+            <a:avLst/>
+          </a:prstGeom>
+        </p:spPr>
+        <p:txBody>
+          <a:bodyPr spcFirstLastPara="1" wrap="square" lIns="91425" tIns="91425" rIns="91425" bIns="91425" anchor="t" anchorCtr="0">
+            <a:noAutofit/>
+          </a:bodyPr>
+          <a:lstStyle/>
+          <a:p>
+            <a:pPr marL="0" lvl="0" indent="0" algn="l" rtl="0">
+              <a:spcBef>
+                <a:spcPts val="0"/>
+              </a:spcBef>
+              <a:spcAft>
+                <a:spcPts val="0"/>
+              </a:spcAft>
+              <a:buNone/>
+            </a:pPr>
+            <a:r>
+              <a:rPr lang="en"/>
+              <a:t>Specific questions</a:t>
+            </a:r>
+            <a:endParaRPr/>
+          </a:p>
+        </p:txBody>
+      </p:sp>
+      <p:sp>
+        <p:nvSpPr>
+          <p:cNvPr id="266" name="Google Shape;266;p24"/>
+          <p:cNvSpPr txBox="1">
+            <a:spLocks noGrp="1"/>
+          </p:cNvSpPr>
+          <p:nvPr>
+            <p:ph type="body" idx="1"/>
+          </p:nvPr>
+        </p:nvSpPr>
+        <p:spPr>
+          <a:xfrm>
+            <a:off x="311700" y="1152475"/>
+            <a:ext cx="8520600" cy="3416400"/>
+          </a:xfrm>
+          <a:prstGeom prst="rect">
+            <a:avLst/>
+          </a:prstGeom>
+        </p:spPr>
+        <p:txBody>
+          <a:bodyPr spcFirstLastPara="1" wrap="square" lIns="91425" tIns="91425" rIns="91425" bIns="91425" anchor="t" anchorCtr="0">
+            <a:noAutofit/>
+          </a:bodyPr>
+          <a:lstStyle/>
+          <a:p>
+            <a:pPr marL="457200" lvl="0" indent="-355600" algn="l" rtl="0">
+              <a:spcBef>
+                <a:spcPts val="0"/>
+              </a:spcBef>
+              <a:spcAft>
+                <a:spcPts val="0"/>
+              </a:spcAft>
+              <a:buClr>
+                <a:srgbClr val="000000"/>
+              </a:buClr>
+              <a:buSzPts val="2000"/>
+              <a:buAutoNum type="arabicParenR"/>
+            </a:pPr>
+            <a:r>
+              <a:rPr lang="en" sz="2400" dirty="0">
+                <a:solidFill>
+                  <a:srgbClr val="000000"/>
+                </a:solidFill>
+              </a:rPr>
+              <a:t>How can we refine the phenotypes in this data set?</a:t>
+            </a:r>
+            <a:endParaRPr sz="2400" dirty="0">
+              <a:solidFill>
+                <a:srgbClr val="000000"/>
+              </a:solidFill>
+            </a:endParaRPr>
+          </a:p>
+          <a:p>
+            <a:pPr marL="914400" lvl="1" indent="-342900" algn="l" rtl="0">
+              <a:spcBef>
+                <a:spcPts val="0"/>
+              </a:spcBef>
+              <a:spcAft>
+                <a:spcPts val="0"/>
+              </a:spcAft>
+              <a:buClr>
+                <a:srgbClr val="000000"/>
+              </a:buClr>
+              <a:buSzPts val="1800"/>
+              <a:buAutoNum type="alphaLcParenR"/>
+            </a:pPr>
+            <a:r>
+              <a:rPr lang="en" sz="1800" dirty="0">
+                <a:solidFill>
+                  <a:srgbClr val="000000"/>
+                </a:solidFill>
+              </a:rPr>
+              <a:t>By finding latent axes of phenotypic variation, or</a:t>
+            </a:r>
+            <a:endParaRPr sz="1800" dirty="0">
+              <a:solidFill>
+                <a:srgbClr val="000000"/>
+              </a:solidFill>
+            </a:endParaRPr>
+          </a:p>
+          <a:p>
+            <a:pPr marL="914400" lvl="1" indent="-342900" algn="l" rtl="0">
+              <a:spcBef>
+                <a:spcPts val="0"/>
+              </a:spcBef>
+              <a:spcAft>
+                <a:spcPts val="0"/>
+              </a:spcAft>
+              <a:buClr>
+                <a:srgbClr val="000000"/>
+              </a:buClr>
+              <a:buSzPts val="1800"/>
+              <a:buAutoNum type="alphaLcParenR"/>
+            </a:pPr>
+            <a:r>
+              <a:rPr lang="en" sz="1800" dirty="0">
+                <a:solidFill>
+                  <a:srgbClr val="000000"/>
+                </a:solidFill>
+              </a:rPr>
+              <a:t>By finding sub-phenotypes</a:t>
+            </a:r>
+          </a:p>
+          <a:p>
+            <a:pPr marL="571500" lvl="1" indent="0" algn="l" rtl="0">
+              <a:spcBef>
+                <a:spcPts val="0"/>
+              </a:spcBef>
+              <a:spcAft>
+                <a:spcPts val="0"/>
+              </a:spcAft>
+              <a:buClr>
+                <a:srgbClr val="000000"/>
+              </a:buClr>
+              <a:buSzPts val="1800"/>
+              <a:buNone/>
+            </a:pPr>
+            <a:endParaRPr lang="en" sz="1800" dirty="0">
+              <a:solidFill>
+                <a:srgbClr val="000000"/>
+              </a:solidFill>
+            </a:endParaRPr>
+          </a:p>
+          <a:p>
+            <a:pPr>
+              <a:buClr>
+                <a:srgbClr val="000000"/>
+              </a:buClr>
+              <a:buAutoNum type="arabicParenR"/>
+            </a:pPr>
+            <a:r>
+              <a:rPr lang="en" sz="2400" dirty="0">
+                <a:solidFill>
+                  <a:srgbClr val="000000"/>
+                </a:solidFill>
+              </a:rPr>
+              <a:t>How would we know if we’re doing a good job?</a:t>
+            </a:r>
+            <a:endParaRPr sz="2400" dirty="0">
+              <a:solidFill>
+                <a:srgbClr val="000000"/>
+              </a:solidFill>
+            </a:endParaRPr>
+          </a:p>
+        </p:txBody>
+      </p:sp>
+    </p:spTree>
+  </p:cSld>
+  <p:clrMapOvr>
+    <a:masterClrMapping/>
+  </p:clrMapOvr>
+</p:sld>
+</file>
+
+<file path=ppt/slides/slide2.xml><?xml version="1.0" encoding="utf-8"?>
+<p:sld xmlns:a="http://schemas.openxmlformats.org/drawingml/2006/main" xmlns:r="http://schemas.openxmlformats.org/officeDocument/2006/relationships" xmlns:p="http://schemas.openxmlformats.org/presentationml/2006/main">
+  <p:cSld>
+    <p:spTree>
+      <p:nvGrpSpPr>
+        <p:cNvPr id="1" name="Shape 72"/>
+        <p:cNvGrpSpPr/>
+        <p:nvPr/>
+      </p:nvGrpSpPr>
+      <p:grpSpPr>
+        <a:xfrm>
+          <a:off x="0" y="0"/>
+          <a:ext cx="0" cy="0"/>
+          <a:chOff x="0" y="0"/>
+          <a:chExt cx="0" cy="0"/>
+        </a:xfrm>
+      </p:grpSpPr>
+      <p:sp>
+        <p:nvSpPr>
+          <p:cNvPr id="73" name="Google Shape;73;p15"/>
+          <p:cNvSpPr txBox="1">
+            <a:spLocks noGrp="1"/>
+          </p:cNvSpPr>
+          <p:nvPr>
+            <p:ph type="title"/>
+          </p:nvPr>
+        </p:nvSpPr>
+        <p:spPr>
+          <a:xfrm>
+            <a:off x="311700" y="445025"/>
+            <a:ext cx="8520600" cy="572700"/>
+          </a:xfrm>
+          <a:prstGeom prst="rect">
+            <a:avLst/>
+          </a:prstGeom>
+        </p:spPr>
+        <p:txBody>
+          <a:bodyPr spcFirstLastPara="1" wrap="square" lIns="91425" tIns="91425" rIns="91425" bIns="91425" anchor="t" anchorCtr="0">
+            <a:noAutofit/>
+          </a:bodyPr>
+          <a:lstStyle/>
+          <a:p>
+            <a:pPr marL="0" lvl="0" indent="0" algn="l" rtl="0">
+              <a:spcBef>
+                <a:spcPts val="0"/>
+              </a:spcBef>
+              <a:spcAft>
+                <a:spcPts val="0"/>
+              </a:spcAft>
+              <a:buNone/>
+            </a:pPr>
+            <a:r>
+              <a:rPr lang="en"/>
+              <a:t>What is a biobank?</a:t>
+            </a:r>
+            <a:endParaRPr/>
+          </a:p>
+        </p:txBody>
+      </p:sp>
+      <p:sp>
+        <p:nvSpPr>
+          <p:cNvPr id="74" name="Google Shape;74;p15"/>
+          <p:cNvSpPr/>
+          <p:nvPr/>
+        </p:nvSpPr>
+        <p:spPr>
+          <a:xfrm>
+            <a:off x="890850" y="1541975"/>
+            <a:ext cx="3083700" cy="1578300"/>
+          </a:xfrm>
+          <a:prstGeom prst="rect">
+            <a:avLst/>
+          </a:prstGeom>
+          <a:solidFill>
+            <a:srgbClr val="CFE2F3"/>
+          </a:solidFill>
+          <a:ln w="9525" cap="flat" cmpd="sng">
+            <a:solidFill>
+              <a:schemeClr val="dk2"/>
+            </a:solidFill>
+            <a:prstDash val="solid"/>
+            <a:round/>
+            <a:headEnd type="none" w="sm" len="sm"/>
+            <a:tailEnd type="none" w="sm" len="sm"/>
+          </a:ln>
+        </p:spPr>
+        <p:txBody>
+          <a:bodyPr spcFirstLastPara="1" wrap="square" lIns="91425" tIns="91425" rIns="91425" bIns="91425" anchor="ctr" anchorCtr="0">
+            <a:noAutofit/>
+          </a:bodyPr>
+          <a:lstStyle/>
+          <a:p>
+            <a:pPr marL="0" lvl="0" indent="0" algn="ctr" rtl="0">
+              <a:spcBef>
+                <a:spcPts val="0"/>
+              </a:spcBef>
+              <a:spcAft>
+                <a:spcPts val="0"/>
+              </a:spcAft>
+              <a:buNone/>
+            </a:pPr>
+            <a:endParaRPr sz="2400"/>
+          </a:p>
+        </p:txBody>
+      </p:sp>
+      <p:sp>
+        <p:nvSpPr>
+          <p:cNvPr id="75" name="Google Shape;75;p15"/>
+          <p:cNvSpPr txBox="1"/>
+          <p:nvPr/>
+        </p:nvSpPr>
+        <p:spPr>
+          <a:xfrm rot="-5400000">
+            <a:off x="-66150" y="2163274"/>
+            <a:ext cx="1578299" cy="335700"/>
+          </a:xfrm>
+          <a:prstGeom prst="rect">
+            <a:avLst/>
+          </a:prstGeom>
+          <a:noFill/>
+          <a:ln>
+            <a:noFill/>
+          </a:ln>
+        </p:spPr>
+        <p:txBody>
+          <a:bodyPr spcFirstLastPara="1" wrap="square" lIns="91425" tIns="91425" rIns="91425" bIns="91425" anchor="ctr" anchorCtr="0">
+            <a:noAutofit/>
+          </a:bodyPr>
+          <a:lstStyle/>
+          <a:p>
+            <a:pPr lvl="0" algn="ctr"/>
+            <a:r>
+              <a:rPr lang="en-US" dirty="0"/>
+              <a:t>People (10</a:t>
+            </a:r>
+            <a:r>
+              <a:rPr lang="en-US" baseline="30000" dirty="0"/>
+              <a:t>5</a:t>
+            </a:r>
+            <a:r>
+              <a:rPr lang="en-US" dirty="0"/>
+              <a:t>)</a:t>
+            </a:r>
+          </a:p>
+        </p:txBody>
+      </p:sp>
+      <p:sp>
+        <p:nvSpPr>
+          <p:cNvPr id="77" name="Google Shape;77;p15"/>
+          <p:cNvSpPr txBox="1"/>
+          <p:nvPr/>
+        </p:nvSpPr>
+        <p:spPr>
+          <a:xfrm>
+            <a:off x="4258950" y="1160475"/>
+            <a:ext cx="313200" cy="335700"/>
+          </a:xfrm>
+          <a:prstGeom prst="rect">
+            <a:avLst/>
+          </a:prstGeom>
+          <a:noFill/>
+          <a:ln>
+            <a:noFill/>
+          </a:ln>
+        </p:spPr>
+        <p:txBody>
+          <a:bodyPr spcFirstLastPara="1" wrap="square" lIns="91425" tIns="91425" rIns="91425" bIns="91425" anchor="ctr" anchorCtr="0">
+            <a:noAutofit/>
+          </a:bodyPr>
+          <a:lstStyle/>
+          <a:p>
+            <a:pPr marL="0" lvl="0" indent="0" algn="ctr" rtl="0">
+              <a:spcBef>
+                <a:spcPts val="0"/>
+              </a:spcBef>
+              <a:spcAft>
+                <a:spcPts val="0"/>
+              </a:spcAft>
+              <a:buNone/>
+            </a:pPr>
+            <a:r>
+              <a:rPr lang="en"/>
+              <a:t>1</a:t>
+            </a:r>
+            <a:endParaRPr/>
+          </a:p>
+        </p:txBody>
+      </p:sp>
+      <p:sp>
+        <p:nvSpPr>
+          <p:cNvPr id="78" name="Google Shape;78;p15"/>
+          <p:cNvSpPr txBox="1"/>
+          <p:nvPr/>
+        </p:nvSpPr>
+        <p:spPr>
+          <a:xfrm>
+            <a:off x="890850" y="4513275"/>
+            <a:ext cx="3083700" cy="335700"/>
+          </a:xfrm>
+          <a:prstGeom prst="rect">
+            <a:avLst/>
+          </a:prstGeom>
+          <a:noFill/>
+          <a:ln>
+            <a:noFill/>
+          </a:ln>
+        </p:spPr>
+        <p:txBody>
+          <a:bodyPr spcFirstLastPara="1" wrap="square" lIns="91425" tIns="91425" rIns="91425" bIns="91425" anchor="ctr" anchorCtr="0">
+            <a:noAutofit/>
+          </a:bodyPr>
+          <a:lstStyle/>
+          <a:p>
+            <a:pPr marL="0" lvl="0" indent="0" algn="r" rtl="0">
+              <a:spcBef>
+                <a:spcPts val="0"/>
+              </a:spcBef>
+              <a:spcAft>
+                <a:spcPts val="0"/>
+              </a:spcAft>
+              <a:buNone/>
+            </a:pPr>
+            <a:r>
+              <a:rPr lang="en" sz="2200"/>
+              <a:t>genotype</a:t>
+            </a:r>
+            <a:endParaRPr sz="2200"/>
+          </a:p>
+        </p:txBody>
+      </p:sp>
+      <p:sp>
+        <p:nvSpPr>
+          <p:cNvPr id="79" name="Google Shape;79;p15"/>
+          <p:cNvSpPr txBox="1"/>
+          <p:nvPr/>
+        </p:nvSpPr>
+        <p:spPr>
+          <a:xfrm>
+            <a:off x="4243650" y="4513275"/>
+            <a:ext cx="3083700" cy="335700"/>
+          </a:xfrm>
+          <a:prstGeom prst="rect">
+            <a:avLst/>
+          </a:prstGeom>
+          <a:noFill/>
+          <a:ln>
+            <a:noFill/>
+          </a:ln>
+        </p:spPr>
+        <p:txBody>
+          <a:bodyPr spcFirstLastPara="1" wrap="square" lIns="91425" tIns="91425" rIns="91425" bIns="91425" anchor="ctr" anchorCtr="0">
+            <a:noAutofit/>
+          </a:bodyPr>
+          <a:lstStyle/>
+          <a:p>
+            <a:pPr marL="0" lvl="0" indent="0" algn="l" rtl="0">
+              <a:spcBef>
+                <a:spcPts val="0"/>
+              </a:spcBef>
+              <a:spcAft>
+                <a:spcPts val="0"/>
+              </a:spcAft>
+              <a:buNone/>
+            </a:pPr>
+            <a:r>
+              <a:rPr lang="en" sz="2200"/>
+              <a:t>phenotype</a:t>
+            </a:r>
+            <a:endParaRPr sz="2200"/>
+          </a:p>
+        </p:txBody>
+      </p:sp>
+      <p:cxnSp>
+        <p:nvCxnSpPr>
+          <p:cNvPr id="80" name="Google Shape;80;p15"/>
+          <p:cNvCxnSpPr/>
+          <p:nvPr/>
+        </p:nvCxnSpPr>
+        <p:spPr>
+          <a:xfrm rot="10800000">
+            <a:off x="4125750" y="1069150"/>
+            <a:ext cx="0" cy="4008300"/>
+          </a:xfrm>
+          <a:prstGeom prst="straightConnector1">
+            <a:avLst/>
+          </a:prstGeom>
+          <a:noFill/>
+          <a:ln w="9525" cap="flat" cmpd="sng">
+            <a:solidFill>
+              <a:schemeClr val="dk2"/>
+            </a:solidFill>
+            <a:prstDash val="dash"/>
+            <a:round/>
+            <a:headEnd type="none" w="med" len="med"/>
+            <a:tailEnd type="none" w="med" len="med"/>
+          </a:ln>
+        </p:spPr>
+      </p:cxnSp>
+      <p:sp>
+        <p:nvSpPr>
+          <p:cNvPr id="81" name="Google Shape;81;p15"/>
+          <p:cNvSpPr/>
+          <p:nvPr/>
+        </p:nvSpPr>
+        <p:spPr>
+          <a:xfrm>
+            <a:off x="4258800" y="1541975"/>
+            <a:ext cx="313200" cy="1578300"/>
+          </a:xfrm>
+          <a:prstGeom prst="rect">
+            <a:avLst/>
+          </a:prstGeom>
+          <a:solidFill>
+            <a:srgbClr val="F4CCCC"/>
+          </a:solidFill>
+          <a:ln w="9525" cap="flat" cmpd="sng">
+            <a:solidFill>
+              <a:schemeClr val="dk2"/>
+            </a:solidFill>
+            <a:prstDash val="solid"/>
+            <a:round/>
+            <a:headEnd type="none" w="sm" len="sm"/>
+            <a:tailEnd type="none" w="sm" len="sm"/>
+          </a:ln>
+        </p:spPr>
+        <p:txBody>
+          <a:bodyPr spcFirstLastPara="1" wrap="square" lIns="91425" tIns="91425" rIns="91425" bIns="91425" anchor="ctr" anchorCtr="0">
+            <a:noAutofit/>
+          </a:bodyPr>
+          <a:lstStyle/>
+          <a:p>
+            <a:pPr marL="0" lvl="0" indent="0" algn="ctr" rtl="0">
+              <a:spcBef>
+                <a:spcPts val="0"/>
+              </a:spcBef>
+              <a:spcAft>
+                <a:spcPts val="0"/>
+              </a:spcAft>
+              <a:buNone/>
+            </a:pPr>
+            <a:endParaRPr sz="2400"/>
+          </a:p>
+        </p:txBody>
+      </p:sp>
+      <p:sp>
+        <p:nvSpPr>
+          <p:cNvPr id="11" name="Google Shape;64;p14">
+            <a:extLst>
+              <a:ext uri="{FF2B5EF4-FFF2-40B4-BE49-F238E27FC236}">
+                <a16:creationId xmlns:a16="http://schemas.microsoft.com/office/drawing/2014/main" id="{82340729-61D9-F243-BFE9-627CBDF2CFDC}"/>
+              </a:ext>
+            </a:extLst>
+          </p:cNvPr>
+          <p:cNvSpPr txBox="1"/>
+          <p:nvPr/>
+        </p:nvSpPr>
+        <p:spPr>
+          <a:xfrm>
+            <a:off x="1327726" y="1160475"/>
+            <a:ext cx="2209948" cy="335700"/>
+          </a:xfrm>
+          <a:prstGeom prst="rect">
+            <a:avLst/>
+          </a:prstGeom>
+          <a:noFill/>
+          <a:ln>
+            <a:noFill/>
+          </a:ln>
+        </p:spPr>
+        <p:txBody>
+          <a:bodyPr spcFirstLastPara="1" wrap="square" lIns="91425" tIns="91425" rIns="91425" bIns="91425" anchor="ctr" anchorCtr="0">
+            <a:noAutofit/>
+          </a:bodyPr>
+          <a:lstStyle/>
+          <a:p>
+            <a:pPr marL="0" lvl="0" indent="0" algn="ctr" rtl="0">
+              <a:spcBef>
+                <a:spcPts val="0"/>
+              </a:spcBef>
+              <a:spcAft>
+                <a:spcPts val="0"/>
+              </a:spcAft>
+              <a:buNone/>
+            </a:pPr>
+            <a:r>
+              <a:rPr lang="en" dirty="0"/>
+              <a:t>Genetic variants (10</a:t>
+            </a:r>
+            <a:r>
+              <a:rPr lang="en" baseline="30000" dirty="0"/>
+              <a:t>6</a:t>
+            </a:r>
+            <a:r>
+              <a:rPr lang="en" dirty="0"/>
+              <a:t>)</a:t>
+            </a:r>
+            <a:endParaRPr dirty="0"/>
+          </a:p>
+        </p:txBody>
+      </p:sp>
+      <p:sp>
+        <p:nvSpPr>
+          <p:cNvPr id="15" name="Google Shape;64;p14">
+            <a:extLst>
+              <a:ext uri="{FF2B5EF4-FFF2-40B4-BE49-F238E27FC236}">
+                <a16:creationId xmlns:a16="http://schemas.microsoft.com/office/drawing/2014/main" id="{5317013F-6168-574F-8435-4250CA172AAA}"/>
+              </a:ext>
+            </a:extLst>
+          </p:cNvPr>
+          <p:cNvSpPr txBox="1"/>
+          <p:nvPr/>
+        </p:nvSpPr>
+        <p:spPr>
+          <a:xfrm>
+            <a:off x="5939990" y="3396467"/>
+            <a:ext cx="2502963" cy="335700"/>
+          </a:xfrm>
+          <a:prstGeom prst="rect">
+            <a:avLst/>
+          </a:prstGeom>
+          <a:noFill/>
+          <a:ln>
+            <a:noFill/>
+          </a:ln>
+        </p:spPr>
+        <p:txBody>
+          <a:bodyPr spcFirstLastPara="1" wrap="square" lIns="91425" tIns="91425" rIns="91425" bIns="91425" anchor="ctr" anchorCtr="0">
+            <a:noAutofit/>
+          </a:bodyPr>
+          <a:lstStyle/>
+          <a:p>
+            <a:pPr marL="0" lvl="0" indent="0" algn="ctr" rtl="0">
+              <a:spcBef>
+                <a:spcPts val="0"/>
+              </a:spcBef>
+              <a:spcAft>
+                <a:spcPts val="0"/>
+              </a:spcAft>
+              <a:buNone/>
+            </a:pPr>
+            <a:r>
+              <a:rPr lang="en" dirty="0"/>
+              <a:t>Variant position in genome</a:t>
+            </a:r>
+            <a:endParaRPr dirty="0"/>
+          </a:p>
+        </p:txBody>
+      </p:sp>
+      <p:pic>
+        <p:nvPicPr>
+          <p:cNvPr id="5" name="Picture 4">
+            <a:extLst>
+              <a:ext uri="{FF2B5EF4-FFF2-40B4-BE49-F238E27FC236}">
+                <a16:creationId xmlns:a16="http://schemas.microsoft.com/office/drawing/2014/main" id="{EABC9F65-004F-9F46-AB4A-F35ABB7F6E50}"/>
+              </a:ext>
+            </a:extLst>
+          </p:cNvPr>
+          <p:cNvPicPr>
+            <a:picLocks noChangeAspect="1"/>
+          </p:cNvPicPr>
+          <p:nvPr/>
+        </p:nvPicPr>
+        <p:blipFill rotWithShape="1">
+          <a:blip r:embed="rId3"/>
+          <a:srcRect l="1751" b="10439"/>
+          <a:stretch/>
+        </p:blipFill>
+        <p:spPr>
+          <a:xfrm>
+            <a:off x="4957123" y="1094605"/>
+            <a:ext cx="4336907" cy="2354715"/>
+          </a:xfrm>
+          <a:prstGeom prst="rect">
+            <a:avLst/>
+          </a:prstGeom>
+        </p:spPr>
+      </p:pic>
+      <p:sp>
+        <p:nvSpPr>
+          <p:cNvPr id="17" name="Google Shape;64;p14">
+            <a:extLst>
+              <a:ext uri="{FF2B5EF4-FFF2-40B4-BE49-F238E27FC236}">
+                <a16:creationId xmlns:a16="http://schemas.microsoft.com/office/drawing/2014/main" id="{A789CF02-9FB3-AD43-AE67-D0B7EBB614CF}"/>
+              </a:ext>
+            </a:extLst>
+          </p:cNvPr>
+          <p:cNvSpPr txBox="1"/>
+          <p:nvPr/>
+        </p:nvSpPr>
+        <p:spPr>
+          <a:xfrm rot="16200000">
+            <a:off x="3696270" y="2176496"/>
+            <a:ext cx="2209948" cy="335700"/>
+          </a:xfrm>
+          <a:prstGeom prst="rect">
+            <a:avLst/>
+          </a:prstGeom>
+          <a:noFill/>
+          <a:ln>
+            <a:noFill/>
+          </a:ln>
+        </p:spPr>
+        <p:txBody>
+          <a:bodyPr spcFirstLastPara="1" wrap="square" lIns="91425" tIns="91425" rIns="91425" bIns="91425" anchor="ctr" anchorCtr="0">
+            <a:noAutofit/>
+          </a:bodyPr>
+          <a:lstStyle/>
+          <a:p>
+            <a:pPr marL="0" lvl="0" indent="0" algn="ctr" rtl="0">
+              <a:spcBef>
+                <a:spcPts val="0"/>
+              </a:spcBef>
+              <a:spcAft>
+                <a:spcPts val="0"/>
+              </a:spcAft>
+              <a:buNone/>
+            </a:pPr>
+            <a:r>
+              <a:rPr lang="en" dirty="0"/>
+              <a:t>Association strength</a:t>
+            </a:r>
+            <a:endParaRPr dirty="0"/>
+          </a:p>
+        </p:txBody>
+      </p:sp>
+    </p:spTree>
+  </p:cSld>
+  <p:clrMapOvr>
+    <a:masterClrMapping/>
+  </p:clrMapOvr>
+  <p:timing>
+    <p:tnLst>
+      <p:par>
+        <p:cTn id="1" dur="indefinite" restart="never" nodeType="tmRoot">
+          <p:childTnLst>
+            <p:seq concurrent="1" nextAc="seek">
+              <p:cTn id="2" dur="indefinite" nodeType="mainSeq">
+                <p:childTnLst>
+                  <p:par>
+                    <p:cTn id="3" fill="hold">
+                      <p:stCondLst>
+                        <p:cond delay="indefinite"/>
+                      </p:stCondLst>
+                      <p:childTnLst>
+                        <p:par>
+                          <p:cTn id="4" fill="hold">
+                            <p:stCondLst>
+                              <p:cond delay="0"/>
+                            </p:stCondLst>
+                            <p:childTnLst>
+                              <p:par>
+                                <p:cTn id="5" presetID="1" presetClass="entr" presetSubtype="0" fill="hold" grpId="0" nodeType="clickEffect">
+                                  <p:stCondLst>
+                                    <p:cond delay="0"/>
+                                  </p:stCondLst>
+                                  <p:childTnLst>
+                                    <p:set>
+                                      <p:cBhvr>
+                                        <p:cTn id="6" dur="1" fill="hold">
+                                          <p:stCondLst>
+                                            <p:cond delay="0"/>
+                                          </p:stCondLst>
+                                        </p:cTn>
+                                        <p:tgtEl>
+                                          <p:spTgt spid="15"/>
+                                        </p:tgtEl>
+                                        <p:attrNameLst>
+                                          <p:attrName>style.visibility</p:attrName>
+                                        </p:attrNameLst>
+                                      </p:cBhvr>
+                                      <p:to>
+                                        <p:strVal val="visible"/>
+                                      </p:to>
+                                    </p:set>
+                                  </p:childTnLst>
+                                </p:cTn>
+                              </p:par>
+                              <p:par>
+                                <p:cTn id="7" presetID="1" presetClass="entr" presetSubtype="0" fill="hold" nodeType="withEffect">
+                                  <p:stCondLst>
+                                    <p:cond delay="0"/>
+                                  </p:stCondLst>
+                                  <p:childTnLst>
+                                    <p:set>
+                                      <p:cBhvr>
+                                        <p:cTn id="8" dur="1" fill="hold">
+                                          <p:stCondLst>
+                                            <p:cond delay="0"/>
+                                          </p:stCondLst>
+                                        </p:cTn>
+                                        <p:tgtEl>
+                                          <p:spTgt spid="5"/>
+                                        </p:tgtEl>
+                                        <p:attrNameLst>
+                                          <p:attrName>style.visibility</p:attrName>
+                                        </p:attrNameLst>
+                                      </p:cBhvr>
+                                      <p:to>
+                                        <p:strVal val="visible"/>
+                                      </p:to>
+                                    </p:set>
+                                  </p:childTnLst>
+                                </p:cTn>
+                              </p:par>
+                              <p:par>
+                                <p:cTn id="9" presetID="1" presetClass="entr" presetSubtype="0" fill="hold" grpId="0" nodeType="withEffect">
+                                  <p:stCondLst>
+                                    <p:cond delay="0"/>
+                                  </p:stCondLst>
+                                  <p:childTnLst>
+                                    <p:set>
+                                      <p:cBhvr>
+                                        <p:cTn id="10" dur="1" fill="hold">
+                                          <p:stCondLst>
+                                            <p:cond delay="0"/>
+                                          </p:stCondLst>
+                                        </p:cTn>
+                                        <p:tgtEl>
+                                          <p:spTgt spid="17"/>
+                                        </p:tgtEl>
+                                        <p:attrNameLst>
+                                          <p:attrName>style.visibility</p:attrName>
+                                        </p:attrNameLst>
+                                      </p:cBhvr>
+                                      <p:to>
+                                        <p:strVal val="visible"/>
+                                      </p:to>
+                                    </p:set>
+                                  </p:childTnLst>
+                                </p:cTn>
+                              </p:par>
+                            </p:childTnLst>
+                          </p:cTn>
+                        </p:par>
+                      </p:childTnLst>
+                    </p:cTn>
+                  </p:par>
+                </p:childTnLst>
+              </p:cTn>
+              <p:prevCondLst>
+                <p:cond evt="onPrev" delay="0">
+                  <p:tgtEl>
+                    <p:sldTgt/>
+                  </p:tgtEl>
+                </p:cond>
+              </p:prevCondLst>
+              <p:nextCondLst>
+                <p:cond evt="onNext" delay="0">
+                  <p:tgtEl>
+                    <p:sldTgt/>
+                  </p:tgtEl>
+                </p:cond>
+              </p:nextCondLst>
+            </p:seq>
+          </p:childTnLst>
+        </p:cTn>
+      </p:par>
+    </p:tnLst>
+    <p:bldLst>
+      <p:bldP spid="15" grpId="0"/>
+      <p:bldP spid="17" grpId="0"/>
+    </p:bldLst>
+  </p:timing>
+</p:sld>
+</file>
+
+<file path=ppt/slides/slide3.xml><?xml version="1.0" encoding="utf-8"?>
+<p:sld xmlns:a="http://schemas.openxmlformats.org/drawingml/2006/main" xmlns:r="http://schemas.openxmlformats.org/officeDocument/2006/relationships" xmlns:p="http://schemas.openxmlformats.org/presentationml/2006/main">
+  <p:cSld>
+    <p:spTree>
+      <p:nvGrpSpPr>
+        <p:cNvPr id="1" name="Shape 85"/>
+        <p:cNvGrpSpPr/>
+        <p:nvPr/>
+      </p:nvGrpSpPr>
+      <p:grpSpPr>
+        <a:xfrm>
+          <a:off x="0" y="0"/>
+          <a:ext cx="0" cy="0"/>
+          <a:chOff x="0" y="0"/>
+          <a:chExt cx="0" cy="0"/>
+        </a:xfrm>
+      </p:grpSpPr>
+      <p:sp>
+        <p:nvSpPr>
+          <p:cNvPr id="86" name="Google Shape;86;p16"/>
+          <p:cNvSpPr txBox="1">
+            <a:spLocks noGrp="1"/>
+          </p:cNvSpPr>
+          <p:nvPr>
+            <p:ph type="title"/>
+          </p:nvPr>
+        </p:nvSpPr>
+        <p:spPr>
+          <a:xfrm>
+            <a:off x="311700" y="445025"/>
+            <a:ext cx="8520600" cy="572700"/>
+          </a:xfrm>
+          <a:prstGeom prst="rect">
+            <a:avLst/>
+          </a:prstGeom>
+        </p:spPr>
+        <p:txBody>
+          <a:bodyPr spcFirstLastPara="1" wrap="square" lIns="91425" tIns="91425" rIns="91425" bIns="91425" anchor="t" anchorCtr="0">
+            <a:noAutofit/>
+          </a:bodyPr>
+          <a:lstStyle/>
+          <a:p>
+            <a:pPr marL="0" lvl="0" indent="0" algn="l" rtl="0">
+              <a:spcBef>
+                <a:spcPts val="0"/>
+              </a:spcBef>
+              <a:spcAft>
+                <a:spcPts val="0"/>
+              </a:spcAft>
+              <a:buNone/>
+            </a:pPr>
+            <a:r>
+              <a:rPr lang="en"/>
+              <a:t>What is a biobank?</a:t>
+            </a:r>
+            <a:endParaRPr/>
+          </a:p>
+        </p:txBody>
+      </p:sp>
+      <p:sp>
+        <p:nvSpPr>
+          <p:cNvPr id="87" name="Google Shape;87;p16"/>
+          <p:cNvSpPr/>
+          <p:nvPr/>
+        </p:nvSpPr>
+        <p:spPr>
+          <a:xfrm>
+            <a:off x="890850" y="1541975"/>
+            <a:ext cx="3083700" cy="2818500"/>
+          </a:xfrm>
+          <a:prstGeom prst="rect">
+            <a:avLst/>
+          </a:prstGeom>
+          <a:solidFill>
+            <a:srgbClr val="CFE2F3"/>
+          </a:solidFill>
+          <a:ln w="9525" cap="flat" cmpd="sng">
+            <a:solidFill>
+              <a:schemeClr val="dk2"/>
+            </a:solidFill>
+            <a:prstDash val="solid"/>
+            <a:round/>
+            <a:headEnd type="none" w="sm" len="sm"/>
+            <a:tailEnd type="none" w="sm" len="sm"/>
+          </a:ln>
+        </p:spPr>
+        <p:txBody>
+          <a:bodyPr spcFirstLastPara="1" wrap="square" lIns="91425" tIns="91425" rIns="91425" bIns="91425" anchor="ctr" anchorCtr="0">
+            <a:noAutofit/>
+          </a:bodyPr>
+          <a:lstStyle/>
+          <a:p>
+            <a:pPr marL="0" lvl="0" indent="0" algn="ctr" rtl="0">
+              <a:spcBef>
+                <a:spcPts val="0"/>
+              </a:spcBef>
+              <a:spcAft>
+                <a:spcPts val="0"/>
+              </a:spcAft>
+              <a:buNone/>
+            </a:pPr>
+            <a:endParaRPr sz="2400"/>
+          </a:p>
+        </p:txBody>
+      </p:sp>
+      <p:sp>
+        <p:nvSpPr>
+          <p:cNvPr id="88" name="Google Shape;88;p16"/>
+          <p:cNvSpPr/>
+          <p:nvPr/>
+        </p:nvSpPr>
+        <p:spPr>
+          <a:xfrm>
+            <a:off x="4258800" y="1541975"/>
+            <a:ext cx="2004300" cy="2818500"/>
+          </a:xfrm>
+          <a:prstGeom prst="rect">
+            <a:avLst/>
+          </a:prstGeom>
+          <a:solidFill>
+            <a:srgbClr val="F4CCCC"/>
+          </a:solidFill>
+          <a:ln w="9525" cap="flat" cmpd="sng">
+            <a:solidFill>
+              <a:schemeClr val="dk2"/>
+            </a:solidFill>
+            <a:prstDash val="solid"/>
+            <a:round/>
+            <a:headEnd type="none" w="sm" len="sm"/>
+            <a:tailEnd type="none" w="sm" len="sm"/>
+          </a:ln>
+        </p:spPr>
+        <p:txBody>
+          <a:bodyPr spcFirstLastPara="1" wrap="square" lIns="91425" tIns="91425" rIns="91425" bIns="91425" anchor="ctr" anchorCtr="0">
+            <a:noAutofit/>
+          </a:bodyPr>
+          <a:lstStyle/>
+          <a:p>
+            <a:pPr marL="0" lvl="0" indent="0" algn="ctr" rtl="0">
+              <a:spcBef>
+                <a:spcPts val="0"/>
+              </a:spcBef>
+              <a:spcAft>
+                <a:spcPts val="0"/>
+              </a:spcAft>
+              <a:buNone/>
+            </a:pPr>
+            <a:endParaRPr sz="2400"/>
+          </a:p>
+        </p:txBody>
+      </p:sp>
+      <p:sp>
+        <p:nvSpPr>
+          <p:cNvPr id="89" name="Google Shape;89;p16"/>
+          <p:cNvSpPr txBox="1"/>
+          <p:nvPr/>
+        </p:nvSpPr>
+        <p:spPr>
+          <a:xfrm rot="-5400000">
+            <a:off x="-719975" y="2775700"/>
+            <a:ext cx="2818500" cy="335700"/>
+          </a:xfrm>
+          <a:prstGeom prst="rect">
+            <a:avLst/>
+          </a:prstGeom>
+          <a:noFill/>
+          <a:ln>
+            <a:noFill/>
+          </a:ln>
+        </p:spPr>
+        <p:txBody>
+          <a:bodyPr spcFirstLastPara="1" wrap="square" lIns="91425" tIns="91425" rIns="91425" bIns="91425" anchor="ctr" anchorCtr="0">
+            <a:noAutofit/>
+          </a:bodyPr>
+          <a:lstStyle/>
+          <a:p>
+            <a:pPr lvl="0" algn="ctr"/>
+            <a:r>
+              <a:rPr lang="en-US" dirty="0"/>
+              <a:t>People (10</a:t>
+            </a:r>
+            <a:r>
+              <a:rPr lang="en-US" baseline="30000" dirty="0"/>
+              <a:t>6</a:t>
+            </a:r>
+            <a:r>
+              <a:rPr lang="en-US" dirty="0"/>
+              <a:t>)</a:t>
+            </a:r>
+          </a:p>
+        </p:txBody>
+      </p:sp>
+      <p:sp>
+        <p:nvSpPr>
+          <p:cNvPr id="91" name="Google Shape;91;p16"/>
+          <p:cNvSpPr txBox="1"/>
+          <p:nvPr/>
+        </p:nvSpPr>
+        <p:spPr>
+          <a:xfrm>
+            <a:off x="4258950" y="1160475"/>
+            <a:ext cx="2004300" cy="335700"/>
+          </a:xfrm>
+          <a:prstGeom prst="rect">
+            <a:avLst/>
+          </a:prstGeom>
+          <a:noFill/>
+          <a:ln>
+            <a:noFill/>
+          </a:ln>
+        </p:spPr>
+        <p:txBody>
+          <a:bodyPr spcFirstLastPara="1" wrap="square" lIns="91425" tIns="91425" rIns="91425" bIns="91425" anchor="ctr" anchorCtr="0">
+            <a:noAutofit/>
+          </a:bodyPr>
+          <a:lstStyle/>
+          <a:p>
+            <a:pPr marL="0" lvl="0" indent="0" algn="ctr" rtl="0">
+              <a:spcBef>
+                <a:spcPts val="0"/>
+              </a:spcBef>
+              <a:spcAft>
+                <a:spcPts val="0"/>
+              </a:spcAft>
+              <a:buNone/>
+            </a:pPr>
+            <a:r>
+              <a:rPr lang="en" dirty="0"/>
+              <a:t>Phenotypes (10</a:t>
+            </a:r>
+            <a:r>
+              <a:rPr lang="en" baseline="30000" dirty="0"/>
+              <a:t>4</a:t>
+            </a:r>
+            <a:r>
+              <a:rPr lang="en" dirty="0"/>
+              <a:t>)</a:t>
+            </a:r>
+            <a:endParaRPr baseline="30000" dirty="0"/>
+          </a:p>
+        </p:txBody>
+      </p:sp>
+      <p:sp>
+        <p:nvSpPr>
+          <p:cNvPr id="92" name="Google Shape;92;p16"/>
+          <p:cNvSpPr txBox="1"/>
+          <p:nvPr/>
+        </p:nvSpPr>
+        <p:spPr>
+          <a:xfrm>
+            <a:off x="890850" y="4513275"/>
+            <a:ext cx="3083700" cy="335700"/>
+          </a:xfrm>
+          <a:prstGeom prst="rect">
+            <a:avLst/>
+          </a:prstGeom>
+          <a:noFill/>
+          <a:ln>
+            <a:noFill/>
+          </a:ln>
+        </p:spPr>
+        <p:txBody>
+          <a:bodyPr spcFirstLastPara="1" wrap="square" lIns="91425" tIns="91425" rIns="91425" bIns="91425" anchor="ctr" anchorCtr="0">
+            <a:noAutofit/>
+          </a:bodyPr>
+          <a:lstStyle/>
+          <a:p>
+            <a:pPr marL="0" lvl="0" indent="0" algn="r" rtl="0">
+              <a:spcBef>
+                <a:spcPts val="0"/>
+              </a:spcBef>
+              <a:spcAft>
+                <a:spcPts val="0"/>
+              </a:spcAft>
+              <a:buNone/>
+            </a:pPr>
+            <a:r>
+              <a:rPr lang="en" sz="2200"/>
+              <a:t>genotype</a:t>
+            </a:r>
+            <a:endParaRPr sz="2200"/>
+          </a:p>
+        </p:txBody>
+      </p:sp>
+      <p:sp>
+        <p:nvSpPr>
+          <p:cNvPr id="93" name="Google Shape;93;p16"/>
+          <p:cNvSpPr txBox="1"/>
+          <p:nvPr/>
+        </p:nvSpPr>
+        <p:spPr>
+          <a:xfrm>
+            <a:off x="4243650" y="4513275"/>
+            <a:ext cx="3083700" cy="335700"/>
+          </a:xfrm>
+          <a:prstGeom prst="rect">
+            <a:avLst/>
+          </a:prstGeom>
+          <a:noFill/>
+          <a:ln>
+            <a:noFill/>
+          </a:ln>
+        </p:spPr>
+        <p:txBody>
+          <a:bodyPr spcFirstLastPara="1" wrap="square" lIns="91425" tIns="91425" rIns="91425" bIns="91425" anchor="ctr" anchorCtr="0">
+            <a:noAutofit/>
+          </a:bodyPr>
+          <a:lstStyle/>
+          <a:p>
+            <a:pPr marL="0" lvl="0" indent="0" algn="l" rtl="0">
+              <a:spcBef>
+                <a:spcPts val="0"/>
+              </a:spcBef>
+              <a:spcAft>
+                <a:spcPts val="0"/>
+              </a:spcAft>
+              <a:buNone/>
+            </a:pPr>
+            <a:r>
+              <a:rPr lang="en" sz="2200"/>
+              <a:t>phenotype</a:t>
+            </a:r>
+            <a:endParaRPr sz="2200"/>
+          </a:p>
+        </p:txBody>
+      </p:sp>
+      <p:cxnSp>
+        <p:nvCxnSpPr>
+          <p:cNvPr id="94" name="Google Shape;94;p16"/>
+          <p:cNvCxnSpPr/>
+          <p:nvPr/>
+        </p:nvCxnSpPr>
+        <p:spPr>
+          <a:xfrm rot="10800000">
+            <a:off x="4125750" y="1069150"/>
+            <a:ext cx="0" cy="4008300"/>
+          </a:xfrm>
+          <a:prstGeom prst="straightConnector1">
+            <a:avLst/>
+          </a:prstGeom>
+          <a:noFill/>
+          <a:ln w="9525" cap="flat" cmpd="sng">
+            <a:solidFill>
+              <a:schemeClr val="dk2"/>
+            </a:solidFill>
+            <a:prstDash val="dash"/>
+            <a:round/>
+            <a:headEnd type="none" w="med" len="med"/>
+            <a:tailEnd type="none" w="med" len="med"/>
+          </a:ln>
+        </p:spPr>
+      </p:cxnSp>
+      <p:sp>
+        <p:nvSpPr>
+          <p:cNvPr id="11" name="Google Shape;64;p14">
+            <a:extLst>
+              <a:ext uri="{FF2B5EF4-FFF2-40B4-BE49-F238E27FC236}">
+                <a16:creationId xmlns:a16="http://schemas.microsoft.com/office/drawing/2014/main" id="{1B7CC244-F8D6-DE4E-970D-AB9BA0D3EC6C}"/>
+              </a:ext>
+            </a:extLst>
+          </p:cNvPr>
+          <p:cNvSpPr txBox="1"/>
+          <p:nvPr/>
+        </p:nvSpPr>
+        <p:spPr>
+          <a:xfrm>
+            <a:off x="1327726" y="1160475"/>
+            <a:ext cx="2209948" cy="335700"/>
+          </a:xfrm>
+          <a:prstGeom prst="rect">
+            <a:avLst/>
+          </a:prstGeom>
+          <a:noFill/>
+          <a:ln>
+            <a:noFill/>
+          </a:ln>
+        </p:spPr>
+        <p:txBody>
+          <a:bodyPr spcFirstLastPara="1" wrap="square" lIns="91425" tIns="91425" rIns="91425" bIns="91425" anchor="ctr" anchorCtr="0">
+            <a:noAutofit/>
+          </a:bodyPr>
+          <a:lstStyle/>
+          <a:p>
+            <a:pPr marL="0" lvl="0" indent="0" algn="ctr" rtl="0">
+              <a:spcBef>
+                <a:spcPts val="0"/>
+              </a:spcBef>
+              <a:spcAft>
+                <a:spcPts val="0"/>
+              </a:spcAft>
+              <a:buNone/>
+            </a:pPr>
+            <a:r>
+              <a:rPr lang="en" dirty="0"/>
+              <a:t>Genetic variants (10</a:t>
+            </a:r>
+            <a:r>
+              <a:rPr lang="en" baseline="30000" dirty="0"/>
+              <a:t>6</a:t>
+            </a:r>
+            <a:r>
+              <a:rPr lang="en" dirty="0"/>
+              <a:t>)</a:t>
+            </a:r>
+            <a:endParaRPr dirty="0"/>
+          </a:p>
+        </p:txBody>
+      </p:sp>
+    </p:spTree>
+  </p:cSld>
+  <p:clrMapOvr>
+    <a:masterClrMapping/>
+  </p:clrMapOvr>
+</p:sld>
+</file>
+
+<file path=ppt/slides/slide4.xml><?xml version="1.0" encoding="utf-8"?>
+<p:sld xmlns:a="http://schemas.openxmlformats.org/drawingml/2006/main" xmlns:r="http://schemas.openxmlformats.org/officeDocument/2006/relationships" xmlns:p="http://schemas.openxmlformats.org/presentationml/2006/main">
+  <p:cSld>
+    <p:spTree>
+      <p:nvGrpSpPr>
+        <p:cNvPr id="1" name="Shape 98"/>
+        <p:cNvGrpSpPr/>
+        <p:nvPr/>
+      </p:nvGrpSpPr>
+      <p:grpSpPr>
+        <a:xfrm>
+          <a:off x="0" y="0"/>
+          <a:ext cx="0" cy="0"/>
+          <a:chOff x="0" y="0"/>
+          <a:chExt cx="0" cy="0"/>
+        </a:xfrm>
+      </p:grpSpPr>
+      <p:sp>
+        <p:nvSpPr>
+          <p:cNvPr id="99" name="Google Shape;99;p17"/>
+          <p:cNvSpPr txBox="1">
+            <a:spLocks noGrp="1"/>
+          </p:cNvSpPr>
+          <p:nvPr>
+            <p:ph type="title"/>
+          </p:nvPr>
+        </p:nvSpPr>
+        <p:spPr>
+          <a:xfrm>
+            <a:off x="311700" y="445025"/>
+            <a:ext cx="8520600" cy="572700"/>
+          </a:xfrm>
+          <a:prstGeom prst="rect">
+            <a:avLst/>
+          </a:prstGeom>
+        </p:spPr>
+        <p:txBody>
+          <a:bodyPr spcFirstLastPara="1" wrap="square" lIns="91425" tIns="91425" rIns="91425" bIns="91425" anchor="t" anchorCtr="0">
+            <a:noAutofit/>
+          </a:bodyPr>
+          <a:lstStyle/>
+          <a:p>
+            <a:pPr marL="0" lvl="0" indent="0" algn="l" rtl="0">
+              <a:spcBef>
+                <a:spcPts val="0"/>
+              </a:spcBef>
+              <a:spcAft>
+                <a:spcPts val="0"/>
+              </a:spcAft>
+              <a:buNone/>
+            </a:pPr>
+            <a:r>
+              <a:rPr lang="en" dirty="0"/>
+              <a:t>What is a biobank?</a:t>
+            </a:r>
+            <a:endParaRPr dirty="0"/>
+          </a:p>
+        </p:txBody>
+      </p:sp>
+      <p:sp>
+        <p:nvSpPr>
+          <p:cNvPr id="100" name="Google Shape;100;p17"/>
+          <p:cNvSpPr/>
+          <p:nvPr/>
+        </p:nvSpPr>
+        <p:spPr>
+          <a:xfrm>
+            <a:off x="890850" y="1541975"/>
+            <a:ext cx="3083700" cy="2818500"/>
+          </a:xfrm>
+          <a:prstGeom prst="rect">
+            <a:avLst/>
+          </a:prstGeom>
+          <a:solidFill>
+            <a:srgbClr val="CFE2F3"/>
+          </a:solidFill>
+          <a:ln w="9525" cap="flat" cmpd="sng">
+            <a:solidFill>
+              <a:schemeClr val="dk2"/>
+            </a:solidFill>
+            <a:prstDash val="solid"/>
+            <a:round/>
+            <a:headEnd type="none" w="sm" len="sm"/>
+            <a:tailEnd type="none" w="sm" len="sm"/>
+          </a:ln>
+        </p:spPr>
+        <p:txBody>
+          <a:bodyPr spcFirstLastPara="1" wrap="square" lIns="91425" tIns="91425" rIns="91425" bIns="91425" anchor="ctr" anchorCtr="0">
+            <a:noAutofit/>
+          </a:bodyPr>
+          <a:lstStyle/>
+          <a:p>
+            <a:pPr marL="0" lvl="0" indent="0" algn="ctr" rtl="0">
+              <a:spcBef>
+                <a:spcPts val="0"/>
+              </a:spcBef>
+              <a:spcAft>
+                <a:spcPts val="0"/>
+              </a:spcAft>
+              <a:buNone/>
+            </a:pPr>
+            <a:endParaRPr sz="2400"/>
+          </a:p>
+        </p:txBody>
+      </p:sp>
+      <p:sp>
+        <p:nvSpPr>
+          <p:cNvPr id="101" name="Google Shape;101;p17"/>
+          <p:cNvSpPr/>
+          <p:nvPr/>
+        </p:nvSpPr>
+        <p:spPr>
+          <a:xfrm>
+            <a:off x="4258800" y="1541975"/>
+            <a:ext cx="2004300" cy="2818500"/>
+          </a:xfrm>
+          <a:prstGeom prst="rect">
+            <a:avLst/>
+          </a:prstGeom>
+          <a:solidFill>
+            <a:srgbClr val="F4CCCC"/>
+          </a:solidFill>
+          <a:ln w="9525" cap="flat" cmpd="sng">
+            <a:solidFill>
+              <a:schemeClr val="dk2"/>
+            </a:solidFill>
+            <a:prstDash val="solid"/>
+            <a:round/>
+            <a:headEnd type="none" w="sm" len="sm"/>
+            <a:tailEnd type="none" w="sm" len="sm"/>
+          </a:ln>
+        </p:spPr>
+        <p:txBody>
+          <a:bodyPr spcFirstLastPara="1" wrap="square" lIns="91425" tIns="91425" rIns="91425" bIns="91425" anchor="ctr" anchorCtr="0">
+            <a:noAutofit/>
+          </a:bodyPr>
+          <a:lstStyle/>
+          <a:p>
+            <a:pPr marL="0" lvl="0" indent="0" algn="l" rtl="0">
+              <a:lnSpc>
+                <a:spcPct val="115000"/>
+              </a:lnSpc>
+              <a:spcBef>
+                <a:spcPts val="0"/>
+              </a:spcBef>
+              <a:spcAft>
+                <a:spcPts val="0"/>
+              </a:spcAft>
+              <a:buNone/>
+            </a:pPr>
+            <a:endParaRPr sz="1800"/>
+          </a:p>
+        </p:txBody>
+      </p:sp>
+      <p:sp>
+        <p:nvSpPr>
+          <p:cNvPr id="102" name="Google Shape;102;p17"/>
+          <p:cNvSpPr txBox="1"/>
+          <p:nvPr/>
+        </p:nvSpPr>
+        <p:spPr>
+          <a:xfrm rot="-5400000">
+            <a:off x="-719975" y="2775700"/>
+            <a:ext cx="2818500" cy="335700"/>
+          </a:xfrm>
+          <a:prstGeom prst="rect">
+            <a:avLst/>
+          </a:prstGeom>
+          <a:noFill/>
+          <a:ln>
+            <a:noFill/>
+          </a:ln>
+        </p:spPr>
+        <p:txBody>
+          <a:bodyPr spcFirstLastPara="1" wrap="square" lIns="91425" tIns="91425" rIns="91425" bIns="91425" anchor="ctr" anchorCtr="0">
+            <a:noAutofit/>
+          </a:bodyPr>
+          <a:lstStyle/>
+          <a:p>
+            <a:pPr lvl="0" algn="ctr"/>
+            <a:r>
+              <a:rPr lang="en-US" dirty="0"/>
+              <a:t>People (10</a:t>
+            </a:r>
+            <a:r>
+              <a:rPr lang="en-US" baseline="30000" dirty="0"/>
+              <a:t>6</a:t>
+            </a:r>
+            <a:r>
+              <a:rPr lang="en-US" dirty="0"/>
+              <a:t>)</a:t>
+            </a:r>
+          </a:p>
+        </p:txBody>
+      </p:sp>
+      <p:sp>
+        <p:nvSpPr>
+          <p:cNvPr id="105" name="Google Shape;105;p17"/>
+          <p:cNvSpPr txBox="1"/>
+          <p:nvPr/>
+        </p:nvSpPr>
+        <p:spPr>
+          <a:xfrm>
+            <a:off x="890850" y="4513275"/>
+            <a:ext cx="3083700" cy="335700"/>
+          </a:xfrm>
+          <a:prstGeom prst="rect">
+            <a:avLst/>
+          </a:prstGeom>
+          <a:noFill/>
+          <a:ln>
+            <a:noFill/>
+          </a:ln>
+        </p:spPr>
+        <p:txBody>
+          <a:bodyPr spcFirstLastPara="1" wrap="square" lIns="91425" tIns="91425" rIns="91425" bIns="91425" anchor="ctr" anchorCtr="0">
+            <a:noAutofit/>
+          </a:bodyPr>
+          <a:lstStyle/>
+          <a:p>
+            <a:pPr marL="0" lvl="0" indent="0" algn="r" rtl="0">
+              <a:spcBef>
+                <a:spcPts val="0"/>
+              </a:spcBef>
+              <a:spcAft>
+                <a:spcPts val="0"/>
+              </a:spcAft>
+              <a:buNone/>
+            </a:pPr>
+            <a:r>
+              <a:rPr lang="en" sz="2200"/>
+              <a:t>genotype</a:t>
+            </a:r>
+            <a:endParaRPr sz="2200"/>
+          </a:p>
+        </p:txBody>
+      </p:sp>
+      <p:sp>
+        <p:nvSpPr>
+          <p:cNvPr id="106" name="Google Shape;106;p17"/>
+          <p:cNvSpPr txBox="1"/>
+          <p:nvPr/>
+        </p:nvSpPr>
+        <p:spPr>
+          <a:xfrm>
+            <a:off x="4243650" y="4513275"/>
+            <a:ext cx="3083700" cy="335700"/>
+          </a:xfrm>
+          <a:prstGeom prst="rect">
+            <a:avLst/>
+          </a:prstGeom>
+          <a:noFill/>
+          <a:ln>
+            <a:noFill/>
+          </a:ln>
+        </p:spPr>
+        <p:txBody>
+          <a:bodyPr spcFirstLastPara="1" wrap="square" lIns="91425" tIns="91425" rIns="91425" bIns="91425" anchor="ctr" anchorCtr="0">
+            <a:noAutofit/>
+          </a:bodyPr>
+          <a:lstStyle/>
+          <a:p>
+            <a:pPr marL="0" lvl="0" indent="0" algn="l" rtl="0">
+              <a:spcBef>
+                <a:spcPts val="0"/>
+              </a:spcBef>
+              <a:spcAft>
+                <a:spcPts val="0"/>
+              </a:spcAft>
+              <a:buNone/>
+            </a:pPr>
+            <a:r>
+              <a:rPr lang="en" sz="2200"/>
+              <a:t>phenotype</a:t>
+            </a:r>
+            <a:endParaRPr sz="2200"/>
+          </a:p>
+        </p:txBody>
+      </p:sp>
+      <p:cxnSp>
+        <p:nvCxnSpPr>
+          <p:cNvPr id="107" name="Google Shape;107;p17"/>
+          <p:cNvCxnSpPr/>
+          <p:nvPr/>
+        </p:nvCxnSpPr>
+        <p:spPr>
+          <a:xfrm rot="10800000">
+            <a:off x="4125750" y="1069150"/>
+            <a:ext cx="0" cy="4008300"/>
+          </a:xfrm>
+          <a:prstGeom prst="straightConnector1">
+            <a:avLst/>
+          </a:prstGeom>
+          <a:noFill/>
+          <a:ln w="9525" cap="flat" cmpd="sng">
+            <a:solidFill>
+              <a:schemeClr val="dk2"/>
+            </a:solidFill>
+            <a:prstDash val="dash"/>
+            <a:round/>
+            <a:headEnd type="none" w="med" len="med"/>
+            <a:tailEnd type="none" w="med" len="med"/>
+          </a:ln>
+        </p:spPr>
+      </p:cxnSp>
+      <p:sp>
+        <p:nvSpPr>
+          <p:cNvPr id="108" name="Google Shape;108;p17"/>
+          <p:cNvSpPr txBox="1"/>
+          <p:nvPr/>
+        </p:nvSpPr>
+        <p:spPr>
+          <a:xfrm>
+            <a:off x="4276950" y="1538850"/>
+            <a:ext cx="2004296" cy="2818500"/>
+          </a:xfrm>
+          <a:prstGeom prst="rect">
+            <a:avLst/>
+          </a:prstGeom>
+          <a:noFill/>
+          <a:ln>
+            <a:noFill/>
+          </a:ln>
+        </p:spPr>
+        <p:txBody>
+          <a:bodyPr spcFirstLastPara="1" wrap="square" lIns="91425" tIns="91425" rIns="91425" bIns="91425" anchor="ctr" anchorCtr="0">
+            <a:noAutofit/>
+          </a:bodyPr>
+          <a:lstStyle/>
+          <a:p>
+            <a:pPr marL="0" lvl="0" indent="0" algn="l" rtl="0">
+              <a:lnSpc>
+                <a:spcPct val="115000"/>
+              </a:lnSpc>
+              <a:spcBef>
+                <a:spcPts val="0"/>
+              </a:spcBef>
+              <a:spcAft>
+                <a:spcPts val="0"/>
+              </a:spcAft>
+              <a:buNone/>
+            </a:pPr>
+            <a:br>
+              <a:rPr lang="en" sz="1800" dirty="0"/>
+            </a:br>
+            <a:endParaRPr sz="1800" dirty="0"/>
+          </a:p>
+        </p:txBody>
+      </p:sp>
+      <p:sp>
+        <p:nvSpPr>
+          <p:cNvPr id="2" name="TextBox 1">
+            <a:extLst>
+              <a:ext uri="{FF2B5EF4-FFF2-40B4-BE49-F238E27FC236}">
+                <a16:creationId xmlns:a16="http://schemas.microsoft.com/office/drawing/2014/main" id="{638B18EE-2EE7-9348-9BDC-9C354BA8E685}"/>
+              </a:ext>
+            </a:extLst>
+          </p:cNvPr>
+          <p:cNvSpPr txBox="1"/>
+          <p:nvPr/>
+        </p:nvSpPr>
+        <p:spPr>
+          <a:xfrm>
+            <a:off x="4290622" y="1724912"/>
+            <a:ext cx="1274708" cy="584775"/>
+          </a:xfrm>
+          <a:prstGeom prst="rect">
+            <a:avLst/>
+          </a:prstGeom>
+          <a:noFill/>
+        </p:spPr>
+        <p:txBody>
+          <a:bodyPr wrap="none" rtlCol="0">
+            <a:spAutoFit/>
+          </a:bodyPr>
+          <a:lstStyle/>
+          <a:p>
+            <a:r>
+              <a:rPr lang="en" sz="1800" dirty="0"/>
+              <a:t>Diagnoses</a:t>
+            </a:r>
+          </a:p>
+          <a:p>
+            <a:endParaRPr lang="en-US" dirty="0"/>
+          </a:p>
+        </p:txBody>
+      </p:sp>
+      <p:sp>
+        <p:nvSpPr>
+          <p:cNvPr id="14" name="TextBox 13">
+            <a:extLst>
+              <a:ext uri="{FF2B5EF4-FFF2-40B4-BE49-F238E27FC236}">
+                <a16:creationId xmlns:a16="http://schemas.microsoft.com/office/drawing/2014/main" id="{744F4F08-9514-114B-A1A6-77ED8BD958E7}"/>
+              </a:ext>
+            </a:extLst>
+          </p:cNvPr>
+          <p:cNvSpPr txBox="1"/>
+          <p:nvPr/>
+        </p:nvSpPr>
+        <p:spPr>
+          <a:xfrm>
+            <a:off x="4290622" y="2639566"/>
+            <a:ext cx="1415772" cy="584775"/>
+          </a:xfrm>
+          <a:prstGeom prst="rect">
+            <a:avLst/>
+          </a:prstGeom>
+          <a:noFill/>
+        </p:spPr>
+        <p:txBody>
+          <a:bodyPr wrap="none" rtlCol="0">
+            <a:spAutoFit/>
+          </a:bodyPr>
+          <a:lstStyle/>
+          <a:p>
+            <a:r>
+              <a:rPr lang="en" sz="1800" dirty="0"/>
+              <a:t>Clinical labs</a:t>
+            </a:r>
+          </a:p>
+          <a:p>
+            <a:endParaRPr lang="en-US" dirty="0"/>
+          </a:p>
+        </p:txBody>
+      </p:sp>
+      <p:sp>
+        <p:nvSpPr>
+          <p:cNvPr id="15" name="TextBox 14">
+            <a:extLst>
+              <a:ext uri="{FF2B5EF4-FFF2-40B4-BE49-F238E27FC236}">
+                <a16:creationId xmlns:a16="http://schemas.microsoft.com/office/drawing/2014/main" id="{65445D8E-6CA1-CB43-BCD2-4E46319746AB}"/>
+              </a:ext>
+            </a:extLst>
+          </p:cNvPr>
+          <p:cNvSpPr txBox="1"/>
+          <p:nvPr/>
+        </p:nvSpPr>
+        <p:spPr>
+          <a:xfrm>
+            <a:off x="4290622" y="3060870"/>
+            <a:ext cx="1005403" cy="369332"/>
+          </a:xfrm>
+          <a:prstGeom prst="rect">
+            <a:avLst/>
+          </a:prstGeom>
+          <a:noFill/>
+        </p:spPr>
+        <p:txBody>
+          <a:bodyPr wrap="none" rtlCol="0">
+            <a:spAutoFit/>
+          </a:bodyPr>
+          <a:lstStyle/>
+          <a:p>
+            <a:r>
+              <a:rPr lang="en" sz="1800" dirty="0"/>
+              <a:t>Imaging</a:t>
+            </a:r>
+          </a:p>
+        </p:txBody>
+      </p:sp>
+      <p:sp>
+        <p:nvSpPr>
+          <p:cNvPr id="16" name="TextBox 15">
+            <a:extLst>
+              <a:ext uri="{FF2B5EF4-FFF2-40B4-BE49-F238E27FC236}">
+                <a16:creationId xmlns:a16="http://schemas.microsoft.com/office/drawing/2014/main" id="{54CEA061-F200-D64A-93AA-4A84FED491FA}"/>
+              </a:ext>
+            </a:extLst>
+          </p:cNvPr>
+          <p:cNvSpPr txBox="1"/>
+          <p:nvPr/>
+        </p:nvSpPr>
+        <p:spPr>
+          <a:xfrm>
+            <a:off x="4290622" y="3499773"/>
+            <a:ext cx="1813317" cy="584775"/>
+          </a:xfrm>
+          <a:prstGeom prst="rect">
+            <a:avLst/>
+          </a:prstGeom>
+          <a:noFill/>
+        </p:spPr>
+        <p:txBody>
+          <a:bodyPr wrap="none" rtlCol="0">
+            <a:spAutoFit/>
+          </a:bodyPr>
+          <a:lstStyle/>
+          <a:p>
+            <a:r>
+              <a:rPr lang="en" sz="1800" dirty="0"/>
+              <a:t>Medical records</a:t>
+            </a:r>
+          </a:p>
+          <a:p>
+            <a:endParaRPr lang="en-US" dirty="0"/>
+          </a:p>
+        </p:txBody>
+      </p:sp>
+      <p:sp>
+        <p:nvSpPr>
+          <p:cNvPr id="17" name="TextBox 16">
+            <a:extLst>
+              <a:ext uri="{FF2B5EF4-FFF2-40B4-BE49-F238E27FC236}">
+                <a16:creationId xmlns:a16="http://schemas.microsoft.com/office/drawing/2014/main" id="{6627BC71-60A1-3243-ACE7-F79385237BEF}"/>
+              </a:ext>
+            </a:extLst>
+          </p:cNvPr>
+          <p:cNvSpPr txBox="1"/>
+          <p:nvPr/>
+        </p:nvSpPr>
+        <p:spPr>
+          <a:xfrm>
+            <a:off x="4290622" y="2200663"/>
+            <a:ext cx="1954381" cy="584775"/>
+          </a:xfrm>
+          <a:prstGeom prst="rect">
+            <a:avLst/>
+          </a:prstGeom>
+          <a:noFill/>
+        </p:spPr>
+        <p:txBody>
+          <a:bodyPr wrap="none" rtlCol="0">
+            <a:spAutoFit/>
+          </a:bodyPr>
+          <a:lstStyle/>
+          <a:p>
+            <a:r>
+              <a:rPr lang="en" sz="1800" dirty="0"/>
+              <a:t>Survey questions</a:t>
+            </a:r>
+          </a:p>
+          <a:p>
+            <a:endParaRPr lang="en-US" dirty="0"/>
+          </a:p>
+        </p:txBody>
+      </p:sp>
+      <p:sp>
+        <p:nvSpPr>
+          <p:cNvPr id="18" name="TextBox 17">
+            <a:extLst>
+              <a:ext uri="{FF2B5EF4-FFF2-40B4-BE49-F238E27FC236}">
+                <a16:creationId xmlns:a16="http://schemas.microsoft.com/office/drawing/2014/main" id="{4B15EA4A-6F9A-8B4C-9957-C662FA74C6D7}"/>
+              </a:ext>
+            </a:extLst>
+          </p:cNvPr>
+          <p:cNvSpPr txBox="1"/>
+          <p:nvPr/>
+        </p:nvSpPr>
+        <p:spPr>
+          <a:xfrm>
+            <a:off x="6290006" y="1723728"/>
+            <a:ext cx="2646878" cy="584775"/>
+          </a:xfrm>
+          <a:prstGeom prst="rect">
+            <a:avLst/>
+          </a:prstGeom>
+          <a:noFill/>
+        </p:spPr>
+        <p:txBody>
+          <a:bodyPr wrap="none" rtlCol="0">
+            <a:spAutoFit/>
+          </a:bodyPr>
+          <a:lstStyle/>
+          <a:p>
+            <a:r>
+              <a:rPr lang="en" sz="1800" dirty="0"/>
+              <a:t>Diagnosed w/ diabetes?</a:t>
+            </a:r>
+          </a:p>
+          <a:p>
+            <a:endParaRPr lang="en-US" dirty="0"/>
+          </a:p>
+        </p:txBody>
+      </p:sp>
+      <p:sp>
+        <p:nvSpPr>
+          <p:cNvPr id="19" name="TextBox 18">
+            <a:extLst>
+              <a:ext uri="{FF2B5EF4-FFF2-40B4-BE49-F238E27FC236}">
+                <a16:creationId xmlns:a16="http://schemas.microsoft.com/office/drawing/2014/main" id="{E502C2C5-DF4C-FD47-919E-1B48B69B4DC8}"/>
+              </a:ext>
+            </a:extLst>
+          </p:cNvPr>
+          <p:cNvSpPr txBox="1"/>
+          <p:nvPr/>
+        </p:nvSpPr>
+        <p:spPr>
+          <a:xfrm>
+            <a:off x="6290006" y="2638382"/>
+            <a:ext cx="1877437" cy="584775"/>
+          </a:xfrm>
+          <a:prstGeom prst="rect">
+            <a:avLst/>
+          </a:prstGeom>
+          <a:noFill/>
+        </p:spPr>
+        <p:txBody>
+          <a:bodyPr wrap="none" rtlCol="0">
+            <a:spAutoFit/>
+          </a:bodyPr>
+          <a:lstStyle/>
+          <a:p>
+            <a:r>
+              <a:rPr lang="en" sz="1800" dirty="0"/>
+              <a:t>Total cholesterol</a:t>
+            </a:r>
+          </a:p>
+          <a:p>
+            <a:endParaRPr lang="en-US" dirty="0"/>
+          </a:p>
+        </p:txBody>
+      </p:sp>
+      <p:sp>
+        <p:nvSpPr>
+          <p:cNvPr id="20" name="TextBox 19">
+            <a:extLst>
+              <a:ext uri="{FF2B5EF4-FFF2-40B4-BE49-F238E27FC236}">
+                <a16:creationId xmlns:a16="http://schemas.microsoft.com/office/drawing/2014/main" id="{37709555-0BB6-6344-8DE5-D7C48978D342}"/>
+              </a:ext>
+            </a:extLst>
+          </p:cNvPr>
+          <p:cNvSpPr txBox="1"/>
+          <p:nvPr/>
+        </p:nvSpPr>
+        <p:spPr>
+          <a:xfrm>
+            <a:off x="6290006" y="3059686"/>
+            <a:ext cx="1210588" cy="369332"/>
+          </a:xfrm>
+          <a:prstGeom prst="rect">
+            <a:avLst/>
+          </a:prstGeom>
+          <a:noFill/>
+        </p:spPr>
+        <p:txBody>
+          <a:bodyPr wrap="none" rtlCol="0">
+            <a:spAutoFit/>
+          </a:bodyPr>
+          <a:lstStyle/>
+          <a:p>
+            <a:r>
+              <a:rPr lang="en" sz="1800" dirty="0"/>
+              <a:t>Brain MRI</a:t>
+            </a:r>
+          </a:p>
+        </p:txBody>
+      </p:sp>
+      <p:sp>
+        <p:nvSpPr>
+          <p:cNvPr id="22" name="TextBox 21">
+            <a:extLst>
+              <a:ext uri="{FF2B5EF4-FFF2-40B4-BE49-F238E27FC236}">
+                <a16:creationId xmlns:a16="http://schemas.microsoft.com/office/drawing/2014/main" id="{A9989652-1694-2741-8746-0E8D8746412E}"/>
+              </a:ext>
+            </a:extLst>
+          </p:cNvPr>
+          <p:cNvSpPr txBox="1"/>
+          <p:nvPr/>
+        </p:nvSpPr>
+        <p:spPr>
+          <a:xfrm>
+            <a:off x="6290006" y="2199479"/>
+            <a:ext cx="3044423" cy="584775"/>
+          </a:xfrm>
+          <a:prstGeom prst="rect">
+            <a:avLst/>
+          </a:prstGeom>
+          <a:noFill/>
+        </p:spPr>
+        <p:txBody>
+          <a:bodyPr wrap="none" rtlCol="0">
+            <a:spAutoFit/>
+          </a:bodyPr>
+          <a:lstStyle/>
+          <a:p>
+            <a:r>
+              <a:rPr lang="en" sz="1800" dirty="0"/>
+              <a:t>Are you a morning person?</a:t>
+            </a:r>
+          </a:p>
+          <a:p>
+            <a:endParaRPr lang="en-US" dirty="0"/>
+          </a:p>
+        </p:txBody>
+      </p:sp>
+      <p:sp>
+        <p:nvSpPr>
+          <p:cNvPr id="23" name="Google Shape;64;p14">
+            <a:extLst>
+              <a:ext uri="{FF2B5EF4-FFF2-40B4-BE49-F238E27FC236}">
+                <a16:creationId xmlns:a16="http://schemas.microsoft.com/office/drawing/2014/main" id="{61098E71-9CF0-C346-8222-E4C711919573}"/>
+              </a:ext>
+            </a:extLst>
+          </p:cNvPr>
+          <p:cNvSpPr txBox="1"/>
+          <p:nvPr/>
+        </p:nvSpPr>
+        <p:spPr>
+          <a:xfrm>
+            <a:off x="1327726" y="1160475"/>
+            <a:ext cx="2209948" cy="335700"/>
+          </a:xfrm>
+          <a:prstGeom prst="rect">
+            <a:avLst/>
+          </a:prstGeom>
+          <a:noFill/>
+          <a:ln>
+            <a:noFill/>
+          </a:ln>
+        </p:spPr>
+        <p:txBody>
+          <a:bodyPr spcFirstLastPara="1" wrap="square" lIns="91425" tIns="91425" rIns="91425" bIns="91425" anchor="ctr" anchorCtr="0">
+            <a:noAutofit/>
+          </a:bodyPr>
+          <a:lstStyle/>
+          <a:p>
+            <a:pPr marL="0" lvl="0" indent="0" algn="ctr" rtl="0">
+              <a:spcBef>
+                <a:spcPts val="0"/>
+              </a:spcBef>
+              <a:spcAft>
+                <a:spcPts val="0"/>
+              </a:spcAft>
+              <a:buNone/>
+            </a:pPr>
+            <a:r>
+              <a:rPr lang="en" dirty="0"/>
+              <a:t>Genetic variants (10</a:t>
+            </a:r>
+            <a:r>
+              <a:rPr lang="en" baseline="30000" dirty="0"/>
+              <a:t>6</a:t>
+            </a:r>
+            <a:r>
+              <a:rPr lang="en" dirty="0"/>
+              <a:t>)</a:t>
+            </a:r>
+            <a:endParaRPr dirty="0"/>
+          </a:p>
+        </p:txBody>
+      </p:sp>
+      <p:sp>
+        <p:nvSpPr>
+          <p:cNvPr id="25" name="Google Shape;91;p16">
+            <a:extLst>
+              <a:ext uri="{FF2B5EF4-FFF2-40B4-BE49-F238E27FC236}">
+                <a16:creationId xmlns:a16="http://schemas.microsoft.com/office/drawing/2014/main" id="{8817D96D-2EA5-054A-A10D-F5B26855A116}"/>
+              </a:ext>
+            </a:extLst>
+          </p:cNvPr>
+          <p:cNvSpPr txBox="1"/>
+          <p:nvPr/>
+        </p:nvSpPr>
+        <p:spPr>
+          <a:xfrm>
+            <a:off x="4258950" y="1160475"/>
+            <a:ext cx="2004300" cy="335700"/>
+          </a:xfrm>
+          <a:prstGeom prst="rect">
+            <a:avLst/>
+          </a:prstGeom>
+          <a:noFill/>
+          <a:ln>
+            <a:noFill/>
+          </a:ln>
+        </p:spPr>
+        <p:txBody>
+          <a:bodyPr spcFirstLastPara="1" wrap="square" lIns="91425" tIns="91425" rIns="91425" bIns="91425" anchor="ctr" anchorCtr="0">
+            <a:noAutofit/>
+          </a:bodyPr>
+          <a:lstStyle/>
+          <a:p>
+            <a:pPr marL="0" lvl="0" indent="0" algn="ctr" rtl="0">
+              <a:spcBef>
+                <a:spcPts val="0"/>
+              </a:spcBef>
+              <a:spcAft>
+                <a:spcPts val="0"/>
+              </a:spcAft>
+              <a:buNone/>
+            </a:pPr>
+            <a:r>
+              <a:rPr lang="en" dirty="0"/>
+              <a:t>Phenotypes (10</a:t>
+            </a:r>
+            <a:r>
+              <a:rPr lang="en" baseline="30000" dirty="0"/>
+              <a:t>4</a:t>
+            </a:r>
+            <a:r>
+              <a:rPr lang="en" dirty="0"/>
+              <a:t>)</a:t>
+            </a:r>
+            <a:endParaRPr baseline="30000" dirty="0"/>
+          </a:p>
+        </p:txBody>
+      </p:sp>
+    </p:spTree>
+  </p:cSld>
+  <p:clrMapOvr>
+    <a:masterClrMapping/>
+  </p:clrMapOvr>
+  <p:timing>
+    <p:tnLst>
+      <p:par>
+        <p:cTn id="1" dur="indefinite" restart="never" nodeType="tmRoot">
+          <p:childTnLst>
+            <p:seq concurrent="1" nextAc="seek">
+              <p:cTn id="2" dur="indefinite" nodeType="mainSeq">
+                <p:childTnLst>
+                  <p:par>
+                    <p:cTn id="3" fill="hold">
+                      <p:stCondLst>
+                        <p:cond delay="indefinite"/>
+                      </p:stCondLst>
+                      <p:childTnLst>
+                        <p:par>
+                          <p:cTn id="4" fill="hold">
+                            <p:stCondLst>
+                              <p:cond delay="0"/>
+                            </p:stCondLst>
+                            <p:childTnLst>
+                              <p:par>
+                                <p:cTn id="5" presetID="1" presetClass="entr" presetSubtype="0" fill="hold" grpId="0" nodeType="clickEffect">
+                                  <p:stCondLst>
+                                    <p:cond delay="0"/>
+                                  </p:stCondLst>
+                                  <p:childTnLst>
+                                    <p:set>
+                                      <p:cBhvr>
+                                        <p:cTn id="6" dur="1" fill="hold">
+                                          <p:stCondLst>
+                                            <p:cond delay="0"/>
+                                          </p:stCondLst>
+                                        </p:cTn>
+                                        <p:tgtEl>
+                                          <p:spTgt spid="2"/>
+                                        </p:tgtEl>
+                                        <p:attrNameLst>
+                                          <p:attrName>style.visibility</p:attrName>
+                                        </p:attrNameLst>
+                                      </p:cBhvr>
+                                      <p:to>
+                                        <p:strVal val="visible"/>
+                                      </p:to>
+                                    </p:set>
+                                  </p:childTnLst>
+                                </p:cTn>
+                              </p:par>
+                              <p:par>
+                                <p:cTn id="7" presetID="1" presetClass="entr" presetSubtype="0" fill="hold" grpId="0" nodeType="withEffect">
+                                  <p:stCondLst>
+                                    <p:cond delay="0"/>
+                                  </p:stCondLst>
+                                  <p:childTnLst>
+                                    <p:set>
+                                      <p:cBhvr>
+                                        <p:cTn id="8" dur="1" fill="hold">
+                                          <p:stCondLst>
+                                            <p:cond delay="0"/>
+                                          </p:stCondLst>
+                                        </p:cTn>
+                                        <p:tgtEl>
+                                          <p:spTgt spid="18"/>
+                                        </p:tgtEl>
+                                        <p:attrNameLst>
+                                          <p:attrName>style.visibility</p:attrName>
+                                        </p:attrNameLst>
+                                      </p:cBhvr>
+                                      <p:to>
+                                        <p:strVal val="visible"/>
+                                      </p:to>
+                                    </p:set>
+                                  </p:childTnLst>
+                                </p:cTn>
+                              </p:par>
+                            </p:childTnLst>
+                          </p:cTn>
+                        </p:par>
+                      </p:childTnLst>
+                    </p:cTn>
+                  </p:par>
+                  <p:par>
+                    <p:cTn id="9" fill="hold">
+                      <p:stCondLst>
+                        <p:cond delay="indefinite"/>
+                      </p:stCondLst>
+                      <p:childTnLst>
+                        <p:par>
+                          <p:cTn id="10" fill="hold">
+                            <p:stCondLst>
+                              <p:cond delay="0"/>
+                            </p:stCondLst>
+                            <p:childTnLst>
+                              <p:par>
+                                <p:cTn id="11" presetID="1" presetClass="entr" presetSubtype="0" fill="hold" grpId="0" nodeType="clickEffect">
+                                  <p:stCondLst>
+                                    <p:cond delay="0"/>
+                                  </p:stCondLst>
+                                  <p:childTnLst>
+                                    <p:set>
+                                      <p:cBhvr>
+                                        <p:cTn id="12" dur="1" fill="hold">
+                                          <p:stCondLst>
+                                            <p:cond delay="0"/>
+                                          </p:stCondLst>
+                                        </p:cTn>
+                                        <p:tgtEl>
+                                          <p:spTgt spid="17"/>
+                                        </p:tgtEl>
+                                        <p:attrNameLst>
+                                          <p:attrName>style.visibility</p:attrName>
+                                        </p:attrNameLst>
+                                      </p:cBhvr>
+                                      <p:to>
+                                        <p:strVal val="visible"/>
+                                      </p:to>
+                                    </p:set>
+                                  </p:childTnLst>
+                                </p:cTn>
+                              </p:par>
+                              <p:par>
+                                <p:cTn id="13" presetID="1" presetClass="entr" presetSubtype="0" fill="hold" grpId="0" nodeType="withEffect">
+                                  <p:stCondLst>
+                                    <p:cond delay="0"/>
+                                  </p:stCondLst>
+                                  <p:childTnLst>
+                                    <p:set>
+                                      <p:cBhvr>
+                                        <p:cTn id="14" dur="1" fill="hold">
+                                          <p:stCondLst>
+                                            <p:cond delay="0"/>
+                                          </p:stCondLst>
+                                        </p:cTn>
+                                        <p:tgtEl>
+                                          <p:spTgt spid="22"/>
+                                        </p:tgtEl>
+                                        <p:attrNameLst>
+                                          <p:attrName>style.visibility</p:attrName>
+                                        </p:attrNameLst>
+                                      </p:cBhvr>
+                                      <p:to>
+                                        <p:strVal val="visible"/>
+                                      </p:to>
+                                    </p:set>
+                                  </p:childTnLst>
+                                </p:cTn>
+                              </p:par>
+                            </p:childTnLst>
+                          </p:cTn>
+                        </p:par>
+                      </p:childTnLst>
+                    </p:cTn>
+                  </p:par>
+                  <p:par>
+                    <p:cTn id="15" fill="hold">
+                      <p:stCondLst>
+                        <p:cond delay="indefinite"/>
+                      </p:stCondLst>
+                      <p:childTnLst>
+                        <p:par>
+                          <p:cTn id="16" fill="hold">
+                            <p:stCondLst>
+                              <p:cond delay="0"/>
+                            </p:stCondLst>
+                            <p:childTnLst>
+                              <p:par>
+                                <p:cTn id="17" presetID="1" presetClass="entr" presetSubtype="0" fill="hold" grpId="0" nodeType="clickEffect">
+                                  <p:stCondLst>
+                                    <p:cond delay="0"/>
+                                  </p:stCondLst>
+                                  <p:childTnLst>
+                                    <p:set>
+                                      <p:cBhvr>
+                                        <p:cTn id="18" dur="1" fill="hold">
+                                          <p:stCondLst>
+                                            <p:cond delay="0"/>
+                                          </p:stCondLst>
+                                        </p:cTn>
+                                        <p:tgtEl>
+                                          <p:spTgt spid="14"/>
+                                        </p:tgtEl>
+                                        <p:attrNameLst>
+                                          <p:attrName>style.visibility</p:attrName>
+                                        </p:attrNameLst>
+                                      </p:cBhvr>
+                                      <p:to>
+                                        <p:strVal val="visible"/>
+                                      </p:to>
+                                    </p:set>
+                                  </p:childTnLst>
+                                </p:cTn>
+                              </p:par>
+                              <p:par>
+                                <p:cTn id="19" presetID="1" presetClass="entr" presetSubtype="0" fill="hold" grpId="0" nodeType="withEffect">
+                                  <p:stCondLst>
+                                    <p:cond delay="0"/>
+                                  </p:stCondLst>
+                                  <p:childTnLst>
+                                    <p:set>
+                                      <p:cBhvr>
+                                        <p:cTn id="20" dur="1" fill="hold">
+                                          <p:stCondLst>
+                                            <p:cond delay="0"/>
+                                          </p:stCondLst>
+                                        </p:cTn>
+                                        <p:tgtEl>
+                                          <p:spTgt spid="19"/>
+                                        </p:tgtEl>
+                                        <p:attrNameLst>
+                                          <p:attrName>style.visibility</p:attrName>
+                                        </p:attrNameLst>
+                                      </p:cBhvr>
+                                      <p:to>
+                                        <p:strVal val="visible"/>
+                                      </p:to>
+                                    </p:set>
+                                  </p:childTnLst>
+                                </p:cTn>
+                              </p:par>
+                            </p:childTnLst>
+                          </p:cTn>
+                        </p:par>
+                      </p:childTnLst>
+                    </p:cTn>
+                  </p:par>
+                  <p:par>
+                    <p:cTn id="21" fill="hold">
+                      <p:stCondLst>
+                        <p:cond delay="indefinite"/>
+                      </p:stCondLst>
+                      <p:childTnLst>
+                        <p:par>
+                          <p:cTn id="22" fill="hold">
+                            <p:stCondLst>
+                              <p:cond delay="0"/>
+                            </p:stCondLst>
+                            <p:childTnLst>
+                              <p:par>
+                                <p:cTn id="23" presetID="1" presetClass="entr" presetSubtype="0" fill="hold" grpId="0" nodeType="clickEffect">
+                                  <p:stCondLst>
+                                    <p:cond delay="0"/>
+                                  </p:stCondLst>
+                                  <p:childTnLst>
+                                    <p:set>
+                                      <p:cBhvr>
+                                        <p:cTn id="24" dur="1" fill="hold">
+                                          <p:stCondLst>
+                                            <p:cond delay="0"/>
+                                          </p:stCondLst>
+                                        </p:cTn>
+                                        <p:tgtEl>
+                                          <p:spTgt spid="15"/>
+                                        </p:tgtEl>
+                                        <p:attrNameLst>
+                                          <p:attrName>style.visibility</p:attrName>
+                                        </p:attrNameLst>
+                                      </p:cBhvr>
+                                      <p:to>
+                                        <p:strVal val="visible"/>
+                                      </p:to>
+                                    </p:set>
+                                  </p:childTnLst>
+                                </p:cTn>
+                              </p:par>
+                              <p:par>
+                                <p:cTn id="25" presetID="1" presetClass="entr" presetSubtype="0" fill="hold" grpId="0" nodeType="withEffect">
+                                  <p:stCondLst>
+                                    <p:cond delay="0"/>
+                                  </p:stCondLst>
+                                  <p:childTnLst>
+                                    <p:set>
+                                      <p:cBhvr>
+                                        <p:cTn id="26" dur="1" fill="hold">
+                                          <p:stCondLst>
+                                            <p:cond delay="0"/>
+                                          </p:stCondLst>
+                                        </p:cTn>
+                                        <p:tgtEl>
+                                          <p:spTgt spid="20"/>
+                                        </p:tgtEl>
+                                        <p:attrNameLst>
+                                          <p:attrName>style.visibility</p:attrName>
+                                        </p:attrNameLst>
+                                      </p:cBhvr>
+                                      <p:to>
+                                        <p:strVal val="visible"/>
+                                      </p:to>
+                                    </p:set>
+                                  </p:childTnLst>
+                                </p:cTn>
+                              </p:par>
+                            </p:childTnLst>
+                          </p:cTn>
+                        </p:par>
+                      </p:childTnLst>
+                    </p:cTn>
+                  </p:par>
+                  <p:par>
+                    <p:cTn id="27" fill="hold">
+                      <p:stCondLst>
+                        <p:cond delay="indefinite"/>
+                      </p:stCondLst>
+                      <p:childTnLst>
+                        <p:par>
+                          <p:cTn id="28" fill="hold">
+                            <p:stCondLst>
+                              <p:cond delay="0"/>
+                            </p:stCondLst>
+                            <p:childTnLst>
+                              <p:par>
+                                <p:cTn id="29" presetID="1" presetClass="entr" presetSubtype="0" fill="hold" grpId="0" nodeType="clickEffect">
+                                  <p:stCondLst>
+                                    <p:cond delay="0"/>
+                                  </p:stCondLst>
+                                  <p:childTnLst>
+                                    <p:set>
+                                      <p:cBhvr>
+                                        <p:cTn id="30" dur="1" fill="hold">
+                                          <p:stCondLst>
+                                            <p:cond delay="0"/>
+                                          </p:stCondLst>
+                                        </p:cTn>
+                                        <p:tgtEl>
+                                          <p:spTgt spid="16"/>
+                                        </p:tgtEl>
+                                        <p:attrNameLst>
+                                          <p:attrName>style.visibility</p:attrName>
+                                        </p:attrNameLst>
+                                      </p:cBhvr>
+                                      <p:to>
+                                        <p:strVal val="visible"/>
+                                      </p:to>
+                                    </p:set>
+                                  </p:childTnLst>
+                                </p:cTn>
+                              </p:par>
+                            </p:childTnLst>
+                          </p:cTn>
+                        </p:par>
+                      </p:childTnLst>
+                    </p:cTn>
+                  </p:par>
+                </p:childTnLst>
+              </p:cTn>
+              <p:prevCondLst>
+                <p:cond evt="onPrev" delay="0">
+                  <p:tgtEl>
+                    <p:sldTgt/>
+                  </p:tgtEl>
+                </p:cond>
+              </p:prevCondLst>
+              <p:nextCondLst>
+                <p:cond evt="onNext" delay="0">
+                  <p:tgtEl>
+                    <p:sldTgt/>
+                  </p:tgtEl>
+                </p:cond>
+              </p:nextCondLst>
+            </p:seq>
+          </p:childTnLst>
+        </p:cTn>
+      </p:par>
+    </p:tnLst>
+    <p:bldLst>
+      <p:bldP spid="2" grpId="0"/>
+      <p:bldP spid="14" grpId="0"/>
+      <p:bldP spid="15" grpId="0"/>
+      <p:bldP spid="16" grpId="0"/>
+      <p:bldP spid="17" grpId="0"/>
+      <p:bldP spid="18" grpId="0"/>
+      <p:bldP spid="19" grpId="0"/>
+      <p:bldP spid="20" grpId="0"/>
+      <p:bldP spid="22" grpId="0"/>
+    </p:bldLst>
+  </p:timing>
+</p:sld>
+</file>
+
+<file path=ppt/slides/slide5.xml><?xml version="1.0" encoding="utf-8"?>
 <p:sld xmlns:a="http://schemas.openxmlformats.org/drawingml/2006/main" xmlns:r="http://schemas.openxmlformats.org/officeDocument/2006/relationships" xmlns:p="http://schemas.openxmlformats.org/presentationml/2006/main">
   <p:cSld>
     <p:spTree>
@@ -12030,104 +12764,19 @@
           </a:bodyPr>
           <a:lstStyle/>
           <a:p>
-            <a:pPr marL="0" lvl="0" indent="0" algn="ctr" rtl="0">
-              <a:spcBef>
-                <a:spcPts val="0"/>
-              </a:spcBef>
-              <a:spcAft>
-                <a:spcPts val="0"/>
-              </a:spcAft>
-              <a:buNone/>
-            </a:pPr>
+            <a:pPr lvl="0" algn="ctr"/>
             <a:r>
-              <a:rPr lang="en"/>
-              <a:t>~1M</a:t>
+              <a:rPr lang="en-US" dirty="0"/>
+              <a:t>People (10</a:t>
             </a:r>
-            <a:endParaRPr/>
-          </a:p>
-        </p:txBody>
-      </p:sp>
-      <p:sp>
-        <p:nvSpPr>
-          <p:cNvPr id="117" name="Google Shape;117;p18"/>
-          <p:cNvSpPr txBox="1"/>
-          <p:nvPr/>
-        </p:nvSpPr>
-        <p:spPr>
-          <a:xfrm>
-            <a:off x="2024250" y="1160475"/>
-            <a:ext cx="816900" cy="335700"/>
-          </a:xfrm>
-          <a:prstGeom prst="rect">
-            <a:avLst/>
-          </a:prstGeom>
-          <a:noFill/>
-          <a:ln>
-            <a:noFill/>
-          </a:ln>
-        </p:spPr>
-        <p:txBody>
-          <a:bodyPr spcFirstLastPara="1" wrap="square" lIns="91425" tIns="91425" rIns="91425" bIns="91425" anchor="ctr" anchorCtr="0">
-            <a:noAutofit/>
-          </a:bodyPr>
-          <a:lstStyle/>
-          <a:p>
-            <a:pPr marL="0" lvl="0" indent="0" algn="ctr" rtl="0">
-              <a:spcBef>
-                <a:spcPts val="0"/>
-              </a:spcBef>
-              <a:spcAft>
-                <a:spcPts val="0"/>
-              </a:spcAft>
-              <a:buNone/>
-            </a:pPr>
             <a:r>
-              <a:rPr lang="en"/>
-              <a:t>~1M</a:t>
+              <a:rPr lang="en-US" baseline="30000" dirty="0"/>
+              <a:t>6</a:t>
             </a:r>
-            <a:endParaRPr/>
-          </a:p>
-        </p:txBody>
-      </p:sp>
-      <p:sp>
-        <p:nvSpPr>
-          <p:cNvPr id="118" name="Google Shape;118;p18"/>
-          <p:cNvSpPr txBox="1"/>
-          <p:nvPr/>
-        </p:nvSpPr>
-        <p:spPr>
-          <a:xfrm>
-            <a:off x="4258950" y="1160475"/>
-            <a:ext cx="2004300" cy="335700"/>
-          </a:xfrm>
-          <a:prstGeom prst="rect">
-            <a:avLst/>
-          </a:prstGeom>
-          <a:noFill/>
-          <a:ln>
-            <a:noFill/>
-          </a:ln>
-        </p:spPr>
-        <p:txBody>
-          <a:bodyPr spcFirstLastPara="1" wrap="square" lIns="91425" tIns="91425" rIns="91425" bIns="91425" anchor="ctr" anchorCtr="0">
-            <a:noAutofit/>
-          </a:bodyPr>
-          <a:lstStyle/>
-          <a:p>
-            <a:pPr marL="0" lvl="0" indent="0" algn="ctr" rtl="0">
-              <a:spcBef>
-                <a:spcPts val="0"/>
-              </a:spcBef>
-              <a:spcAft>
-                <a:spcPts val="0"/>
-              </a:spcAft>
-              <a:buNone/>
-            </a:pPr>
             <a:r>
-              <a:rPr lang="en"/>
-              <a:t>~10k</a:t>
+              <a:rPr lang="en-US" dirty="0"/>
+              <a:t>)</a:t>
             </a:r>
-            <a:endParaRPr/>
           </a:p>
         </p:txBody>
       </p:sp>
@@ -12347,14 +12996,20 @@
       </p:sp>
       <p:sp>
         <p:nvSpPr>
-          <p:cNvPr id="124" name="Google Shape;124;p18"/>
+          <p:cNvPr id="14" name="Google Shape;64;p14">
+            <a:extLst>
+              <a:ext uri="{FF2B5EF4-FFF2-40B4-BE49-F238E27FC236}">
+                <a16:creationId xmlns:a16="http://schemas.microsoft.com/office/drawing/2014/main" id="{E28E3ED3-B243-044F-BC39-ECC4F781ACAB}"/>
+              </a:ext>
+            </a:extLst>
+          </p:cNvPr>
           <p:cNvSpPr txBox="1"/>
           <p:nvPr/>
         </p:nvSpPr>
         <p:spPr>
           <a:xfrm>
-            <a:off x="6396150" y="3635600"/>
-            <a:ext cx="2748000" cy="572700"/>
+            <a:off x="1327726" y="1160475"/>
+            <a:ext cx="2209948" cy="335700"/>
           </a:xfrm>
           <a:prstGeom prst="rect">
             <a:avLst/>
@@ -12365,12 +13020,12 @@
           </a:ln>
         </p:spPr>
         <p:txBody>
-          <a:bodyPr spcFirstLastPara="1" wrap="square" lIns="91425" tIns="91425" rIns="91425" bIns="91425" anchor="t" anchorCtr="0">
+          <a:bodyPr spcFirstLastPara="1" wrap="square" lIns="91425" tIns="91425" rIns="91425" bIns="91425" anchor="ctr" anchorCtr="0">
             <a:noAutofit/>
           </a:bodyPr>
           <a:lstStyle/>
           <a:p>
-            <a:pPr marL="0" lvl="0" indent="0" algn="l" rtl="0">
+            <a:pPr marL="0" lvl="0" indent="0" algn="ctr" rtl="0">
               <a:spcBef>
                 <a:spcPts val="0"/>
               </a:spcBef>
@@ -12380,13 +13035,53 @@
               <a:buNone/>
             </a:pPr>
             <a:r>
-              <a:rPr lang="en"/>
-              <a:t>- High-effect genetic variants</a:t>
+              <a:rPr lang="en" dirty="0"/>
+              <a:t>Genetic variants (10</a:t>
             </a:r>
-            <a:endParaRPr/>
-          </a:p>
-          <a:p>
-            <a:pPr marL="0" lvl="0" indent="0" algn="l" rtl="0">
+            <a:r>
+              <a:rPr lang="en" baseline="30000" dirty="0"/>
+              <a:t>6</a:t>
+            </a:r>
+            <a:r>
+              <a:rPr lang="en" dirty="0"/>
+              <a:t>)</a:t>
+            </a:r>
+            <a:endParaRPr dirty="0"/>
+          </a:p>
+        </p:txBody>
+      </p:sp>
+      <p:sp>
+        <p:nvSpPr>
+          <p:cNvPr id="16" name="Google Shape;91;p16">
+            <a:extLst>
+              <a:ext uri="{FF2B5EF4-FFF2-40B4-BE49-F238E27FC236}">
+                <a16:creationId xmlns:a16="http://schemas.microsoft.com/office/drawing/2014/main" id="{20EAFD24-654F-5A40-994F-D98AF3E8B45C}"/>
+              </a:ext>
+            </a:extLst>
+          </p:cNvPr>
+          <p:cNvSpPr txBox="1"/>
+          <p:nvPr/>
+        </p:nvSpPr>
+        <p:spPr>
+          <a:xfrm>
+            <a:off x="4258950" y="1160475"/>
+            <a:ext cx="2004300" cy="335700"/>
+          </a:xfrm>
+          <a:prstGeom prst="rect">
+            <a:avLst/>
+          </a:prstGeom>
+          <a:noFill/>
+          <a:ln>
+            <a:noFill/>
+          </a:ln>
+        </p:spPr>
+        <p:txBody>
+          <a:bodyPr spcFirstLastPara="1" wrap="square" lIns="91425" tIns="91425" rIns="91425" bIns="91425" anchor="ctr" anchorCtr="0">
+            <a:noAutofit/>
+          </a:bodyPr>
+          <a:lstStyle/>
+          <a:p>
+            <a:pPr marL="0" lvl="0" indent="0" algn="ctr" rtl="0">
               <a:spcBef>
                 <a:spcPts val="0"/>
               </a:spcBef>
@@ -12396,34 +13091,18 @@
               <a:buNone/>
             </a:pPr>
             <a:r>
-              <a:rPr lang="en"/>
-              <a:t>- Signal-to-noise (“heritability”)</a:t>
+              <a:rPr lang="en" dirty="0"/>
+              <a:t>Phenotypes (10</a:t>
             </a:r>
-            <a:endParaRPr/>
-          </a:p>
-          <a:p>
-            <a:pPr marL="0" lvl="0" indent="0" algn="l" rtl="0">
-              <a:spcBef>
-                <a:spcPts val="0"/>
-              </a:spcBef>
-              <a:spcAft>
-                <a:spcPts val="0"/>
-              </a:spcAft>
-              <a:buNone/>
-            </a:pPr>
-            <a:endParaRPr/>
-          </a:p>
-          <a:p>
-            <a:pPr marL="0" lvl="0" indent="0" algn="l" rtl="0">
-              <a:spcBef>
-                <a:spcPts val="0"/>
-              </a:spcBef>
-              <a:spcAft>
-                <a:spcPts val="0"/>
-              </a:spcAft>
-              <a:buNone/>
-            </a:pPr>
-            <a:endParaRPr/>
+            <a:r>
+              <a:rPr lang="en" baseline="30000" dirty="0"/>
+              <a:t>4</a:t>
+            </a:r>
+            <a:r>
+              <a:rPr lang="en" dirty="0"/>
+              <a:t>)</a:t>
+            </a:r>
+            <a:endParaRPr baseline="30000" dirty="0"/>
           </a:p>
         </p:txBody>
       </p:sp>
@@ -12435,7 +13114,7 @@
 </p:sld>
 </file>
 
-<file path=ppt/slides/slide7.xml><?xml version="1.0" encoding="utf-8"?>
+<file path=ppt/slides/slide6.xml><?xml version="1.0" encoding="utf-8"?>
 <p:sld xmlns:a="http://schemas.openxmlformats.org/drawingml/2006/main" xmlns:r="http://schemas.openxmlformats.org/officeDocument/2006/relationships" xmlns:p="http://schemas.openxmlformats.org/presentationml/2006/main">
   <p:cSld>
     <p:spTree>
@@ -12614,104 +13293,19 @@
           </a:bodyPr>
           <a:lstStyle/>
           <a:p>
-            <a:pPr marL="0" lvl="0" indent="0" algn="ctr" rtl="0">
-              <a:spcBef>
-                <a:spcPts val="0"/>
-              </a:spcBef>
-              <a:spcAft>
-                <a:spcPts val="0"/>
-              </a:spcAft>
-              <a:buNone/>
-            </a:pPr>
+            <a:pPr lvl="0" algn="ctr"/>
             <a:r>
-              <a:rPr lang="en"/>
-              <a:t>~1M</a:t>
+              <a:rPr lang="en-US" dirty="0"/>
+              <a:t>People (10</a:t>
             </a:r>
-            <a:endParaRPr/>
-          </a:p>
-        </p:txBody>
-      </p:sp>
-      <p:sp>
-        <p:nvSpPr>
-          <p:cNvPr id="133" name="Google Shape;133;p19"/>
-          <p:cNvSpPr txBox="1"/>
-          <p:nvPr/>
-        </p:nvSpPr>
-        <p:spPr>
-          <a:xfrm>
-            <a:off x="2024250" y="1160475"/>
-            <a:ext cx="816900" cy="335700"/>
-          </a:xfrm>
-          <a:prstGeom prst="rect">
-            <a:avLst/>
-          </a:prstGeom>
-          <a:noFill/>
-          <a:ln>
-            <a:noFill/>
-          </a:ln>
-        </p:spPr>
-        <p:txBody>
-          <a:bodyPr spcFirstLastPara="1" wrap="square" lIns="91425" tIns="91425" rIns="91425" bIns="91425" anchor="ctr" anchorCtr="0">
-            <a:noAutofit/>
-          </a:bodyPr>
-          <a:lstStyle/>
-          <a:p>
-            <a:pPr marL="0" lvl="0" indent="0" algn="ctr" rtl="0">
-              <a:spcBef>
-                <a:spcPts val="0"/>
-              </a:spcBef>
-              <a:spcAft>
-                <a:spcPts val="0"/>
-              </a:spcAft>
-              <a:buNone/>
-            </a:pPr>
             <a:r>
-              <a:rPr lang="en"/>
-              <a:t>~1M</a:t>
+              <a:rPr lang="en-US" baseline="30000" dirty="0"/>
+              <a:t>6</a:t>
             </a:r>
-            <a:endParaRPr/>
-          </a:p>
-        </p:txBody>
-      </p:sp>
-      <p:sp>
-        <p:nvSpPr>
-          <p:cNvPr id="134" name="Google Shape;134;p19"/>
-          <p:cNvSpPr txBox="1"/>
-          <p:nvPr/>
-        </p:nvSpPr>
-        <p:spPr>
-          <a:xfrm>
-            <a:off x="4258950" y="1160475"/>
-            <a:ext cx="2004300" cy="335700"/>
-          </a:xfrm>
-          <a:prstGeom prst="rect">
-            <a:avLst/>
-          </a:prstGeom>
-          <a:noFill/>
-          <a:ln>
-            <a:noFill/>
-          </a:ln>
-        </p:spPr>
-        <p:txBody>
-          <a:bodyPr spcFirstLastPara="1" wrap="square" lIns="91425" tIns="91425" rIns="91425" bIns="91425" anchor="ctr" anchorCtr="0">
-            <a:noAutofit/>
-          </a:bodyPr>
-          <a:lstStyle/>
-          <a:p>
-            <a:pPr marL="0" lvl="0" indent="0" algn="ctr" rtl="0">
-              <a:spcBef>
-                <a:spcPts val="0"/>
-              </a:spcBef>
-              <a:spcAft>
-                <a:spcPts val="0"/>
-              </a:spcAft>
-              <a:buNone/>
-            </a:pPr>
             <a:r>
-              <a:rPr lang="en"/>
-              <a:t>~10k</a:t>
+              <a:rPr lang="en-US" dirty="0"/>
+              <a:t>)</a:t>
             </a:r>
-            <a:endParaRPr/>
           </a:p>
         </p:txBody>
       </p:sp>
@@ -12950,14 +13544,20 @@
       </p:sp>
       <p:sp>
         <p:nvSpPr>
-          <p:cNvPr id="140" name="Google Shape;140;p19"/>
+          <p:cNvPr id="14" name="Google Shape;64;p14">
+            <a:extLst>
+              <a:ext uri="{FF2B5EF4-FFF2-40B4-BE49-F238E27FC236}">
+                <a16:creationId xmlns:a16="http://schemas.microsoft.com/office/drawing/2014/main" id="{23DC184E-398C-7749-ACCD-9E31C1ED8167}"/>
+              </a:ext>
+            </a:extLst>
+          </p:cNvPr>
           <p:cNvSpPr txBox="1"/>
           <p:nvPr/>
         </p:nvSpPr>
         <p:spPr>
           <a:xfrm>
-            <a:off x="6396150" y="3635600"/>
-            <a:ext cx="2748000" cy="572700"/>
+            <a:off x="1327726" y="1160475"/>
+            <a:ext cx="2209948" cy="335700"/>
           </a:xfrm>
           <a:prstGeom prst="rect">
             <a:avLst/>
@@ -12968,12 +13568,12 @@
           </a:ln>
         </p:spPr>
         <p:txBody>
-          <a:bodyPr spcFirstLastPara="1" wrap="square" lIns="91425" tIns="91425" rIns="91425" bIns="91425" anchor="t" anchorCtr="0">
+          <a:bodyPr spcFirstLastPara="1" wrap="square" lIns="91425" tIns="91425" rIns="91425" bIns="91425" anchor="ctr" anchorCtr="0">
             <a:noAutofit/>
           </a:bodyPr>
           <a:lstStyle/>
           <a:p>
-            <a:pPr marL="0" lvl="0" indent="0" algn="l" rtl="0">
+            <a:pPr marL="0" lvl="0" indent="0" algn="ctr" rtl="0">
               <a:spcBef>
                 <a:spcPts val="0"/>
               </a:spcBef>
@@ -12983,13 +13583,53 @@
               <a:buNone/>
             </a:pPr>
             <a:r>
-              <a:rPr lang="en"/>
-              <a:t>- High-effect genetic variants</a:t>
+              <a:rPr lang="en" dirty="0"/>
+              <a:t>Genetic variants (10</a:t>
             </a:r>
-            <a:endParaRPr/>
-          </a:p>
-          <a:p>
-            <a:pPr marL="0" lvl="0" indent="0" algn="l" rtl="0">
+            <a:r>
+              <a:rPr lang="en" baseline="30000" dirty="0"/>
+              <a:t>6</a:t>
+            </a:r>
+            <a:r>
+              <a:rPr lang="en" dirty="0"/>
+              <a:t>)</a:t>
+            </a:r>
+            <a:endParaRPr dirty="0"/>
+          </a:p>
+        </p:txBody>
+      </p:sp>
+      <p:sp>
+        <p:nvSpPr>
+          <p:cNvPr id="16" name="Google Shape;91;p16">
+            <a:extLst>
+              <a:ext uri="{FF2B5EF4-FFF2-40B4-BE49-F238E27FC236}">
+                <a16:creationId xmlns:a16="http://schemas.microsoft.com/office/drawing/2014/main" id="{37FDD6D3-A394-C74B-868B-05BB1F659F97}"/>
+              </a:ext>
+            </a:extLst>
+          </p:cNvPr>
+          <p:cNvSpPr txBox="1"/>
+          <p:nvPr/>
+        </p:nvSpPr>
+        <p:spPr>
+          <a:xfrm>
+            <a:off x="4258950" y="1160475"/>
+            <a:ext cx="2004300" cy="335700"/>
+          </a:xfrm>
+          <a:prstGeom prst="rect">
+            <a:avLst/>
+          </a:prstGeom>
+          <a:noFill/>
+          <a:ln>
+            <a:noFill/>
+          </a:ln>
+        </p:spPr>
+        <p:txBody>
+          <a:bodyPr spcFirstLastPara="1" wrap="square" lIns="91425" tIns="91425" rIns="91425" bIns="91425" anchor="ctr" anchorCtr="0">
+            <a:noAutofit/>
+          </a:bodyPr>
+          <a:lstStyle/>
+          <a:p>
+            <a:pPr marL="0" lvl="0" indent="0" algn="ctr" rtl="0">
               <a:spcBef>
                 <a:spcPts val="0"/>
               </a:spcBef>
@@ -12999,34 +13639,18 @@
               <a:buNone/>
             </a:pPr>
             <a:r>
-              <a:rPr lang="en"/>
-              <a:t>- Signal-to-noise (“heritability”)</a:t>
+              <a:rPr lang="en" dirty="0"/>
+              <a:t>Phenotypes (10</a:t>
             </a:r>
-            <a:endParaRPr/>
-          </a:p>
-          <a:p>
-            <a:pPr marL="0" lvl="0" indent="0" algn="l" rtl="0">
-              <a:spcBef>
-                <a:spcPts val="0"/>
-              </a:spcBef>
-              <a:spcAft>
-                <a:spcPts val="0"/>
-              </a:spcAft>
-              <a:buNone/>
-            </a:pPr>
-            <a:endParaRPr/>
-          </a:p>
-          <a:p>
-            <a:pPr marL="0" lvl="0" indent="0" algn="l" rtl="0">
-              <a:spcBef>
-                <a:spcPts val="0"/>
-              </a:spcBef>
-              <a:spcAft>
-                <a:spcPts val="0"/>
-              </a:spcAft>
-              <a:buNone/>
-            </a:pPr>
-            <a:endParaRPr/>
+            <a:r>
+              <a:rPr lang="en" baseline="30000" dirty="0"/>
+              <a:t>4</a:t>
+            </a:r>
+            <a:r>
+              <a:rPr lang="en" dirty="0"/>
+              <a:t>)</a:t>
+            </a:r>
+            <a:endParaRPr baseline="30000" dirty="0"/>
           </a:p>
         </p:txBody>
       </p:sp>
@@ -13038,7 +13662,7 @@
 </p:sld>
 </file>
 
-<file path=ppt/slides/slide8.xml><?xml version="1.0" encoding="utf-8"?>
+<file path=ppt/slides/slide7.xml><?xml version="1.0" encoding="utf-8"?>
 <p:sld xmlns:a="http://schemas.openxmlformats.org/drawingml/2006/main" xmlns:r="http://schemas.openxmlformats.org/officeDocument/2006/relationships" xmlns:p="http://schemas.openxmlformats.org/presentationml/2006/main">
   <p:cSld>
     <p:spTree>
@@ -13217,104 +13841,19 @@
           </a:bodyPr>
           <a:lstStyle/>
           <a:p>
-            <a:pPr marL="0" lvl="0" indent="0" algn="ctr" rtl="0">
-              <a:spcBef>
-                <a:spcPts val="0"/>
-              </a:spcBef>
-              <a:spcAft>
-                <a:spcPts val="0"/>
-              </a:spcAft>
-              <a:buNone/>
-            </a:pPr>
+            <a:pPr lvl="0" algn="ctr"/>
             <a:r>
-              <a:rPr lang="en"/>
-              <a:t>~1M</a:t>
+              <a:rPr lang="en-US" dirty="0"/>
+              <a:t>People (10</a:t>
             </a:r>
-            <a:endParaRPr/>
-          </a:p>
-        </p:txBody>
-      </p:sp>
-      <p:sp>
-        <p:nvSpPr>
-          <p:cNvPr id="149" name="Google Shape;149;p20"/>
-          <p:cNvSpPr txBox="1"/>
-          <p:nvPr/>
-        </p:nvSpPr>
-        <p:spPr>
-          <a:xfrm>
-            <a:off x="2024250" y="1160475"/>
-            <a:ext cx="816900" cy="335700"/>
-          </a:xfrm>
-          <a:prstGeom prst="rect">
-            <a:avLst/>
-          </a:prstGeom>
-          <a:noFill/>
-          <a:ln>
-            <a:noFill/>
-          </a:ln>
-        </p:spPr>
-        <p:txBody>
-          <a:bodyPr spcFirstLastPara="1" wrap="square" lIns="91425" tIns="91425" rIns="91425" bIns="91425" anchor="ctr" anchorCtr="0">
-            <a:noAutofit/>
-          </a:bodyPr>
-          <a:lstStyle/>
-          <a:p>
-            <a:pPr marL="0" lvl="0" indent="0" algn="ctr" rtl="0">
-              <a:spcBef>
-                <a:spcPts val="0"/>
-              </a:spcBef>
-              <a:spcAft>
-                <a:spcPts val="0"/>
-              </a:spcAft>
-              <a:buNone/>
-            </a:pPr>
             <a:r>
-              <a:rPr lang="en"/>
-              <a:t>~1M</a:t>
+              <a:rPr lang="en-US" baseline="30000" dirty="0"/>
+              <a:t>6</a:t>
             </a:r>
-            <a:endParaRPr/>
-          </a:p>
-        </p:txBody>
-      </p:sp>
-      <p:sp>
-        <p:nvSpPr>
-          <p:cNvPr id="150" name="Google Shape;150;p20"/>
-          <p:cNvSpPr txBox="1"/>
-          <p:nvPr/>
-        </p:nvSpPr>
-        <p:spPr>
-          <a:xfrm>
-            <a:off x="4258950" y="1160475"/>
-            <a:ext cx="2004300" cy="335700"/>
-          </a:xfrm>
-          <a:prstGeom prst="rect">
-            <a:avLst/>
-          </a:prstGeom>
-          <a:noFill/>
-          <a:ln>
-            <a:noFill/>
-          </a:ln>
-        </p:spPr>
-        <p:txBody>
-          <a:bodyPr spcFirstLastPara="1" wrap="square" lIns="91425" tIns="91425" rIns="91425" bIns="91425" anchor="ctr" anchorCtr="0">
-            <a:noAutofit/>
-          </a:bodyPr>
-          <a:lstStyle/>
-          <a:p>
-            <a:pPr marL="0" lvl="0" indent="0" algn="ctr" rtl="0">
-              <a:spcBef>
-                <a:spcPts val="0"/>
-              </a:spcBef>
-              <a:spcAft>
-                <a:spcPts val="0"/>
-              </a:spcAft>
-              <a:buNone/>
-            </a:pPr>
             <a:r>
-              <a:rPr lang="en"/>
-              <a:t>~10k</a:t>
+              <a:rPr lang="en-US" dirty="0"/>
+              <a:t>)</a:t>
             </a:r>
-            <a:endParaRPr/>
           </a:p>
         </p:txBody>
       </p:sp>
@@ -13656,14 +14195,20 @@
       </p:sp>
       <p:sp>
         <p:nvSpPr>
-          <p:cNvPr id="158" name="Google Shape;158;p20"/>
+          <p:cNvPr id="16" name="Google Shape;64;p14">
+            <a:extLst>
+              <a:ext uri="{FF2B5EF4-FFF2-40B4-BE49-F238E27FC236}">
+                <a16:creationId xmlns:a16="http://schemas.microsoft.com/office/drawing/2014/main" id="{33DB9648-3D7C-EB4B-A925-B597E7E3CC0B}"/>
+              </a:ext>
+            </a:extLst>
+          </p:cNvPr>
           <p:cNvSpPr txBox="1"/>
           <p:nvPr/>
         </p:nvSpPr>
         <p:spPr>
           <a:xfrm>
-            <a:off x="6396150" y="3635600"/>
-            <a:ext cx="2748000" cy="572700"/>
+            <a:off x="1327726" y="1160475"/>
+            <a:ext cx="2209948" cy="335700"/>
           </a:xfrm>
           <a:prstGeom prst="rect">
             <a:avLst/>
@@ -13674,12 +14219,12 @@
           </a:ln>
         </p:spPr>
         <p:txBody>
-          <a:bodyPr spcFirstLastPara="1" wrap="square" lIns="91425" tIns="91425" rIns="91425" bIns="91425" anchor="t" anchorCtr="0">
+          <a:bodyPr spcFirstLastPara="1" wrap="square" lIns="91425" tIns="91425" rIns="91425" bIns="91425" anchor="ctr" anchorCtr="0">
             <a:noAutofit/>
           </a:bodyPr>
           <a:lstStyle/>
           <a:p>
-            <a:pPr marL="0" lvl="0" indent="0" algn="l" rtl="0">
+            <a:pPr marL="0" lvl="0" indent="0" algn="ctr" rtl="0">
               <a:spcBef>
                 <a:spcPts val="0"/>
               </a:spcBef>
@@ -13689,13 +14234,53 @@
               <a:buNone/>
             </a:pPr>
             <a:r>
-              <a:rPr lang="en"/>
-              <a:t>- High-effect genetic variants</a:t>
+              <a:rPr lang="en" dirty="0"/>
+              <a:t>Genetic variants (10</a:t>
             </a:r>
-            <a:endParaRPr/>
-          </a:p>
-          <a:p>
-            <a:pPr marL="0" lvl="0" indent="0" algn="l" rtl="0">
+            <a:r>
+              <a:rPr lang="en" baseline="30000" dirty="0"/>
+              <a:t>6</a:t>
+            </a:r>
+            <a:r>
+              <a:rPr lang="en" dirty="0"/>
+              <a:t>)</a:t>
+            </a:r>
+            <a:endParaRPr dirty="0"/>
+          </a:p>
+        </p:txBody>
+      </p:sp>
+      <p:sp>
+        <p:nvSpPr>
+          <p:cNvPr id="18" name="Google Shape;91;p16">
+            <a:extLst>
+              <a:ext uri="{FF2B5EF4-FFF2-40B4-BE49-F238E27FC236}">
+                <a16:creationId xmlns:a16="http://schemas.microsoft.com/office/drawing/2014/main" id="{24A94EBB-7352-B745-A26A-B99C63A908B9}"/>
+              </a:ext>
+            </a:extLst>
+          </p:cNvPr>
+          <p:cNvSpPr txBox="1"/>
+          <p:nvPr/>
+        </p:nvSpPr>
+        <p:spPr>
+          <a:xfrm>
+            <a:off x="4258950" y="1160475"/>
+            <a:ext cx="2004300" cy="335700"/>
+          </a:xfrm>
+          <a:prstGeom prst="rect">
+            <a:avLst/>
+          </a:prstGeom>
+          <a:noFill/>
+          <a:ln>
+            <a:noFill/>
+          </a:ln>
+        </p:spPr>
+        <p:txBody>
+          <a:bodyPr spcFirstLastPara="1" wrap="square" lIns="91425" tIns="91425" rIns="91425" bIns="91425" anchor="ctr" anchorCtr="0">
+            <a:noAutofit/>
+          </a:bodyPr>
+          <a:lstStyle/>
+          <a:p>
+            <a:pPr marL="0" lvl="0" indent="0" algn="ctr" rtl="0">
               <a:spcBef>
                 <a:spcPts val="0"/>
               </a:spcBef>
@@ -13705,34 +14290,18 @@
               <a:buNone/>
             </a:pPr>
             <a:r>
-              <a:rPr lang="en"/>
-              <a:t>- Signal-to-noise (“heritability”)</a:t>
+              <a:rPr lang="en" dirty="0"/>
+              <a:t>Phenotypes (10</a:t>
             </a:r>
-            <a:endParaRPr/>
-          </a:p>
-          <a:p>
-            <a:pPr marL="0" lvl="0" indent="0" algn="l" rtl="0">
-              <a:spcBef>
-                <a:spcPts val="0"/>
-              </a:spcBef>
-              <a:spcAft>
-                <a:spcPts val="0"/>
-              </a:spcAft>
-              <a:buNone/>
-            </a:pPr>
-            <a:endParaRPr/>
-          </a:p>
-          <a:p>
-            <a:pPr marL="0" lvl="0" indent="0" algn="l" rtl="0">
-              <a:spcBef>
-                <a:spcPts val="0"/>
-              </a:spcBef>
-              <a:spcAft>
-                <a:spcPts val="0"/>
-              </a:spcAft>
-              <a:buNone/>
-            </a:pPr>
-            <a:endParaRPr/>
+            <a:r>
+              <a:rPr lang="en" baseline="30000" dirty="0"/>
+              <a:t>4</a:t>
+            </a:r>
+            <a:r>
+              <a:rPr lang="en" dirty="0"/>
+              <a:t>)</a:t>
+            </a:r>
+            <a:endParaRPr baseline="30000" dirty="0"/>
           </a:p>
         </p:txBody>
       </p:sp>
@@ -13744,7 +14313,7 @@
 </p:sld>
 </file>
 
-<file path=ppt/slides/slide9.xml><?xml version="1.0" encoding="utf-8"?>
+<file path=ppt/slides/slide8.xml><?xml version="1.0" encoding="utf-8"?>
 <p:sld xmlns:a="http://schemas.openxmlformats.org/drawingml/2006/main" xmlns:r="http://schemas.openxmlformats.org/officeDocument/2006/relationships" xmlns:p="http://schemas.openxmlformats.org/presentationml/2006/main">
   <p:cSld>
     <p:spTree>
@@ -13923,104 +14492,19 @@
           </a:bodyPr>
           <a:lstStyle/>
           <a:p>
-            <a:pPr marL="0" lvl="0" indent="0" algn="ctr" rtl="0">
-              <a:spcBef>
-                <a:spcPts val="0"/>
-              </a:spcBef>
-              <a:spcAft>
-                <a:spcPts val="0"/>
-              </a:spcAft>
-              <a:buNone/>
-            </a:pPr>
+            <a:pPr lvl="0" algn="ctr"/>
             <a:r>
-              <a:rPr lang="en"/>
-              <a:t>~1M</a:t>
+              <a:rPr lang="en-US" dirty="0"/>
+              <a:t>People (10</a:t>
             </a:r>
-            <a:endParaRPr/>
-          </a:p>
-        </p:txBody>
-      </p:sp>
-      <p:sp>
-        <p:nvSpPr>
-          <p:cNvPr id="167" name="Google Shape;167;p21"/>
-          <p:cNvSpPr txBox="1"/>
-          <p:nvPr/>
-        </p:nvSpPr>
-        <p:spPr>
-          <a:xfrm>
-            <a:off x="2024250" y="1160475"/>
-            <a:ext cx="816900" cy="335700"/>
-          </a:xfrm>
-          <a:prstGeom prst="rect">
-            <a:avLst/>
-          </a:prstGeom>
-          <a:noFill/>
-          <a:ln>
-            <a:noFill/>
-          </a:ln>
-        </p:spPr>
-        <p:txBody>
-          <a:bodyPr spcFirstLastPara="1" wrap="square" lIns="91425" tIns="91425" rIns="91425" bIns="91425" anchor="ctr" anchorCtr="0">
-            <a:noAutofit/>
-          </a:bodyPr>
-          <a:lstStyle/>
-          <a:p>
-            <a:pPr marL="0" lvl="0" indent="0" algn="ctr" rtl="0">
-              <a:spcBef>
-                <a:spcPts val="0"/>
-              </a:spcBef>
-              <a:spcAft>
-                <a:spcPts val="0"/>
-              </a:spcAft>
-              <a:buNone/>
-            </a:pPr>
             <a:r>
-              <a:rPr lang="en"/>
-              <a:t>~1M</a:t>
+              <a:rPr lang="en-US" baseline="30000" dirty="0"/>
+              <a:t>6</a:t>
             </a:r>
-            <a:endParaRPr/>
-          </a:p>
-        </p:txBody>
-      </p:sp>
-      <p:sp>
-        <p:nvSpPr>
-          <p:cNvPr id="168" name="Google Shape;168;p21"/>
-          <p:cNvSpPr txBox="1"/>
-          <p:nvPr/>
-        </p:nvSpPr>
-        <p:spPr>
-          <a:xfrm>
-            <a:off x="4258950" y="1160475"/>
-            <a:ext cx="2004300" cy="335700"/>
-          </a:xfrm>
-          <a:prstGeom prst="rect">
-            <a:avLst/>
-          </a:prstGeom>
-          <a:noFill/>
-          <a:ln>
-            <a:noFill/>
-          </a:ln>
-        </p:spPr>
-        <p:txBody>
-          <a:bodyPr spcFirstLastPara="1" wrap="square" lIns="91425" tIns="91425" rIns="91425" bIns="91425" anchor="ctr" anchorCtr="0">
-            <a:noAutofit/>
-          </a:bodyPr>
-          <a:lstStyle/>
-          <a:p>
-            <a:pPr marL="0" lvl="0" indent="0" algn="ctr" rtl="0">
-              <a:spcBef>
-                <a:spcPts val="0"/>
-              </a:spcBef>
-              <a:spcAft>
-                <a:spcPts val="0"/>
-              </a:spcAft>
-              <a:buNone/>
-            </a:pPr>
             <a:r>
-              <a:rPr lang="en"/>
-              <a:t>~10k</a:t>
+              <a:rPr lang="en-US" dirty="0"/>
+              <a:t>)</a:t>
             </a:r>
-            <a:endParaRPr/>
           </a:p>
         </p:txBody>
       </p:sp>
@@ -14395,10 +14879,10 @@
               <a:buNone/>
             </a:pPr>
             <a:r>
-              <a:rPr lang="en"/>
-              <a:t>- High-effect genetic variants</a:t>
+              <a:rPr lang="en" dirty="0"/>
+              <a:t>High-effect genetic variants</a:t>
             </a:r>
-            <a:endParaRPr/>
+            <a:endParaRPr dirty="0"/>
           </a:p>
           <a:p>
             <a:pPr marL="0" lvl="0" indent="0" algn="l" rtl="0">
@@ -14410,11 +14894,7 @@
               </a:spcAft>
               <a:buNone/>
             </a:pPr>
-            <a:r>
-              <a:rPr lang="en"/>
-              <a:t>- Signal-to-noise (“heritability”)</a:t>
-            </a:r>
-            <a:endParaRPr/>
+            <a:endParaRPr dirty="0"/>
           </a:p>
           <a:p>
             <a:pPr marL="0" lvl="0" indent="0" algn="l" rtl="0">
@@ -14426,19 +14906,7 @@
               </a:spcAft>
               <a:buNone/>
             </a:pPr>
-            <a:endParaRPr/>
-          </a:p>
-          <a:p>
-            <a:pPr marL="0" lvl="0" indent="0" algn="l" rtl="0">
-              <a:spcBef>
-                <a:spcPts val="0"/>
-              </a:spcBef>
-              <a:spcAft>
-                <a:spcPts val="0"/>
-              </a:spcAft>
-              <a:buNone/>
-            </a:pPr>
-            <a:endParaRPr/>
+            <a:endParaRPr dirty="0"/>
           </a:p>
         </p:txBody>
       </p:sp>
@@ -14446,14 +14914,14 @@
         <p:nvCxnSpPr>
           <p:cNvPr id="177" name="Google Shape;177;p21"/>
           <p:cNvCxnSpPr>
-            <a:stCxn id="176" idx="2"/>
+            <a:cxnSpLocks/>
             <a:endCxn id="178" idx="0"/>
           </p:cNvCxnSpPr>
           <p:nvPr/>
         </p:nvCxnSpPr>
         <p:spPr>
           <a:xfrm>
-            <a:off x="7770150" y="4208300"/>
+            <a:off x="7597430" y="4208300"/>
             <a:ext cx="0" cy="265500"/>
           </a:xfrm>
           <a:prstGeom prst="straightConnector1">
@@ -14479,7 +14947,7 @@
         </p:nvSpPr>
         <p:spPr>
           <a:xfrm>
-            <a:off x="6396150" y="4473800"/>
+            <a:off x="6223430" y="4473800"/>
             <a:ext cx="2748000" cy="375300"/>
           </a:xfrm>
           <a:prstGeom prst="rect">
@@ -14510,6 +14978,352 @@
               <a:t>biology</a:t>
             </a:r>
             <a:endParaRPr sz="2200"/>
+          </a:p>
+        </p:txBody>
+      </p:sp>
+      <p:sp>
+        <p:nvSpPr>
+          <p:cNvPr id="18" name="Google Shape;64;p14">
+            <a:extLst>
+              <a:ext uri="{FF2B5EF4-FFF2-40B4-BE49-F238E27FC236}">
+                <a16:creationId xmlns:a16="http://schemas.microsoft.com/office/drawing/2014/main" id="{79208EF6-EA8E-A643-8C6C-FDED785524E3}"/>
+              </a:ext>
+            </a:extLst>
+          </p:cNvPr>
+          <p:cNvSpPr txBox="1"/>
+          <p:nvPr/>
+        </p:nvSpPr>
+        <p:spPr>
+          <a:xfrm>
+            <a:off x="1327726" y="1160475"/>
+            <a:ext cx="2209948" cy="335700"/>
+          </a:xfrm>
+          <a:prstGeom prst="rect">
+            <a:avLst/>
+          </a:prstGeom>
+          <a:noFill/>
+          <a:ln>
+            <a:noFill/>
+          </a:ln>
+        </p:spPr>
+        <p:txBody>
+          <a:bodyPr spcFirstLastPara="1" wrap="square" lIns="91425" tIns="91425" rIns="91425" bIns="91425" anchor="ctr" anchorCtr="0">
+            <a:noAutofit/>
+          </a:bodyPr>
+          <a:lstStyle/>
+          <a:p>
+            <a:pPr marL="0" lvl="0" indent="0" algn="ctr" rtl="0">
+              <a:spcBef>
+                <a:spcPts val="0"/>
+              </a:spcBef>
+              <a:spcAft>
+                <a:spcPts val="0"/>
+              </a:spcAft>
+              <a:buNone/>
+            </a:pPr>
+            <a:r>
+              <a:rPr lang="en" dirty="0"/>
+              <a:t>Genetic variants (10</a:t>
+            </a:r>
+            <a:r>
+              <a:rPr lang="en" baseline="30000" dirty="0"/>
+              <a:t>6</a:t>
+            </a:r>
+            <a:r>
+              <a:rPr lang="en" dirty="0"/>
+              <a:t>)</a:t>
+            </a:r>
+            <a:endParaRPr dirty="0"/>
+          </a:p>
+        </p:txBody>
+      </p:sp>
+      <p:sp>
+        <p:nvSpPr>
+          <p:cNvPr id="20" name="Google Shape;91;p16">
+            <a:extLst>
+              <a:ext uri="{FF2B5EF4-FFF2-40B4-BE49-F238E27FC236}">
+                <a16:creationId xmlns:a16="http://schemas.microsoft.com/office/drawing/2014/main" id="{6D6DFDC2-48EC-AB40-95F3-8675F76224E4}"/>
+              </a:ext>
+            </a:extLst>
+          </p:cNvPr>
+          <p:cNvSpPr txBox="1"/>
+          <p:nvPr/>
+        </p:nvSpPr>
+        <p:spPr>
+          <a:xfrm>
+            <a:off x="4258950" y="1160475"/>
+            <a:ext cx="2004300" cy="335700"/>
+          </a:xfrm>
+          <a:prstGeom prst="rect">
+            <a:avLst/>
+          </a:prstGeom>
+          <a:noFill/>
+          <a:ln>
+            <a:noFill/>
+          </a:ln>
+        </p:spPr>
+        <p:txBody>
+          <a:bodyPr spcFirstLastPara="1" wrap="square" lIns="91425" tIns="91425" rIns="91425" bIns="91425" anchor="ctr" anchorCtr="0">
+            <a:noAutofit/>
+          </a:bodyPr>
+          <a:lstStyle/>
+          <a:p>
+            <a:pPr marL="0" lvl="0" indent="0" algn="ctr" rtl="0">
+              <a:spcBef>
+                <a:spcPts val="0"/>
+              </a:spcBef>
+              <a:spcAft>
+                <a:spcPts val="0"/>
+              </a:spcAft>
+              <a:buNone/>
+            </a:pPr>
+            <a:r>
+              <a:rPr lang="en" dirty="0"/>
+              <a:t>Phenotypes (10</a:t>
+            </a:r>
+            <a:r>
+              <a:rPr lang="en" baseline="30000" dirty="0"/>
+              <a:t>4</a:t>
+            </a:r>
+            <a:r>
+              <a:rPr lang="en" dirty="0"/>
+              <a:t>)</a:t>
+            </a:r>
+            <a:endParaRPr baseline="30000" dirty="0"/>
+          </a:p>
+        </p:txBody>
+      </p:sp>
+    </p:spTree>
+  </p:cSld>
+  <p:clrMapOvr>
+    <a:masterClrMapping/>
+  </p:clrMapOvr>
+</p:sld>
+</file>
+
+<file path=ppt/slides/slide9.xml><?xml version="1.0" encoding="utf-8"?>
+<p:sld xmlns:a="http://schemas.openxmlformats.org/drawingml/2006/main" xmlns:r="http://schemas.openxmlformats.org/officeDocument/2006/relationships" xmlns:p="http://schemas.openxmlformats.org/presentationml/2006/main">
+  <p:cSld>
+    <p:spTree>
+      <p:nvGrpSpPr>
+        <p:cNvPr id="1" name="Shape 182"/>
+        <p:cNvGrpSpPr/>
+        <p:nvPr/>
+      </p:nvGrpSpPr>
+      <p:grpSpPr>
+        <a:xfrm>
+          <a:off x="0" y="0"/>
+          <a:ext cx="0" cy="0"/>
+          <a:chOff x="0" y="0"/>
+          <a:chExt cx="0" cy="0"/>
+        </a:xfrm>
+      </p:grpSpPr>
+      <p:sp>
+        <p:nvSpPr>
+          <p:cNvPr id="183" name="Google Shape;183;p22"/>
+          <p:cNvSpPr txBox="1">
+            <a:spLocks noGrp="1"/>
+          </p:cNvSpPr>
+          <p:nvPr>
+            <p:ph type="title"/>
+          </p:nvPr>
+        </p:nvSpPr>
+        <p:spPr>
+          <a:xfrm>
+            <a:off x="311700" y="445025"/>
+            <a:ext cx="8520600" cy="572700"/>
+          </a:xfrm>
+          <a:prstGeom prst="rect">
+            <a:avLst/>
+          </a:prstGeom>
+        </p:spPr>
+        <p:txBody>
+          <a:bodyPr spcFirstLastPara="1" wrap="square" lIns="91425" tIns="91425" rIns="91425" bIns="91425" anchor="t" anchorCtr="0">
+            <a:noAutofit/>
+          </a:bodyPr>
+          <a:lstStyle/>
+          <a:p>
+            <a:pPr marL="0" lvl="0" indent="0" algn="l" rtl="0">
+              <a:spcBef>
+                <a:spcPts val="0"/>
+              </a:spcBef>
+              <a:spcAft>
+                <a:spcPts val="0"/>
+              </a:spcAft>
+              <a:buNone/>
+            </a:pPr>
+            <a:r>
+              <a:rPr lang="en"/>
+              <a:t>Observed phenotypes have shared structure!</a:t>
+            </a:r>
+            <a:endParaRPr/>
+          </a:p>
+        </p:txBody>
+      </p:sp>
+      <p:pic>
+        <p:nvPicPr>
+          <p:cNvPr id="184" name="Google Shape;184;p22"/>
+          <p:cNvPicPr preferRelativeResize="0"/>
+          <p:nvPr/>
+        </p:nvPicPr>
+        <p:blipFill>
+          <a:blip r:embed="rId3">
+            <a:alphaModFix/>
+          </a:blip>
+          <a:stretch>
+            <a:fillRect/>
+          </a:stretch>
+        </p:blipFill>
+        <p:spPr>
+          <a:xfrm>
+            <a:off x="2605688" y="1177375"/>
+            <a:ext cx="3932625" cy="3538325"/>
+          </a:xfrm>
+          <a:prstGeom prst="rect">
+            <a:avLst/>
+          </a:prstGeom>
+          <a:noFill/>
+          <a:ln>
+            <a:noFill/>
+          </a:ln>
+        </p:spPr>
+      </p:pic>
+      <p:sp>
+        <p:nvSpPr>
+          <p:cNvPr id="185" name="Google Shape;185;p22"/>
+          <p:cNvSpPr txBox="1"/>
+          <p:nvPr/>
+        </p:nvSpPr>
+        <p:spPr>
+          <a:xfrm>
+            <a:off x="2710175" y="4619875"/>
+            <a:ext cx="3278400" cy="335700"/>
+          </a:xfrm>
+          <a:prstGeom prst="rect">
+            <a:avLst/>
+          </a:prstGeom>
+          <a:noFill/>
+          <a:ln>
+            <a:noFill/>
+          </a:ln>
+        </p:spPr>
+        <p:txBody>
+          <a:bodyPr spcFirstLastPara="1" wrap="square" lIns="91425" tIns="91425" rIns="91425" bIns="91425" anchor="ctr" anchorCtr="0">
+            <a:noAutofit/>
+          </a:bodyPr>
+          <a:lstStyle/>
+          <a:p>
+            <a:pPr marL="0" lvl="0" indent="0" algn="ctr" rtl="0">
+              <a:spcBef>
+                <a:spcPts val="0"/>
+              </a:spcBef>
+              <a:spcAft>
+                <a:spcPts val="0"/>
+              </a:spcAft>
+              <a:buNone/>
+            </a:pPr>
+            <a:r>
+              <a:rPr lang="en" sz="2000"/>
+              <a:t>~4k phenotypes</a:t>
+            </a:r>
+            <a:endParaRPr sz="2000"/>
+          </a:p>
+        </p:txBody>
+      </p:sp>
+      <p:sp>
+        <p:nvSpPr>
+          <p:cNvPr id="186" name="Google Shape;186;p22"/>
+          <p:cNvSpPr txBox="1"/>
+          <p:nvPr/>
+        </p:nvSpPr>
+        <p:spPr>
+          <a:xfrm rot="-5400000">
+            <a:off x="794900" y="2775825"/>
+            <a:ext cx="3285900" cy="335700"/>
+          </a:xfrm>
+          <a:prstGeom prst="rect">
+            <a:avLst/>
+          </a:prstGeom>
+          <a:noFill/>
+          <a:ln>
+            <a:noFill/>
+          </a:ln>
+        </p:spPr>
+        <p:txBody>
+          <a:bodyPr spcFirstLastPara="1" wrap="square" lIns="91425" tIns="91425" rIns="91425" bIns="91425" anchor="ctr" anchorCtr="0">
+            <a:noAutofit/>
+          </a:bodyPr>
+          <a:lstStyle/>
+          <a:p>
+            <a:pPr marL="0" lvl="0" indent="0" algn="ctr" rtl="0">
+              <a:spcBef>
+                <a:spcPts val="0"/>
+              </a:spcBef>
+              <a:spcAft>
+                <a:spcPts val="0"/>
+              </a:spcAft>
+              <a:buNone/>
+            </a:pPr>
+            <a:r>
+              <a:rPr lang="en" sz="2000"/>
+              <a:t>~4k phenotypes</a:t>
+            </a:r>
+            <a:endParaRPr sz="2000"/>
+          </a:p>
+        </p:txBody>
+      </p:sp>
+      <p:sp>
+        <p:nvSpPr>
+          <p:cNvPr id="187" name="Google Shape;187;p22"/>
+          <p:cNvSpPr txBox="1"/>
+          <p:nvPr/>
+        </p:nvSpPr>
+        <p:spPr>
+          <a:xfrm>
+            <a:off x="7132498" y="4822950"/>
+            <a:ext cx="2062500" cy="233100"/>
+          </a:xfrm>
+          <a:prstGeom prst="rect">
+            <a:avLst/>
+          </a:prstGeom>
+          <a:noFill/>
+          <a:ln>
+            <a:noFill/>
+          </a:ln>
+        </p:spPr>
+        <p:txBody>
+          <a:bodyPr spcFirstLastPara="1" wrap="square" lIns="91425" tIns="91425" rIns="91425" bIns="91425" anchor="t" anchorCtr="0">
+            <a:noAutofit/>
+          </a:bodyPr>
+          <a:lstStyle/>
+          <a:p>
+            <a:pPr marL="0" lvl="0" indent="0" algn="r" rtl="0">
+              <a:spcBef>
+                <a:spcPts val="0"/>
+              </a:spcBef>
+              <a:spcAft>
+                <a:spcPts val="0"/>
+              </a:spcAft>
+              <a:buNone/>
+            </a:pPr>
+            <a:r>
+              <a:rPr lang="en" sz="1200"/>
+              <a:t>[from </a:t>
+            </a:r>
+            <a:r>
+              <a:rPr lang="en" sz="1100" u="sng">
+                <a:solidFill>
+                  <a:schemeClr val="hlink"/>
+                </a:solidFill>
+                <a:hlinkClick r:id="rId4"/>
+              </a:rPr>
+              <a:t>https://ukbb-rg.hail.is/</a:t>
+            </a:r>
+            <a:r>
+              <a:rPr lang="en" sz="1200"/>
+              <a:t>]</a:t>
+            </a:r>
+            <a:endParaRPr sz="1200"/>
           </a:p>
         </p:txBody>
       </p:sp>
